--- a/Unidades/Unidad_4/TP Conceptual 2.pptx
+++ b/Unidades/Unidad_4/TP Conceptual 2.pptx
@@ -2,16 +2,16 @@
 <file path=ppt/presentation.xml><?xml version="1.0" encoding="utf-8"?>
 <p:presentation xmlns:a="http://schemas.openxmlformats.org/drawingml/2006/main" xmlns:r="http://schemas.openxmlformats.org/officeDocument/2006/relationships" xmlns:p="http://schemas.openxmlformats.org/presentationml/2006/main" saveSubsetFonts="1">
   <p:sldMasterIdLst>
-    <p:sldMasterId id="2147483648" r:id="rId1"/>
+    <p:sldMasterId id="2147483672" r:id="rId1"/>
   </p:sldMasterIdLst>
   <p:sldIdLst>
     <p:sldId id="256" r:id="rId2"/>
   </p:sldIdLst>
-  <p:sldSz cx="12192000" cy="6858000"/>
+  <p:sldSz cx="6858000" cy="9144000" type="screen4x3"/>
   <p:notesSz cx="6858000" cy="9144000"/>
   <p:defaultTextStyle>
     <a:defPPr>
-      <a:defRPr lang="es-ES"/>
+      <a:defRPr lang="es-AR"/>
     </a:defPPr>
     <a:lvl1pPr marL="0" algn="l" defTabSz="914400" rtl="0" eaLnBrk="1" latinLnBrk="0" hangingPunct="1">
       <a:defRPr sz="1800" kern="1200">
@@ -104,6 +104,11 @@
       </a:defRPr>
     </a:lvl9pPr>
   </p:defaultTextStyle>
+  <p:extLst>
+    <p:ext uri="{EFAFB233-063F-42B5-8137-9DF3F51BA10A}">
+      <p15:sldGuideLst xmlns:p15="http://schemas.microsoft.com/office/powerpoint/2012/main"/>
+    </p:ext>
+  </p:extLst>
 </p:presentation>
 </file>
 
@@ -126,7 +131,7 @@
       </p:grpSpPr>
       <p:sp>
         <p:nvSpPr>
-          <p:cNvPr id="2" name="Título 1"/>
+          <p:cNvPr id="2" name="Title 1"/>
           <p:cNvSpPr>
             <a:spLocks noGrp="1"/>
           </p:cNvSpPr>
@@ -136,15 +141,15 @@
         </p:nvSpPr>
         <p:spPr>
           <a:xfrm>
-            <a:off x="1524000" y="1122363"/>
-            <a:ext cx="9144000" cy="2387600"/>
+            <a:off x="514350" y="1496484"/>
+            <a:ext cx="5829300" cy="3183467"/>
           </a:xfrm>
         </p:spPr>
         <p:txBody>
           <a:bodyPr anchor="b"/>
           <a:lstStyle>
             <a:lvl1pPr algn="ctr">
-              <a:defRPr sz="6000"/>
+              <a:defRPr sz="4500"/>
             </a:lvl1pPr>
           </a:lstStyle>
           <a:p>
@@ -152,13 +157,13 @@
               <a:rPr lang="es-ES" smtClean="0"/>
               <a:t>Haga clic para modificar el estilo de título del patrón</a:t>
             </a:r>
-            <a:endParaRPr lang="es-ES"/>
-          </a:p>
-        </p:txBody>
-      </p:sp>
-      <p:sp>
-        <p:nvSpPr>
-          <p:cNvPr id="3" name="Subtítulo 2"/>
+            <a:endParaRPr lang="en-US" dirty="0"/>
+          </a:p>
+        </p:txBody>
+      </p:sp>
+      <p:sp>
+        <p:nvSpPr>
+          <p:cNvPr id="3" name="Subtitle 2"/>
           <p:cNvSpPr>
             <a:spLocks noGrp="1"/>
           </p:cNvSpPr>
@@ -168,8 +173,8 @@
         </p:nvSpPr>
         <p:spPr>
           <a:xfrm>
-            <a:off x="1524000" y="3602038"/>
-            <a:ext cx="9144000" cy="1655762"/>
+            <a:off x="857250" y="4802717"/>
+            <a:ext cx="5143500" cy="2207683"/>
           </a:xfrm>
         </p:spPr>
         <p:txBody>
@@ -177,39 +182,39 @@
           <a:lstStyle>
             <a:lvl1pPr marL="0" indent="0" algn="ctr">
               <a:buNone/>
-              <a:defRPr sz="2400"/>
+              <a:defRPr sz="1800"/>
             </a:lvl1pPr>
-            <a:lvl2pPr marL="457200" indent="0" algn="ctr">
-              <a:buNone/>
-              <a:defRPr sz="2000"/>
+            <a:lvl2pPr marL="342900" indent="0" algn="ctr">
+              <a:buNone/>
+              <a:defRPr sz="1500"/>
             </a:lvl2pPr>
-            <a:lvl3pPr marL="914400" indent="0" algn="ctr">
-              <a:buNone/>
-              <a:defRPr sz="1800"/>
+            <a:lvl3pPr marL="685800" indent="0" algn="ctr">
+              <a:buNone/>
+              <a:defRPr sz="1350"/>
             </a:lvl3pPr>
-            <a:lvl4pPr marL="1371600" indent="0" algn="ctr">
-              <a:buNone/>
-              <a:defRPr sz="1600"/>
+            <a:lvl4pPr marL="1028700" indent="0" algn="ctr">
+              <a:buNone/>
+              <a:defRPr sz="1200"/>
             </a:lvl4pPr>
-            <a:lvl5pPr marL="1828800" indent="0" algn="ctr">
-              <a:buNone/>
-              <a:defRPr sz="1600"/>
+            <a:lvl5pPr marL="1371600" indent="0" algn="ctr">
+              <a:buNone/>
+              <a:defRPr sz="1200"/>
             </a:lvl5pPr>
-            <a:lvl6pPr marL="2286000" indent="0" algn="ctr">
-              <a:buNone/>
-              <a:defRPr sz="1600"/>
+            <a:lvl6pPr marL="1714500" indent="0" algn="ctr">
+              <a:buNone/>
+              <a:defRPr sz="1200"/>
             </a:lvl6pPr>
-            <a:lvl7pPr marL="2743200" indent="0" algn="ctr">
-              <a:buNone/>
-              <a:defRPr sz="1600"/>
+            <a:lvl7pPr marL="2057400" indent="0" algn="ctr">
+              <a:buNone/>
+              <a:defRPr sz="1200"/>
             </a:lvl7pPr>
-            <a:lvl8pPr marL="3200400" indent="0" algn="ctr">
-              <a:buNone/>
-              <a:defRPr sz="1600"/>
+            <a:lvl8pPr marL="2400300" indent="0" algn="ctr">
+              <a:buNone/>
+              <a:defRPr sz="1200"/>
             </a:lvl8pPr>
-            <a:lvl9pPr marL="3657600" indent="0" algn="ctr">
-              <a:buNone/>
-              <a:defRPr sz="1600"/>
+            <a:lvl9pPr marL="2743200" indent="0" algn="ctr">
+              <a:buNone/>
+              <a:defRPr sz="1200"/>
             </a:lvl9pPr>
           </a:lstStyle>
           <a:p>
@@ -217,13 +222,13 @@
               <a:rPr lang="es-ES" smtClean="0"/>
               <a:t>Haga clic para editar el estilo de subtítulo del patrón</a:t>
             </a:r>
-            <a:endParaRPr lang="es-ES"/>
-          </a:p>
-        </p:txBody>
-      </p:sp>
-      <p:sp>
-        <p:nvSpPr>
-          <p:cNvPr id="4" name="Marcador de fecha 3"/>
+            <a:endParaRPr lang="en-US" dirty="0"/>
+          </a:p>
+        </p:txBody>
+      </p:sp>
+      <p:sp>
+        <p:nvSpPr>
+          <p:cNvPr id="4" name="Date Placeholder 3"/>
           <p:cNvSpPr>
             <a:spLocks noGrp="1"/>
           </p:cNvSpPr>
@@ -236,17 +241,17 @@
           <a:bodyPr/>
           <a:lstStyle/>
           <a:p>
-            <a:fld id="{4E0A320C-DAE9-4057-9861-A6799CAF9E2C}" type="datetimeFigureOut">
-              <a:rPr lang="es-ES" smtClean="0"/>
-              <a:t>15/06/2022</a:t>
+            <a:fld id="{2B17AD54-F340-4921-A60F-D83A0835B3C2}" type="datetimeFigureOut">
+              <a:rPr lang="es-AR" smtClean="0"/>
+              <a:t>24/6/2022</a:t>
             </a:fld>
-            <a:endParaRPr lang="es-ES"/>
-          </a:p>
-        </p:txBody>
-      </p:sp>
-      <p:sp>
-        <p:nvSpPr>
-          <p:cNvPr id="5" name="Marcador de pie de página 4"/>
+            <a:endParaRPr lang="es-AR"/>
+          </a:p>
+        </p:txBody>
+      </p:sp>
+      <p:sp>
+        <p:nvSpPr>
+          <p:cNvPr id="5" name="Footer Placeholder 4"/>
           <p:cNvSpPr>
             <a:spLocks noGrp="1"/>
           </p:cNvSpPr>
@@ -259,13 +264,13 @@
           <a:bodyPr/>
           <a:lstStyle/>
           <a:p>
-            <a:endParaRPr lang="es-ES"/>
-          </a:p>
-        </p:txBody>
-      </p:sp>
-      <p:sp>
-        <p:nvSpPr>
-          <p:cNvPr id="6" name="Marcador de número de diapositiva 5"/>
+            <a:endParaRPr lang="es-AR"/>
+          </a:p>
+        </p:txBody>
+      </p:sp>
+      <p:sp>
+        <p:nvSpPr>
+          <p:cNvPr id="6" name="Slide Number Placeholder 5"/>
           <p:cNvSpPr>
             <a:spLocks noGrp="1"/>
           </p:cNvSpPr>
@@ -278,18 +283,18 @@
           <a:bodyPr/>
           <a:lstStyle/>
           <a:p>
-            <a:fld id="{18BA3526-D82A-44C2-AC6B-087B3F0EE2DC}" type="slidenum">
-              <a:rPr lang="es-ES" smtClean="0"/>
+            <a:fld id="{80FFEF42-72B5-4E7A-9603-DA256DFCF1A4}" type="slidenum">
+              <a:rPr lang="es-AR" smtClean="0"/>
               <a:t>‹Nº›</a:t>
             </a:fld>
-            <a:endParaRPr lang="es-ES"/>
+            <a:endParaRPr lang="es-AR"/>
           </a:p>
         </p:txBody>
       </p:sp>
     </p:spTree>
     <p:extLst>
       <p:ext uri="{BB962C8B-B14F-4D97-AF65-F5344CB8AC3E}">
-        <p14:creationId xmlns:p14="http://schemas.microsoft.com/office/powerpoint/2010/main" val="4021179859"/>
+        <p14:creationId xmlns:p14="http://schemas.microsoft.com/office/powerpoint/2010/main" val="1366388292"/>
       </p:ext>
     </p:extLst>
   </p:cSld>
@@ -318,7 +323,7 @@
       </p:grpSpPr>
       <p:sp>
         <p:nvSpPr>
-          <p:cNvPr id="2" name="Título 1"/>
+          <p:cNvPr id="2" name="Title 1"/>
           <p:cNvSpPr>
             <a:spLocks noGrp="1"/>
           </p:cNvSpPr>
@@ -335,13 +340,13 @@
               <a:rPr lang="es-ES" smtClean="0"/>
               <a:t>Haga clic para modificar el estilo de título del patrón</a:t>
             </a:r>
-            <a:endParaRPr lang="es-ES"/>
-          </a:p>
-        </p:txBody>
-      </p:sp>
-      <p:sp>
-        <p:nvSpPr>
-          <p:cNvPr id="3" name="Marcador de texto vertical 2"/>
+            <a:endParaRPr lang="en-US" dirty="0"/>
+          </a:p>
+        </p:txBody>
+      </p:sp>
+      <p:sp>
+        <p:nvSpPr>
+          <p:cNvPr id="3" name="Vertical Text Placeholder 2"/>
           <p:cNvSpPr>
             <a:spLocks noGrp="1"/>
           </p:cNvSpPr>
@@ -387,13 +392,13 @@
               <a:rPr lang="es-ES" smtClean="0"/>
               <a:t>Quinto nivel</a:t>
             </a:r>
-            <a:endParaRPr lang="es-ES"/>
-          </a:p>
-        </p:txBody>
-      </p:sp>
-      <p:sp>
-        <p:nvSpPr>
-          <p:cNvPr id="4" name="Marcador de fecha 3"/>
+            <a:endParaRPr lang="en-US" dirty="0"/>
+          </a:p>
+        </p:txBody>
+      </p:sp>
+      <p:sp>
+        <p:nvSpPr>
+          <p:cNvPr id="4" name="Date Placeholder 3"/>
           <p:cNvSpPr>
             <a:spLocks noGrp="1"/>
           </p:cNvSpPr>
@@ -406,17 +411,17 @@
           <a:bodyPr/>
           <a:lstStyle/>
           <a:p>
-            <a:fld id="{4E0A320C-DAE9-4057-9861-A6799CAF9E2C}" type="datetimeFigureOut">
-              <a:rPr lang="es-ES" smtClean="0"/>
-              <a:t>15/06/2022</a:t>
+            <a:fld id="{2B17AD54-F340-4921-A60F-D83A0835B3C2}" type="datetimeFigureOut">
+              <a:rPr lang="es-AR" smtClean="0"/>
+              <a:t>24/6/2022</a:t>
             </a:fld>
-            <a:endParaRPr lang="es-ES"/>
-          </a:p>
-        </p:txBody>
-      </p:sp>
-      <p:sp>
-        <p:nvSpPr>
-          <p:cNvPr id="5" name="Marcador de pie de página 4"/>
+            <a:endParaRPr lang="es-AR"/>
+          </a:p>
+        </p:txBody>
+      </p:sp>
+      <p:sp>
+        <p:nvSpPr>
+          <p:cNvPr id="5" name="Footer Placeholder 4"/>
           <p:cNvSpPr>
             <a:spLocks noGrp="1"/>
           </p:cNvSpPr>
@@ -429,13 +434,13 @@
           <a:bodyPr/>
           <a:lstStyle/>
           <a:p>
-            <a:endParaRPr lang="es-ES"/>
-          </a:p>
-        </p:txBody>
-      </p:sp>
-      <p:sp>
-        <p:nvSpPr>
-          <p:cNvPr id="6" name="Marcador de número de diapositiva 5"/>
+            <a:endParaRPr lang="es-AR"/>
+          </a:p>
+        </p:txBody>
+      </p:sp>
+      <p:sp>
+        <p:nvSpPr>
+          <p:cNvPr id="6" name="Slide Number Placeholder 5"/>
           <p:cNvSpPr>
             <a:spLocks noGrp="1"/>
           </p:cNvSpPr>
@@ -448,18 +453,18 @@
           <a:bodyPr/>
           <a:lstStyle/>
           <a:p>
-            <a:fld id="{18BA3526-D82A-44C2-AC6B-087B3F0EE2DC}" type="slidenum">
-              <a:rPr lang="es-ES" smtClean="0"/>
+            <a:fld id="{80FFEF42-72B5-4E7A-9603-DA256DFCF1A4}" type="slidenum">
+              <a:rPr lang="es-AR" smtClean="0"/>
               <a:t>‹Nº›</a:t>
             </a:fld>
-            <a:endParaRPr lang="es-ES"/>
+            <a:endParaRPr lang="es-AR"/>
           </a:p>
         </p:txBody>
       </p:sp>
     </p:spTree>
     <p:extLst>
       <p:ext uri="{BB962C8B-B14F-4D97-AF65-F5344CB8AC3E}">
-        <p14:creationId xmlns:p14="http://schemas.microsoft.com/office/powerpoint/2010/main" val="2670170967"/>
+        <p14:creationId xmlns:p14="http://schemas.microsoft.com/office/powerpoint/2010/main" val="3232511972"/>
       </p:ext>
     </p:extLst>
   </p:cSld>
@@ -488,7 +493,7 @@
       </p:grpSpPr>
       <p:sp>
         <p:nvSpPr>
-          <p:cNvPr id="2" name="Título vertical 1"/>
+          <p:cNvPr id="2" name="Vertical Title 1"/>
           <p:cNvSpPr>
             <a:spLocks noGrp="1"/>
           </p:cNvSpPr>
@@ -498,8 +503,8 @@
         </p:nvSpPr>
         <p:spPr>
           <a:xfrm>
-            <a:off x="8724900" y="365125"/>
-            <a:ext cx="2628900" cy="5811838"/>
+            <a:off x="4907757" y="486834"/>
+            <a:ext cx="1478756" cy="7749117"/>
           </a:xfrm>
         </p:spPr>
         <p:txBody>
@@ -510,13 +515,13 @@
               <a:rPr lang="es-ES" smtClean="0"/>
               <a:t>Haga clic para modificar el estilo de título del patrón</a:t>
             </a:r>
-            <a:endParaRPr lang="es-ES"/>
-          </a:p>
-        </p:txBody>
-      </p:sp>
-      <p:sp>
-        <p:nvSpPr>
-          <p:cNvPr id="3" name="Marcador de texto vertical 2"/>
+            <a:endParaRPr lang="en-US" dirty="0"/>
+          </a:p>
+        </p:txBody>
+      </p:sp>
+      <p:sp>
+        <p:nvSpPr>
+          <p:cNvPr id="3" name="Vertical Text Placeholder 2"/>
           <p:cNvSpPr>
             <a:spLocks noGrp="1"/>
           </p:cNvSpPr>
@@ -526,8 +531,8 @@
         </p:nvSpPr>
         <p:spPr>
           <a:xfrm>
-            <a:off x="838200" y="365125"/>
-            <a:ext cx="7734300" cy="5811838"/>
+            <a:off x="471488" y="486834"/>
+            <a:ext cx="4350544" cy="7749117"/>
           </a:xfrm>
         </p:spPr>
         <p:txBody>
@@ -567,13 +572,13 @@
               <a:rPr lang="es-ES" smtClean="0"/>
               <a:t>Quinto nivel</a:t>
             </a:r>
-            <a:endParaRPr lang="es-ES"/>
-          </a:p>
-        </p:txBody>
-      </p:sp>
-      <p:sp>
-        <p:nvSpPr>
-          <p:cNvPr id="4" name="Marcador de fecha 3"/>
+            <a:endParaRPr lang="en-US" dirty="0"/>
+          </a:p>
+        </p:txBody>
+      </p:sp>
+      <p:sp>
+        <p:nvSpPr>
+          <p:cNvPr id="4" name="Date Placeholder 3"/>
           <p:cNvSpPr>
             <a:spLocks noGrp="1"/>
           </p:cNvSpPr>
@@ -586,17 +591,17 @@
           <a:bodyPr/>
           <a:lstStyle/>
           <a:p>
-            <a:fld id="{4E0A320C-DAE9-4057-9861-A6799CAF9E2C}" type="datetimeFigureOut">
-              <a:rPr lang="es-ES" smtClean="0"/>
-              <a:t>15/06/2022</a:t>
+            <a:fld id="{2B17AD54-F340-4921-A60F-D83A0835B3C2}" type="datetimeFigureOut">
+              <a:rPr lang="es-AR" smtClean="0"/>
+              <a:t>24/6/2022</a:t>
             </a:fld>
-            <a:endParaRPr lang="es-ES"/>
-          </a:p>
-        </p:txBody>
-      </p:sp>
-      <p:sp>
-        <p:nvSpPr>
-          <p:cNvPr id="5" name="Marcador de pie de página 4"/>
+            <a:endParaRPr lang="es-AR"/>
+          </a:p>
+        </p:txBody>
+      </p:sp>
+      <p:sp>
+        <p:nvSpPr>
+          <p:cNvPr id="5" name="Footer Placeholder 4"/>
           <p:cNvSpPr>
             <a:spLocks noGrp="1"/>
           </p:cNvSpPr>
@@ -609,13 +614,13 @@
           <a:bodyPr/>
           <a:lstStyle/>
           <a:p>
-            <a:endParaRPr lang="es-ES"/>
-          </a:p>
-        </p:txBody>
-      </p:sp>
-      <p:sp>
-        <p:nvSpPr>
-          <p:cNvPr id="6" name="Marcador de número de diapositiva 5"/>
+            <a:endParaRPr lang="es-AR"/>
+          </a:p>
+        </p:txBody>
+      </p:sp>
+      <p:sp>
+        <p:nvSpPr>
+          <p:cNvPr id="6" name="Slide Number Placeholder 5"/>
           <p:cNvSpPr>
             <a:spLocks noGrp="1"/>
           </p:cNvSpPr>
@@ -628,18 +633,18 @@
           <a:bodyPr/>
           <a:lstStyle/>
           <a:p>
-            <a:fld id="{18BA3526-D82A-44C2-AC6B-087B3F0EE2DC}" type="slidenum">
-              <a:rPr lang="es-ES" smtClean="0"/>
+            <a:fld id="{80FFEF42-72B5-4E7A-9603-DA256DFCF1A4}" type="slidenum">
+              <a:rPr lang="es-AR" smtClean="0"/>
               <a:t>‹Nº›</a:t>
             </a:fld>
-            <a:endParaRPr lang="es-ES"/>
+            <a:endParaRPr lang="es-AR"/>
           </a:p>
         </p:txBody>
       </p:sp>
     </p:spTree>
     <p:extLst>
       <p:ext uri="{BB962C8B-B14F-4D97-AF65-F5344CB8AC3E}">
-        <p14:creationId xmlns:p14="http://schemas.microsoft.com/office/powerpoint/2010/main" val="2335611219"/>
+        <p14:creationId xmlns:p14="http://schemas.microsoft.com/office/powerpoint/2010/main" val="2436531521"/>
       </p:ext>
     </p:extLst>
   </p:cSld>
@@ -668,7 +673,7 @@
       </p:grpSpPr>
       <p:sp>
         <p:nvSpPr>
-          <p:cNvPr id="2" name="Título 1"/>
+          <p:cNvPr id="2" name="Title 1"/>
           <p:cNvSpPr>
             <a:spLocks noGrp="1"/>
           </p:cNvSpPr>
@@ -685,13 +690,13 @@
               <a:rPr lang="es-ES" smtClean="0"/>
               <a:t>Haga clic para modificar el estilo de título del patrón</a:t>
             </a:r>
-            <a:endParaRPr lang="es-ES"/>
-          </a:p>
-        </p:txBody>
-      </p:sp>
-      <p:sp>
-        <p:nvSpPr>
-          <p:cNvPr id="3" name="Marcador de contenido 2"/>
+            <a:endParaRPr lang="en-US" dirty="0"/>
+          </a:p>
+        </p:txBody>
+      </p:sp>
+      <p:sp>
+        <p:nvSpPr>
+          <p:cNvPr id="3" name="Content Placeholder 2"/>
           <p:cNvSpPr>
             <a:spLocks noGrp="1"/>
           </p:cNvSpPr>
@@ -737,13 +742,13 @@
               <a:rPr lang="es-ES" smtClean="0"/>
               <a:t>Quinto nivel</a:t>
             </a:r>
-            <a:endParaRPr lang="es-ES"/>
-          </a:p>
-        </p:txBody>
-      </p:sp>
-      <p:sp>
-        <p:nvSpPr>
-          <p:cNvPr id="4" name="Marcador de fecha 3"/>
+            <a:endParaRPr lang="en-US" dirty="0"/>
+          </a:p>
+        </p:txBody>
+      </p:sp>
+      <p:sp>
+        <p:nvSpPr>
+          <p:cNvPr id="4" name="Date Placeholder 3"/>
           <p:cNvSpPr>
             <a:spLocks noGrp="1"/>
           </p:cNvSpPr>
@@ -756,17 +761,17 @@
           <a:bodyPr/>
           <a:lstStyle/>
           <a:p>
-            <a:fld id="{4E0A320C-DAE9-4057-9861-A6799CAF9E2C}" type="datetimeFigureOut">
-              <a:rPr lang="es-ES" smtClean="0"/>
-              <a:t>15/06/2022</a:t>
+            <a:fld id="{2B17AD54-F340-4921-A60F-D83A0835B3C2}" type="datetimeFigureOut">
+              <a:rPr lang="es-AR" smtClean="0"/>
+              <a:t>24/6/2022</a:t>
             </a:fld>
-            <a:endParaRPr lang="es-ES"/>
-          </a:p>
-        </p:txBody>
-      </p:sp>
-      <p:sp>
-        <p:nvSpPr>
-          <p:cNvPr id="5" name="Marcador de pie de página 4"/>
+            <a:endParaRPr lang="es-AR"/>
+          </a:p>
+        </p:txBody>
+      </p:sp>
+      <p:sp>
+        <p:nvSpPr>
+          <p:cNvPr id="5" name="Footer Placeholder 4"/>
           <p:cNvSpPr>
             <a:spLocks noGrp="1"/>
           </p:cNvSpPr>
@@ -779,13 +784,13 @@
           <a:bodyPr/>
           <a:lstStyle/>
           <a:p>
-            <a:endParaRPr lang="es-ES"/>
-          </a:p>
-        </p:txBody>
-      </p:sp>
-      <p:sp>
-        <p:nvSpPr>
-          <p:cNvPr id="6" name="Marcador de número de diapositiva 5"/>
+            <a:endParaRPr lang="es-AR"/>
+          </a:p>
+        </p:txBody>
+      </p:sp>
+      <p:sp>
+        <p:nvSpPr>
+          <p:cNvPr id="6" name="Slide Number Placeholder 5"/>
           <p:cNvSpPr>
             <a:spLocks noGrp="1"/>
           </p:cNvSpPr>
@@ -798,18 +803,18 @@
           <a:bodyPr/>
           <a:lstStyle/>
           <a:p>
-            <a:fld id="{18BA3526-D82A-44C2-AC6B-087B3F0EE2DC}" type="slidenum">
-              <a:rPr lang="es-ES" smtClean="0"/>
+            <a:fld id="{80FFEF42-72B5-4E7A-9603-DA256DFCF1A4}" type="slidenum">
+              <a:rPr lang="es-AR" smtClean="0"/>
               <a:t>‹Nº›</a:t>
             </a:fld>
-            <a:endParaRPr lang="es-ES"/>
+            <a:endParaRPr lang="es-AR"/>
           </a:p>
         </p:txBody>
       </p:sp>
     </p:spTree>
     <p:extLst>
       <p:ext uri="{BB962C8B-B14F-4D97-AF65-F5344CB8AC3E}">
-        <p14:creationId xmlns:p14="http://schemas.microsoft.com/office/powerpoint/2010/main" val="1736055169"/>
+        <p14:creationId xmlns:p14="http://schemas.microsoft.com/office/powerpoint/2010/main" val="3892585264"/>
       </p:ext>
     </p:extLst>
   </p:cSld>
@@ -838,7 +843,7 @@
       </p:grpSpPr>
       <p:sp>
         <p:nvSpPr>
-          <p:cNvPr id="2" name="Título 1"/>
+          <p:cNvPr id="2" name="Title 1"/>
           <p:cNvSpPr>
             <a:spLocks noGrp="1"/>
           </p:cNvSpPr>
@@ -848,15 +853,15 @@
         </p:nvSpPr>
         <p:spPr>
           <a:xfrm>
-            <a:off x="831850" y="1709738"/>
-            <a:ext cx="10515600" cy="2852737"/>
+            <a:off x="467916" y="2279653"/>
+            <a:ext cx="5915025" cy="3803649"/>
           </a:xfrm>
         </p:spPr>
         <p:txBody>
           <a:bodyPr anchor="b"/>
           <a:lstStyle>
             <a:lvl1pPr>
-              <a:defRPr sz="6000"/>
+              <a:defRPr sz="4500"/>
             </a:lvl1pPr>
           </a:lstStyle>
           <a:p>
@@ -864,13 +869,13 @@
               <a:rPr lang="es-ES" smtClean="0"/>
               <a:t>Haga clic para modificar el estilo de título del patrón</a:t>
             </a:r>
-            <a:endParaRPr lang="es-ES"/>
-          </a:p>
-        </p:txBody>
-      </p:sp>
-      <p:sp>
-        <p:nvSpPr>
-          <p:cNvPr id="3" name="Marcador de texto 2"/>
+            <a:endParaRPr lang="en-US" dirty="0"/>
+          </a:p>
+        </p:txBody>
+      </p:sp>
+      <p:sp>
+        <p:nvSpPr>
+          <p:cNvPr id="3" name="Text Placeholder 2"/>
           <p:cNvSpPr>
             <a:spLocks noGrp="1"/>
           </p:cNvSpPr>
@@ -880,8 +885,8 @@
         </p:nvSpPr>
         <p:spPr>
           <a:xfrm>
-            <a:off x="831850" y="4589463"/>
-            <a:ext cx="10515600" cy="1500187"/>
+            <a:off x="467916" y="6119286"/>
+            <a:ext cx="5915025" cy="2000249"/>
           </a:xfrm>
         </p:spPr>
         <p:txBody>
@@ -889,93 +894,91 @@
           <a:lstStyle>
             <a:lvl1pPr marL="0" indent="0">
               <a:buNone/>
-              <a:defRPr sz="2400">
+              <a:defRPr sz="1800">
+                <a:solidFill>
+                  <a:schemeClr val="tx1"/>
+                </a:solidFill>
+              </a:defRPr>
+            </a:lvl1pPr>
+            <a:lvl2pPr marL="342900" indent="0">
+              <a:buNone/>
+              <a:defRPr sz="1500">
                 <a:solidFill>
                   <a:schemeClr val="tx1">
                     <a:tint val="75000"/>
                   </a:schemeClr>
                 </a:solidFill>
               </a:defRPr>
-            </a:lvl1pPr>
-            <a:lvl2pPr marL="457200" indent="0">
-              <a:buNone/>
-              <a:defRPr sz="2000">
+            </a:lvl2pPr>
+            <a:lvl3pPr marL="685800" indent="0">
+              <a:buNone/>
+              <a:defRPr sz="1350">
                 <a:solidFill>
                   <a:schemeClr val="tx1">
                     <a:tint val="75000"/>
                   </a:schemeClr>
                 </a:solidFill>
               </a:defRPr>
-            </a:lvl2pPr>
-            <a:lvl3pPr marL="914400" indent="0">
-              <a:buNone/>
-              <a:defRPr sz="1800">
+            </a:lvl3pPr>
+            <a:lvl4pPr marL="1028700" indent="0">
+              <a:buNone/>
+              <a:defRPr sz="1200">
                 <a:solidFill>
                   <a:schemeClr val="tx1">
                     <a:tint val="75000"/>
                   </a:schemeClr>
                 </a:solidFill>
               </a:defRPr>
-            </a:lvl3pPr>
-            <a:lvl4pPr marL="1371600" indent="0">
-              <a:buNone/>
-              <a:defRPr sz="1600">
+            </a:lvl4pPr>
+            <a:lvl5pPr marL="1371600" indent="0">
+              <a:buNone/>
+              <a:defRPr sz="1200">
                 <a:solidFill>
                   <a:schemeClr val="tx1">
                     <a:tint val="75000"/>
                   </a:schemeClr>
                 </a:solidFill>
               </a:defRPr>
-            </a:lvl4pPr>
-            <a:lvl5pPr marL="1828800" indent="0">
-              <a:buNone/>
-              <a:defRPr sz="1600">
+            </a:lvl5pPr>
+            <a:lvl6pPr marL="1714500" indent="0">
+              <a:buNone/>
+              <a:defRPr sz="1200">
                 <a:solidFill>
                   <a:schemeClr val="tx1">
                     <a:tint val="75000"/>
                   </a:schemeClr>
                 </a:solidFill>
               </a:defRPr>
-            </a:lvl5pPr>
-            <a:lvl6pPr marL="2286000" indent="0">
-              <a:buNone/>
-              <a:defRPr sz="1600">
+            </a:lvl6pPr>
+            <a:lvl7pPr marL="2057400" indent="0">
+              <a:buNone/>
+              <a:defRPr sz="1200">
                 <a:solidFill>
                   <a:schemeClr val="tx1">
                     <a:tint val="75000"/>
                   </a:schemeClr>
                 </a:solidFill>
               </a:defRPr>
-            </a:lvl6pPr>
-            <a:lvl7pPr marL="2743200" indent="0">
-              <a:buNone/>
-              <a:defRPr sz="1600">
+            </a:lvl7pPr>
+            <a:lvl8pPr marL="2400300" indent="0">
+              <a:buNone/>
+              <a:defRPr sz="1200">
                 <a:solidFill>
                   <a:schemeClr val="tx1">
                     <a:tint val="75000"/>
                   </a:schemeClr>
                 </a:solidFill>
               </a:defRPr>
-            </a:lvl7pPr>
-            <a:lvl8pPr marL="3200400" indent="0">
-              <a:buNone/>
-              <a:defRPr sz="1600">
+            </a:lvl8pPr>
+            <a:lvl9pPr marL="2743200" indent="0">
+              <a:buNone/>
+              <a:defRPr sz="1200">
                 <a:solidFill>
                   <a:schemeClr val="tx1">
                     <a:tint val="75000"/>
                   </a:schemeClr>
                 </a:solidFill>
               </a:defRPr>
-            </a:lvl8pPr>
-            <a:lvl9pPr marL="3657600" indent="0">
-              <a:buNone/>
-              <a:defRPr sz="1600">
-                <a:solidFill>
-                  <a:schemeClr val="tx1">
-                    <a:tint val="75000"/>
-                  </a:schemeClr>
-                </a:solidFill>
-              </a:defRPr>
             </a:lvl9pPr>
           </a:lstStyle>
           <a:p>
@@ -989,7 +992,7 @@
       </p:sp>
       <p:sp>
         <p:nvSpPr>
-          <p:cNvPr id="4" name="Marcador de fecha 3"/>
+          <p:cNvPr id="4" name="Date Placeholder 3"/>
           <p:cNvSpPr>
             <a:spLocks noGrp="1"/>
           </p:cNvSpPr>
@@ -1002,17 +1005,17 @@
           <a:bodyPr/>
           <a:lstStyle/>
           <a:p>
-            <a:fld id="{4E0A320C-DAE9-4057-9861-A6799CAF9E2C}" type="datetimeFigureOut">
-              <a:rPr lang="es-ES" smtClean="0"/>
-              <a:t>15/06/2022</a:t>
+            <a:fld id="{2B17AD54-F340-4921-A60F-D83A0835B3C2}" type="datetimeFigureOut">
+              <a:rPr lang="es-AR" smtClean="0"/>
+              <a:t>24/6/2022</a:t>
             </a:fld>
-            <a:endParaRPr lang="es-ES"/>
-          </a:p>
-        </p:txBody>
-      </p:sp>
-      <p:sp>
-        <p:nvSpPr>
-          <p:cNvPr id="5" name="Marcador de pie de página 4"/>
+            <a:endParaRPr lang="es-AR"/>
+          </a:p>
+        </p:txBody>
+      </p:sp>
+      <p:sp>
+        <p:nvSpPr>
+          <p:cNvPr id="5" name="Footer Placeholder 4"/>
           <p:cNvSpPr>
             <a:spLocks noGrp="1"/>
           </p:cNvSpPr>
@@ -1025,13 +1028,13 @@
           <a:bodyPr/>
           <a:lstStyle/>
           <a:p>
-            <a:endParaRPr lang="es-ES"/>
-          </a:p>
-        </p:txBody>
-      </p:sp>
-      <p:sp>
-        <p:nvSpPr>
-          <p:cNvPr id="6" name="Marcador de número de diapositiva 5"/>
+            <a:endParaRPr lang="es-AR"/>
+          </a:p>
+        </p:txBody>
+      </p:sp>
+      <p:sp>
+        <p:nvSpPr>
+          <p:cNvPr id="6" name="Slide Number Placeholder 5"/>
           <p:cNvSpPr>
             <a:spLocks noGrp="1"/>
           </p:cNvSpPr>
@@ -1044,18 +1047,18 @@
           <a:bodyPr/>
           <a:lstStyle/>
           <a:p>
-            <a:fld id="{18BA3526-D82A-44C2-AC6B-087B3F0EE2DC}" type="slidenum">
-              <a:rPr lang="es-ES" smtClean="0"/>
+            <a:fld id="{80FFEF42-72B5-4E7A-9603-DA256DFCF1A4}" type="slidenum">
+              <a:rPr lang="es-AR" smtClean="0"/>
               <a:t>‹Nº›</a:t>
             </a:fld>
-            <a:endParaRPr lang="es-ES"/>
+            <a:endParaRPr lang="es-AR"/>
           </a:p>
         </p:txBody>
       </p:sp>
     </p:spTree>
     <p:extLst>
       <p:ext uri="{BB962C8B-B14F-4D97-AF65-F5344CB8AC3E}">
-        <p14:creationId xmlns:p14="http://schemas.microsoft.com/office/powerpoint/2010/main" val="2221266428"/>
+        <p14:creationId xmlns:p14="http://schemas.microsoft.com/office/powerpoint/2010/main" val="1143237274"/>
       </p:ext>
     </p:extLst>
   </p:cSld>
@@ -1084,7 +1087,7 @@
       </p:grpSpPr>
       <p:sp>
         <p:nvSpPr>
-          <p:cNvPr id="2" name="Título 1"/>
+          <p:cNvPr id="2" name="Title 1"/>
           <p:cNvSpPr>
             <a:spLocks noGrp="1"/>
           </p:cNvSpPr>
@@ -1101,13 +1104,13 @@
               <a:rPr lang="es-ES" smtClean="0"/>
               <a:t>Haga clic para modificar el estilo de título del patrón</a:t>
             </a:r>
-            <a:endParaRPr lang="es-ES"/>
-          </a:p>
-        </p:txBody>
-      </p:sp>
-      <p:sp>
-        <p:nvSpPr>
-          <p:cNvPr id="3" name="Marcador de contenido 2"/>
+            <a:endParaRPr lang="en-US" dirty="0"/>
+          </a:p>
+        </p:txBody>
+      </p:sp>
+      <p:sp>
+        <p:nvSpPr>
+          <p:cNvPr id="3" name="Content Placeholder 2"/>
           <p:cNvSpPr>
             <a:spLocks noGrp="1"/>
           </p:cNvSpPr>
@@ -1117,8 +1120,8 @@
         </p:nvSpPr>
         <p:spPr>
           <a:xfrm>
-            <a:off x="838200" y="1825625"/>
-            <a:ext cx="5181600" cy="4351338"/>
+            <a:off x="471488" y="2434167"/>
+            <a:ext cx="2914650" cy="5801784"/>
           </a:xfrm>
         </p:spPr>
         <p:txBody>
@@ -1158,13 +1161,13 @@
               <a:rPr lang="es-ES" smtClean="0"/>
               <a:t>Quinto nivel</a:t>
             </a:r>
-            <a:endParaRPr lang="es-ES"/>
-          </a:p>
-        </p:txBody>
-      </p:sp>
-      <p:sp>
-        <p:nvSpPr>
-          <p:cNvPr id="4" name="Marcador de contenido 3"/>
+            <a:endParaRPr lang="en-US" dirty="0"/>
+          </a:p>
+        </p:txBody>
+      </p:sp>
+      <p:sp>
+        <p:nvSpPr>
+          <p:cNvPr id="4" name="Content Placeholder 3"/>
           <p:cNvSpPr>
             <a:spLocks noGrp="1"/>
           </p:cNvSpPr>
@@ -1174,8 +1177,8 @@
         </p:nvSpPr>
         <p:spPr>
           <a:xfrm>
-            <a:off x="6172200" y="1825625"/>
-            <a:ext cx="5181600" cy="4351338"/>
+            <a:off x="3471863" y="2434167"/>
+            <a:ext cx="2914650" cy="5801784"/>
           </a:xfrm>
         </p:spPr>
         <p:txBody>
@@ -1215,13 +1218,13 @@
               <a:rPr lang="es-ES" smtClean="0"/>
               <a:t>Quinto nivel</a:t>
             </a:r>
-            <a:endParaRPr lang="es-ES"/>
-          </a:p>
-        </p:txBody>
-      </p:sp>
-      <p:sp>
-        <p:nvSpPr>
-          <p:cNvPr id="5" name="Marcador de fecha 4"/>
+            <a:endParaRPr lang="en-US" dirty="0"/>
+          </a:p>
+        </p:txBody>
+      </p:sp>
+      <p:sp>
+        <p:nvSpPr>
+          <p:cNvPr id="5" name="Date Placeholder 4"/>
           <p:cNvSpPr>
             <a:spLocks noGrp="1"/>
           </p:cNvSpPr>
@@ -1234,17 +1237,17 @@
           <a:bodyPr/>
           <a:lstStyle/>
           <a:p>
-            <a:fld id="{4E0A320C-DAE9-4057-9861-A6799CAF9E2C}" type="datetimeFigureOut">
-              <a:rPr lang="es-ES" smtClean="0"/>
-              <a:t>15/06/2022</a:t>
+            <a:fld id="{2B17AD54-F340-4921-A60F-D83A0835B3C2}" type="datetimeFigureOut">
+              <a:rPr lang="es-AR" smtClean="0"/>
+              <a:t>24/6/2022</a:t>
             </a:fld>
-            <a:endParaRPr lang="es-ES"/>
-          </a:p>
-        </p:txBody>
-      </p:sp>
-      <p:sp>
-        <p:nvSpPr>
-          <p:cNvPr id="6" name="Marcador de pie de página 5"/>
+            <a:endParaRPr lang="es-AR"/>
+          </a:p>
+        </p:txBody>
+      </p:sp>
+      <p:sp>
+        <p:nvSpPr>
+          <p:cNvPr id="6" name="Footer Placeholder 5"/>
           <p:cNvSpPr>
             <a:spLocks noGrp="1"/>
           </p:cNvSpPr>
@@ -1257,13 +1260,13 @@
           <a:bodyPr/>
           <a:lstStyle/>
           <a:p>
-            <a:endParaRPr lang="es-ES"/>
-          </a:p>
-        </p:txBody>
-      </p:sp>
-      <p:sp>
-        <p:nvSpPr>
-          <p:cNvPr id="7" name="Marcador de número de diapositiva 6"/>
+            <a:endParaRPr lang="es-AR"/>
+          </a:p>
+        </p:txBody>
+      </p:sp>
+      <p:sp>
+        <p:nvSpPr>
+          <p:cNvPr id="7" name="Slide Number Placeholder 6"/>
           <p:cNvSpPr>
             <a:spLocks noGrp="1"/>
           </p:cNvSpPr>
@@ -1276,18 +1279,18 @@
           <a:bodyPr/>
           <a:lstStyle/>
           <a:p>
-            <a:fld id="{18BA3526-D82A-44C2-AC6B-087B3F0EE2DC}" type="slidenum">
-              <a:rPr lang="es-ES" smtClean="0"/>
+            <a:fld id="{80FFEF42-72B5-4E7A-9603-DA256DFCF1A4}" type="slidenum">
+              <a:rPr lang="es-AR" smtClean="0"/>
               <a:t>‹Nº›</a:t>
             </a:fld>
-            <a:endParaRPr lang="es-ES"/>
+            <a:endParaRPr lang="es-AR"/>
           </a:p>
         </p:txBody>
       </p:sp>
     </p:spTree>
     <p:extLst>
       <p:ext uri="{BB962C8B-B14F-4D97-AF65-F5344CB8AC3E}">
-        <p14:creationId xmlns:p14="http://schemas.microsoft.com/office/powerpoint/2010/main" val="4090620732"/>
+        <p14:creationId xmlns:p14="http://schemas.microsoft.com/office/powerpoint/2010/main" val="3228499588"/>
       </p:ext>
     </p:extLst>
   </p:cSld>
@@ -1316,7 +1319,7 @@
       </p:grpSpPr>
       <p:sp>
         <p:nvSpPr>
-          <p:cNvPr id="2" name="Título 1"/>
+          <p:cNvPr id="2" name="Title 1"/>
           <p:cNvSpPr>
             <a:spLocks noGrp="1"/>
           </p:cNvSpPr>
@@ -1326,8 +1329,8 @@
         </p:nvSpPr>
         <p:spPr>
           <a:xfrm>
-            <a:off x="839788" y="365125"/>
-            <a:ext cx="10515600" cy="1325563"/>
+            <a:off x="472381" y="486836"/>
+            <a:ext cx="5915025" cy="1767417"/>
           </a:xfrm>
         </p:spPr>
         <p:txBody>
@@ -1338,13 +1341,13 @@
               <a:rPr lang="es-ES" smtClean="0"/>
               <a:t>Haga clic para modificar el estilo de título del patrón</a:t>
             </a:r>
-            <a:endParaRPr lang="es-ES"/>
-          </a:p>
-        </p:txBody>
-      </p:sp>
-      <p:sp>
-        <p:nvSpPr>
-          <p:cNvPr id="3" name="Marcador de texto 2"/>
+            <a:endParaRPr lang="en-US" dirty="0"/>
+          </a:p>
+        </p:txBody>
+      </p:sp>
+      <p:sp>
+        <p:nvSpPr>
+          <p:cNvPr id="3" name="Text Placeholder 2"/>
           <p:cNvSpPr>
             <a:spLocks noGrp="1"/>
           </p:cNvSpPr>
@@ -1354,8 +1357,8 @@
         </p:nvSpPr>
         <p:spPr>
           <a:xfrm>
-            <a:off x="839788" y="1681163"/>
-            <a:ext cx="5157787" cy="823912"/>
+            <a:off x="472381" y="2241551"/>
+            <a:ext cx="2901255" cy="1098549"/>
           </a:xfrm>
         </p:spPr>
         <p:txBody>
@@ -1363,39 +1366,39 @@
           <a:lstStyle>
             <a:lvl1pPr marL="0" indent="0">
               <a:buNone/>
-              <a:defRPr sz="2400" b="1"/>
+              <a:defRPr sz="1800" b="1"/>
             </a:lvl1pPr>
-            <a:lvl2pPr marL="457200" indent="0">
-              <a:buNone/>
-              <a:defRPr sz="2000" b="1"/>
+            <a:lvl2pPr marL="342900" indent="0">
+              <a:buNone/>
+              <a:defRPr sz="1500" b="1"/>
             </a:lvl2pPr>
-            <a:lvl3pPr marL="914400" indent="0">
-              <a:buNone/>
-              <a:defRPr sz="1800" b="1"/>
+            <a:lvl3pPr marL="685800" indent="0">
+              <a:buNone/>
+              <a:defRPr sz="1350" b="1"/>
             </a:lvl3pPr>
-            <a:lvl4pPr marL="1371600" indent="0">
-              <a:buNone/>
-              <a:defRPr sz="1600" b="1"/>
+            <a:lvl4pPr marL="1028700" indent="0">
+              <a:buNone/>
+              <a:defRPr sz="1200" b="1"/>
             </a:lvl4pPr>
-            <a:lvl5pPr marL="1828800" indent="0">
-              <a:buNone/>
-              <a:defRPr sz="1600" b="1"/>
+            <a:lvl5pPr marL="1371600" indent="0">
+              <a:buNone/>
+              <a:defRPr sz="1200" b="1"/>
             </a:lvl5pPr>
-            <a:lvl6pPr marL="2286000" indent="0">
-              <a:buNone/>
-              <a:defRPr sz="1600" b="1"/>
+            <a:lvl6pPr marL="1714500" indent="0">
+              <a:buNone/>
+              <a:defRPr sz="1200" b="1"/>
             </a:lvl6pPr>
-            <a:lvl7pPr marL="2743200" indent="0">
-              <a:buNone/>
-              <a:defRPr sz="1600" b="1"/>
+            <a:lvl7pPr marL="2057400" indent="0">
+              <a:buNone/>
+              <a:defRPr sz="1200" b="1"/>
             </a:lvl7pPr>
-            <a:lvl8pPr marL="3200400" indent="0">
-              <a:buNone/>
-              <a:defRPr sz="1600" b="1"/>
+            <a:lvl8pPr marL="2400300" indent="0">
+              <a:buNone/>
+              <a:defRPr sz="1200" b="1"/>
             </a:lvl8pPr>
-            <a:lvl9pPr marL="3657600" indent="0">
-              <a:buNone/>
-              <a:defRPr sz="1600" b="1"/>
+            <a:lvl9pPr marL="2743200" indent="0">
+              <a:buNone/>
+              <a:defRPr sz="1200" b="1"/>
             </a:lvl9pPr>
           </a:lstStyle>
           <a:p>
@@ -1409,7 +1412,7 @@
       </p:sp>
       <p:sp>
         <p:nvSpPr>
-          <p:cNvPr id="4" name="Marcador de contenido 3"/>
+          <p:cNvPr id="4" name="Content Placeholder 3"/>
           <p:cNvSpPr>
             <a:spLocks noGrp="1"/>
           </p:cNvSpPr>
@@ -1419,8 +1422,8 @@
         </p:nvSpPr>
         <p:spPr>
           <a:xfrm>
-            <a:off x="839788" y="2505075"/>
-            <a:ext cx="5157787" cy="3684588"/>
+            <a:off x="472381" y="3340100"/>
+            <a:ext cx="2901255" cy="4912784"/>
           </a:xfrm>
         </p:spPr>
         <p:txBody>
@@ -1460,13 +1463,13 @@
               <a:rPr lang="es-ES" smtClean="0"/>
               <a:t>Quinto nivel</a:t>
             </a:r>
-            <a:endParaRPr lang="es-ES"/>
-          </a:p>
-        </p:txBody>
-      </p:sp>
-      <p:sp>
-        <p:nvSpPr>
-          <p:cNvPr id="5" name="Marcador de texto 4"/>
+            <a:endParaRPr lang="en-US" dirty="0"/>
+          </a:p>
+        </p:txBody>
+      </p:sp>
+      <p:sp>
+        <p:nvSpPr>
+          <p:cNvPr id="5" name="Text Placeholder 4"/>
           <p:cNvSpPr>
             <a:spLocks noGrp="1"/>
           </p:cNvSpPr>
@@ -1476,8 +1479,8 @@
         </p:nvSpPr>
         <p:spPr>
           <a:xfrm>
-            <a:off x="6172200" y="1681163"/>
-            <a:ext cx="5183188" cy="823912"/>
+            <a:off x="3471863" y="2241551"/>
+            <a:ext cx="2915543" cy="1098549"/>
           </a:xfrm>
         </p:spPr>
         <p:txBody>
@@ -1485,39 +1488,39 @@
           <a:lstStyle>
             <a:lvl1pPr marL="0" indent="0">
               <a:buNone/>
-              <a:defRPr sz="2400" b="1"/>
+              <a:defRPr sz="1800" b="1"/>
             </a:lvl1pPr>
-            <a:lvl2pPr marL="457200" indent="0">
-              <a:buNone/>
-              <a:defRPr sz="2000" b="1"/>
+            <a:lvl2pPr marL="342900" indent="0">
+              <a:buNone/>
+              <a:defRPr sz="1500" b="1"/>
             </a:lvl2pPr>
-            <a:lvl3pPr marL="914400" indent="0">
-              <a:buNone/>
-              <a:defRPr sz="1800" b="1"/>
+            <a:lvl3pPr marL="685800" indent="0">
+              <a:buNone/>
+              <a:defRPr sz="1350" b="1"/>
             </a:lvl3pPr>
-            <a:lvl4pPr marL="1371600" indent="0">
-              <a:buNone/>
-              <a:defRPr sz="1600" b="1"/>
+            <a:lvl4pPr marL="1028700" indent="0">
+              <a:buNone/>
+              <a:defRPr sz="1200" b="1"/>
             </a:lvl4pPr>
-            <a:lvl5pPr marL="1828800" indent="0">
-              <a:buNone/>
-              <a:defRPr sz="1600" b="1"/>
+            <a:lvl5pPr marL="1371600" indent="0">
+              <a:buNone/>
+              <a:defRPr sz="1200" b="1"/>
             </a:lvl5pPr>
-            <a:lvl6pPr marL="2286000" indent="0">
-              <a:buNone/>
-              <a:defRPr sz="1600" b="1"/>
+            <a:lvl6pPr marL="1714500" indent="0">
+              <a:buNone/>
+              <a:defRPr sz="1200" b="1"/>
             </a:lvl6pPr>
-            <a:lvl7pPr marL="2743200" indent="0">
-              <a:buNone/>
-              <a:defRPr sz="1600" b="1"/>
+            <a:lvl7pPr marL="2057400" indent="0">
+              <a:buNone/>
+              <a:defRPr sz="1200" b="1"/>
             </a:lvl7pPr>
-            <a:lvl8pPr marL="3200400" indent="0">
-              <a:buNone/>
-              <a:defRPr sz="1600" b="1"/>
+            <a:lvl8pPr marL="2400300" indent="0">
+              <a:buNone/>
+              <a:defRPr sz="1200" b="1"/>
             </a:lvl8pPr>
-            <a:lvl9pPr marL="3657600" indent="0">
-              <a:buNone/>
-              <a:defRPr sz="1600" b="1"/>
+            <a:lvl9pPr marL="2743200" indent="0">
+              <a:buNone/>
+              <a:defRPr sz="1200" b="1"/>
             </a:lvl9pPr>
           </a:lstStyle>
           <a:p>
@@ -1531,7 +1534,7 @@
       </p:sp>
       <p:sp>
         <p:nvSpPr>
-          <p:cNvPr id="6" name="Marcador de contenido 5"/>
+          <p:cNvPr id="6" name="Content Placeholder 5"/>
           <p:cNvSpPr>
             <a:spLocks noGrp="1"/>
           </p:cNvSpPr>
@@ -1541,8 +1544,8 @@
         </p:nvSpPr>
         <p:spPr>
           <a:xfrm>
-            <a:off x="6172200" y="2505075"/>
-            <a:ext cx="5183188" cy="3684588"/>
+            <a:off x="3471863" y="3340100"/>
+            <a:ext cx="2915543" cy="4912784"/>
           </a:xfrm>
         </p:spPr>
         <p:txBody>
@@ -1582,13 +1585,13 @@
               <a:rPr lang="es-ES" smtClean="0"/>
               <a:t>Quinto nivel</a:t>
             </a:r>
-            <a:endParaRPr lang="es-ES"/>
-          </a:p>
-        </p:txBody>
-      </p:sp>
-      <p:sp>
-        <p:nvSpPr>
-          <p:cNvPr id="7" name="Marcador de fecha 6"/>
+            <a:endParaRPr lang="en-US" dirty="0"/>
+          </a:p>
+        </p:txBody>
+      </p:sp>
+      <p:sp>
+        <p:nvSpPr>
+          <p:cNvPr id="7" name="Date Placeholder 6"/>
           <p:cNvSpPr>
             <a:spLocks noGrp="1"/>
           </p:cNvSpPr>
@@ -1601,17 +1604,17 @@
           <a:bodyPr/>
           <a:lstStyle/>
           <a:p>
-            <a:fld id="{4E0A320C-DAE9-4057-9861-A6799CAF9E2C}" type="datetimeFigureOut">
-              <a:rPr lang="es-ES" smtClean="0"/>
-              <a:t>15/06/2022</a:t>
+            <a:fld id="{2B17AD54-F340-4921-A60F-D83A0835B3C2}" type="datetimeFigureOut">
+              <a:rPr lang="es-AR" smtClean="0"/>
+              <a:t>24/6/2022</a:t>
             </a:fld>
-            <a:endParaRPr lang="es-ES"/>
-          </a:p>
-        </p:txBody>
-      </p:sp>
-      <p:sp>
-        <p:nvSpPr>
-          <p:cNvPr id="8" name="Marcador de pie de página 7"/>
+            <a:endParaRPr lang="es-AR"/>
+          </a:p>
+        </p:txBody>
+      </p:sp>
+      <p:sp>
+        <p:nvSpPr>
+          <p:cNvPr id="8" name="Footer Placeholder 7"/>
           <p:cNvSpPr>
             <a:spLocks noGrp="1"/>
           </p:cNvSpPr>
@@ -1624,13 +1627,13 @@
           <a:bodyPr/>
           <a:lstStyle/>
           <a:p>
-            <a:endParaRPr lang="es-ES"/>
-          </a:p>
-        </p:txBody>
-      </p:sp>
-      <p:sp>
-        <p:nvSpPr>
-          <p:cNvPr id="9" name="Marcador de número de diapositiva 8"/>
+            <a:endParaRPr lang="es-AR"/>
+          </a:p>
+        </p:txBody>
+      </p:sp>
+      <p:sp>
+        <p:nvSpPr>
+          <p:cNvPr id="9" name="Slide Number Placeholder 8"/>
           <p:cNvSpPr>
             <a:spLocks noGrp="1"/>
           </p:cNvSpPr>
@@ -1643,18 +1646,18 @@
           <a:bodyPr/>
           <a:lstStyle/>
           <a:p>
-            <a:fld id="{18BA3526-D82A-44C2-AC6B-087B3F0EE2DC}" type="slidenum">
-              <a:rPr lang="es-ES" smtClean="0"/>
+            <a:fld id="{80FFEF42-72B5-4E7A-9603-DA256DFCF1A4}" type="slidenum">
+              <a:rPr lang="es-AR" smtClean="0"/>
               <a:t>‹Nº›</a:t>
             </a:fld>
-            <a:endParaRPr lang="es-ES"/>
+            <a:endParaRPr lang="es-AR"/>
           </a:p>
         </p:txBody>
       </p:sp>
     </p:spTree>
     <p:extLst>
       <p:ext uri="{BB962C8B-B14F-4D97-AF65-F5344CB8AC3E}">
-        <p14:creationId xmlns:p14="http://schemas.microsoft.com/office/powerpoint/2010/main" val="4058342952"/>
+        <p14:creationId xmlns:p14="http://schemas.microsoft.com/office/powerpoint/2010/main" val="1599155956"/>
       </p:ext>
     </p:extLst>
   </p:cSld>
@@ -1683,7 +1686,7 @@
       </p:grpSpPr>
       <p:sp>
         <p:nvSpPr>
-          <p:cNvPr id="2" name="Título 1"/>
+          <p:cNvPr id="2" name="Title 1"/>
           <p:cNvSpPr>
             <a:spLocks noGrp="1"/>
           </p:cNvSpPr>
@@ -1700,13 +1703,13 @@
               <a:rPr lang="es-ES" smtClean="0"/>
               <a:t>Haga clic para modificar el estilo de título del patrón</a:t>
             </a:r>
-            <a:endParaRPr lang="es-ES"/>
-          </a:p>
-        </p:txBody>
-      </p:sp>
-      <p:sp>
-        <p:nvSpPr>
-          <p:cNvPr id="3" name="Marcador de fecha 2"/>
+            <a:endParaRPr lang="en-US" dirty="0"/>
+          </a:p>
+        </p:txBody>
+      </p:sp>
+      <p:sp>
+        <p:nvSpPr>
+          <p:cNvPr id="3" name="Date Placeholder 2"/>
           <p:cNvSpPr>
             <a:spLocks noGrp="1"/>
           </p:cNvSpPr>
@@ -1719,17 +1722,17 @@
           <a:bodyPr/>
           <a:lstStyle/>
           <a:p>
-            <a:fld id="{4E0A320C-DAE9-4057-9861-A6799CAF9E2C}" type="datetimeFigureOut">
-              <a:rPr lang="es-ES" smtClean="0"/>
-              <a:t>15/06/2022</a:t>
+            <a:fld id="{2B17AD54-F340-4921-A60F-D83A0835B3C2}" type="datetimeFigureOut">
+              <a:rPr lang="es-AR" smtClean="0"/>
+              <a:t>24/6/2022</a:t>
             </a:fld>
-            <a:endParaRPr lang="es-ES"/>
-          </a:p>
-        </p:txBody>
-      </p:sp>
-      <p:sp>
-        <p:nvSpPr>
-          <p:cNvPr id="4" name="Marcador de pie de página 3"/>
+            <a:endParaRPr lang="es-AR"/>
+          </a:p>
+        </p:txBody>
+      </p:sp>
+      <p:sp>
+        <p:nvSpPr>
+          <p:cNvPr id="4" name="Footer Placeholder 3"/>
           <p:cNvSpPr>
             <a:spLocks noGrp="1"/>
           </p:cNvSpPr>
@@ -1742,13 +1745,13 @@
           <a:bodyPr/>
           <a:lstStyle/>
           <a:p>
-            <a:endParaRPr lang="es-ES"/>
-          </a:p>
-        </p:txBody>
-      </p:sp>
-      <p:sp>
-        <p:nvSpPr>
-          <p:cNvPr id="5" name="Marcador de número de diapositiva 4"/>
+            <a:endParaRPr lang="es-AR"/>
+          </a:p>
+        </p:txBody>
+      </p:sp>
+      <p:sp>
+        <p:nvSpPr>
+          <p:cNvPr id="5" name="Slide Number Placeholder 4"/>
           <p:cNvSpPr>
             <a:spLocks noGrp="1"/>
           </p:cNvSpPr>
@@ -1761,18 +1764,18 @@
           <a:bodyPr/>
           <a:lstStyle/>
           <a:p>
-            <a:fld id="{18BA3526-D82A-44C2-AC6B-087B3F0EE2DC}" type="slidenum">
-              <a:rPr lang="es-ES" smtClean="0"/>
+            <a:fld id="{80FFEF42-72B5-4E7A-9603-DA256DFCF1A4}" type="slidenum">
+              <a:rPr lang="es-AR" smtClean="0"/>
               <a:t>‹Nº›</a:t>
             </a:fld>
-            <a:endParaRPr lang="es-ES"/>
+            <a:endParaRPr lang="es-AR"/>
           </a:p>
         </p:txBody>
       </p:sp>
     </p:spTree>
     <p:extLst>
       <p:ext uri="{BB962C8B-B14F-4D97-AF65-F5344CB8AC3E}">
-        <p14:creationId xmlns:p14="http://schemas.microsoft.com/office/powerpoint/2010/main" val="560255284"/>
+        <p14:creationId xmlns:p14="http://schemas.microsoft.com/office/powerpoint/2010/main" val="2217797714"/>
       </p:ext>
     </p:extLst>
   </p:cSld>
@@ -1801,7 +1804,7 @@
       </p:grpSpPr>
       <p:sp>
         <p:nvSpPr>
-          <p:cNvPr id="2" name="Marcador de fecha 1"/>
+          <p:cNvPr id="2" name="Date Placeholder 1"/>
           <p:cNvSpPr>
             <a:spLocks noGrp="1"/>
           </p:cNvSpPr>
@@ -1814,17 +1817,17 @@
           <a:bodyPr/>
           <a:lstStyle/>
           <a:p>
-            <a:fld id="{4E0A320C-DAE9-4057-9861-A6799CAF9E2C}" type="datetimeFigureOut">
-              <a:rPr lang="es-ES" smtClean="0"/>
-              <a:t>15/06/2022</a:t>
+            <a:fld id="{2B17AD54-F340-4921-A60F-D83A0835B3C2}" type="datetimeFigureOut">
+              <a:rPr lang="es-AR" smtClean="0"/>
+              <a:t>24/6/2022</a:t>
             </a:fld>
-            <a:endParaRPr lang="es-ES"/>
-          </a:p>
-        </p:txBody>
-      </p:sp>
-      <p:sp>
-        <p:nvSpPr>
-          <p:cNvPr id="3" name="Marcador de pie de página 2"/>
+            <a:endParaRPr lang="es-AR"/>
+          </a:p>
+        </p:txBody>
+      </p:sp>
+      <p:sp>
+        <p:nvSpPr>
+          <p:cNvPr id="3" name="Footer Placeholder 2"/>
           <p:cNvSpPr>
             <a:spLocks noGrp="1"/>
           </p:cNvSpPr>
@@ -1837,13 +1840,13 @@
           <a:bodyPr/>
           <a:lstStyle/>
           <a:p>
-            <a:endParaRPr lang="es-ES"/>
-          </a:p>
-        </p:txBody>
-      </p:sp>
-      <p:sp>
-        <p:nvSpPr>
-          <p:cNvPr id="4" name="Marcador de número de diapositiva 3"/>
+            <a:endParaRPr lang="es-AR"/>
+          </a:p>
+        </p:txBody>
+      </p:sp>
+      <p:sp>
+        <p:nvSpPr>
+          <p:cNvPr id="4" name="Slide Number Placeholder 3"/>
           <p:cNvSpPr>
             <a:spLocks noGrp="1"/>
           </p:cNvSpPr>
@@ -1856,18 +1859,18 @@
           <a:bodyPr/>
           <a:lstStyle/>
           <a:p>
-            <a:fld id="{18BA3526-D82A-44C2-AC6B-087B3F0EE2DC}" type="slidenum">
-              <a:rPr lang="es-ES" smtClean="0"/>
+            <a:fld id="{80FFEF42-72B5-4E7A-9603-DA256DFCF1A4}" type="slidenum">
+              <a:rPr lang="es-AR" smtClean="0"/>
               <a:t>‹Nº›</a:t>
             </a:fld>
-            <a:endParaRPr lang="es-ES"/>
+            <a:endParaRPr lang="es-AR"/>
           </a:p>
         </p:txBody>
       </p:sp>
     </p:spTree>
     <p:extLst>
       <p:ext uri="{BB962C8B-B14F-4D97-AF65-F5344CB8AC3E}">
-        <p14:creationId xmlns:p14="http://schemas.microsoft.com/office/powerpoint/2010/main" val="3016704549"/>
+        <p14:creationId xmlns:p14="http://schemas.microsoft.com/office/powerpoint/2010/main" val="133664585"/>
       </p:ext>
     </p:extLst>
   </p:cSld>
@@ -1896,7 +1899,7 @@
       </p:grpSpPr>
       <p:sp>
         <p:nvSpPr>
-          <p:cNvPr id="2" name="Título 1"/>
+          <p:cNvPr id="2" name="Title 1"/>
           <p:cNvSpPr>
             <a:spLocks noGrp="1"/>
           </p:cNvSpPr>
@@ -1906,15 +1909,15 @@
         </p:nvSpPr>
         <p:spPr>
           <a:xfrm>
-            <a:off x="839788" y="457200"/>
-            <a:ext cx="3932237" cy="1600200"/>
+            <a:off x="472381" y="609600"/>
+            <a:ext cx="2211884" cy="2133600"/>
           </a:xfrm>
         </p:spPr>
         <p:txBody>
           <a:bodyPr anchor="b"/>
           <a:lstStyle>
             <a:lvl1pPr>
-              <a:defRPr sz="3200"/>
+              <a:defRPr sz="2400"/>
             </a:lvl1pPr>
           </a:lstStyle>
           <a:p>
@@ -1922,13 +1925,13 @@
               <a:rPr lang="es-ES" smtClean="0"/>
               <a:t>Haga clic para modificar el estilo de título del patrón</a:t>
             </a:r>
-            <a:endParaRPr lang="es-ES"/>
-          </a:p>
-        </p:txBody>
-      </p:sp>
-      <p:sp>
-        <p:nvSpPr>
-          <p:cNvPr id="3" name="Marcador de contenido 2"/>
+            <a:endParaRPr lang="en-US" dirty="0"/>
+          </a:p>
+        </p:txBody>
+      </p:sp>
+      <p:sp>
+        <p:nvSpPr>
+          <p:cNvPr id="3" name="Content Placeholder 2"/>
           <p:cNvSpPr>
             <a:spLocks noGrp="1"/>
           </p:cNvSpPr>
@@ -1938,39 +1941,39 @@
         </p:nvSpPr>
         <p:spPr>
           <a:xfrm>
-            <a:off x="5183188" y="987425"/>
-            <a:ext cx="6172200" cy="4873625"/>
+            <a:off x="2915543" y="1316569"/>
+            <a:ext cx="3471863" cy="6498167"/>
           </a:xfrm>
         </p:spPr>
         <p:txBody>
           <a:bodyPr/>
           <a:lstStyle>
             <a:lvl1pPr>
-              <a:defRPr sz="3200"/>
+              <a:defRPr sz="2400"/>
             </a:lvl1pPr>
             <a:lvl2pPr>
-              <a:defRPr sz="2800"/>
+              <a:defRPr sz="2100"/>
             </a:lvl2pPr>
             <a:lvl3pPr>
-              <a:defRPr sz="2400"/>
+              <a:defRPr sz="1800"/>
             </a:lvl3pPr>
             <a:lvl4pPr>
-              <a:defRPr sz="2000"/>
+              <a:defRPr sz="1500"/>
             </a:lvl4pPr>
             <a:lvl5pPr>
-              <a:defRPr sz="2000"/>
+              <a:defRPr sz="1500"/>
             </a:lvl5pPr>
             <a:lvl6pPr>
-              <a:defRPr sz="2000"/>
+              <a:defRPr sz="1500"/>
             </a:lvl6pPr>
             <a:lvl7pPr>
-              <a:defRPr sz="2000"/>
+              <a:defRPr sz="1500"/>
             </a:lvl7pPr>
             <a:lvl8pPr>
-              <a:defRPr sz="2000"/>
+              <a:defRPr sz="1500"/>
             </a:lvl8pPr>
             <a:lvl9pPr>
-              <a:defRPr sz="2000"/>
+              <a:defRPr sz="1500"/>
             </a:lvl9pPr>
           </a:lstStyle>
           <a:p>
@@ -2007,13 +2010,13 @@
               <a:rPr lang="es-ES" smtClean="0"/>
               <a:t>Quinto nivel</a:t>
             </a:r>
-            <a:endParaRPr lang="es-ES"/>
-          </a:p>
-        </p:txBody>
-      </p:sp>
-      <p:sp>
-        <p:nvSpPr>
-          <p:cNvPr id="4" name="Marcador de texto 3"/>
+            <a:endParaRPr lang="en-US" dirty="0"/>
+          </a:p>
+        </p:txBody>
+      </p:sp>
+      <p:sp>
+        <p:nvSpPr>
+          <p:cNvPr id="4" name="Text Placeholder 3"/>
           <p:cNvSpPr>
             <a:spLocks noGrp="1"/>
           </p:cNvSpPr>
@@ -2023,8 +2026,8 @@
         </p:nvSpPr>
         <p:spPr>
           <a:xfrm>
-            <a:off x="839788" y="2057400"/>
-            <a:ext cx="3932237" cy="3811588"/>
+            <a:off x="472381" y="2743200"/>
+            <a:ext cx="2211884" cy="5082117"/>
           </a:xfrm>
         </p:spPr>
         <p:txBody>
@@ -2032,39 +2035,39 @@
           <a:lstStyle>
             <a:lvl1pPr marL="0" indent="0">
               <a:buNone/>
-              <a:defRPr sz="1600"/>
+              <a:defRPr sz="1200"/>
             </a:lvl1pPr>
-            <a:lvl2pPr marL="457200" indent="0">
-              <a:buNone/>
-              <a:defRPr sz="1400"/>
+            <a:lvl2pPr marL="342900" indent="0">
+              <a:buNone/>
+              <a:defRPr sz="1050"/>
             </a:lvl2pPr>
-            <a:lvl3pPr marL="914400" indent="0">
-              <a:buNone/>
-              <a:defRPr sz="1200"/>
+            <a:lvl3pPr marL="685800" indent="0">
+              <a:buNone/>
+              <a:defRPr sz="900"/>
             </a:lvl3pPr>
-            <a:lvl4pPr marL="1371600" indent="0">
-              <a:buNone/>
-              <a:defRPr sz="1000"/>
+            <a:lvl4pPr marL="1028700" indent="0">
+              <a:buNone/>
+              <a:defRPr sz="750"/>
             </a:lvl4pPr>
-            <a:lvl5pPr marL="1828800" indent="0">
-              <a:buNone/>
-              <a:defRPr sz="1000"/>
+            <a:lvl5pPr marL="1371600" indent="0">
+              <a:buNone/>
+              <a:defRPr sz="750"/>
             </a:lvl5pPr>
-            <a:lvl6pPr marL="2286000" indent="0">
-              <a:buNone/>
-              <a:defRPr sz="1000"/>
+            <a:lvl6pPr marL="1714500" indent="0">
+              <a:buNone/>
+              <a:defRPr sz="750"/>
             </a:lvl6pPr>
-            <a:lvl7pPr marL="2743200" indent="0">
-              <a:buNone/>
-              <a:defRPr sz="1000"/>
+            <a:lvl7pPr marL="2057400" indent="0">
+              <a:buNone/>
+              <a:defRPr sz="750"/>
             </a:lvl7pPr>
-            <a:lvl8pPr marL="3200400" indent="0">
-              <a:buNone/>
-              <a:defRPr sz="1000"/>
+            <a:lvl8pPr marL="2400300" indent="0">
+              <a:buNone/>
+              <a:defRPr sz="750"/>
             </a:lvl8pPr>
-            <a:lvl9pPr marL="3657600" indent="0">
-              <a:buNone/>
-              <a:defRPr sz="1000"/>
+            <a:lvl9pPr marL="2743200" indent="0">
+              <a:buNone/>
+              <a:defRPr sz="750"/>
             </a:lvl9pPr>
           </a:lstStyle>
           <a:p>
@@ -2078,7 +2081,7 @@
       </p:sp>
       <p:sp>
         <p:nvSpPr>
-          <p:cNvPr id="5" name="Marcador de fecha 4"/>
+          <p:cNvPr id="5" name="Date Placeholder 4"/>
           <p:cNvSpPr>
             <a:spLocks noGrp="1"/>
           </p:cNvSpPr>
@@ -2091,17 +2094,17 @@
           <a:bodyPr/>
           <a:lstStyle/>
           <a:p>
-            <a:fld id="{4E0A320C-DAE9-4057-9861-A6799CAF9E2C}" type="datetimeFigureOut">
-              <a:rPr lang="es-ES" smtClean="0"/>
-              <a:t>15/06/2022</a:t>
+            <a:fld id="{2B17AD54-F340-4921-A60F-D83A0835B3C2}" type="datetimeFigureOut">
+              <a:rPr lang="es-AR" smtClean="0"/>
+              <a:t>24/6/2022</a:t>
             </a:fld>
-            <a:endParaRPr lang="es-ES"/>
-          </a:p>
-        </p:txBody>
-      </p:sp>
-      <p:sp>
-        <p:nvSpPr>
-          <p:cNvPr id="6" name="Marcador de pie de página 5"/>
+            <a:endParaRPr lang="es-AR"/>
+          </a:p>
+        </p:txBody>
+      </p:sp>
+      <p:sp>
+        <p:nvSpPr>
+          <p:cNvPr id="6" name="Footer Placeholder 5"/>
           <p:cNvSpPr>
             <a:spLocks noGrp="1"/>
           </p:cNvSpPr>
@@ -2114,13 +2117,13 @@
           <a:bodyPr/>
           <a:lstStyle/>
           <a:p>
-            <a:endParaRPr lang="es-ES"/>
-          </a:p>
-        </p:txBody>
-      </p:sp>
-      <p:sp>
-        <p:nvSpPr>
-          <p:cNvPr id="7" name="Marcador de número de diapositiva 6"/>
+            <a:endParaRPr lang="es-AR"/>
+          </a:p>
+        </p:txBody>
+      </p:sp>
+      <p:sp>
+        <p:nvSpPr>
+          <p:cNvPr id="7" name="Slide Number Placeholder 6"/>
           <p:cNvSpPr>
             <a:spLocks noGrp="1"/>
           </p:cNvSpPr>
@@ -2133,18 +2136,18 @@
           <a:bodyPr/>
           <a:lstStyle/>
           <a:p>
-            <a:fld id="{18BA3526-D82A-44C2-AC6B-087B3F0EE2DC}" type="slidenum">
-              <a:rPr lang="es-ES" smtClean="0"/>
+            <a:fld id="{80FFEF42-72B5-4E7A-9603-DA256DFCF1A4}" type="slidenum">
+              <a:rPr lang="es-AR" smtClean="0"/>
               <a:t>‹Nº›</a:t>
             </a:fld>
-            <a:endParaRPr lang="es-ES"/>
+            <a:endParaRPr lang="es-AR"/>
           </a:p>
         </p:txBody>
       </p:sp>
     </p:spTree>
     <p:extLst>
       <p:ext uri="{BB962C8B-B14F-4D97-AF65-F5344CB8AC3E}">
-        <p14:creationId xmlns:p14="http://schemas.microsoft.com/office/powerpoint/2010/main" val="4148481315"/>
+        <p14:creationId xmlns:p14="http://schemas.microsoft.com/office/powerpoint/2010/main" val="1141555913"/>
       </p:ext>
     </p:extLst>
   </p:cSld>
@@ -2173,7 +2176,7 @@
       </p:grpSpPr>
       <p:sp>
         <p:nvSpPr>
-          <p:cNvPr id="2" name="Título 1"/>
+          <p:cNvPr id="2" name="Title 1"/>
           <p:cNvSpPr>
             <a:spLocks noGrp="1"/>
           </p:cNvSpPr>
@@ -2183,15 +2186,15 @@
         </p:nvSpPr>
         <p:spPr>
           <a:xfrm>
-            <a:off x="839788" y="457200"/>
-            <a:ext cx="3932237" cy="1600200"/>
+            <a:off x="472381" y="609600"/>
+            <a:ext cx="2211884" cy="2133600"/>
           </a:xfrm>
         </p:spPr>
         <p:txBody>
           <a:bodyPr anchor="b"/>
           <a:lstStyle>
             <a:lvl1pPr>
-              <a:defRPr sz="3200"/>
+              <a:defRPr sz="2400"/>
             </a:lvl1pPr>
           </a:lstStyle>
           <a:p>
@@ -2199,15 +2202,15 @@
               <a:rPr lang="es-ES" smtClean="0"/>
               <a:t>Haga clic para modificar el estilo de título del patrón</a:t>
             </a:r>
-            <a:endParaRPr lang="es-ES"/>
-          </a:p>
-        </p:txBody>
-      </p:sp>
-      <p:sp>
-        <p:nvSpPr>
-          <p:cNvPr id="3" name="Marcador de posición de imagen 2"/>
-          <p:cNvSpPr>
-            <a:spLocks noGrp="1"/>
+            <a:endParaRPr lang="en-US" dirty="0"/>
+          </a:p>
+        </p:txBody>
+      </p:sp>
+      <p:sp>
+        <p:nvSpPr>
+          <p:cNvPr id="3" name="Picture Placeholder 2"/>
+          <p:cNvSpPr>
+            <a:spLocks noGrp="1" noChangeAspect="1"/>
           </p:cNvSpPr>
           <p:nvPr>
             <p:ph type="pic" idx="1"/>
@@ -2215,8 +2218,73 @@
         </p:nvSpPr>
         <p:spPr>
           <a:xfrm>
-            <a:off x="5183188" y="987425"/>
-            <a:ext cx="6172200" cy="4873625"/>
+            <a:off x="2915543" y="1316569"/>
+            <a:ext cx="3471863" cy="6498167"/>
+          </a:xfrm>
+        </p:spPr>
+        <p:txBody>
+          <a:bodyPr anchor="t"/>
+          <a:lstStyle>
+            <a:lvl1pPr marL="0" indent="0">
+              <a:buNone/>
+              <a:defRPr sz="2400"/>
+            </a:lvl1pPr>
+            <a:lvl2pPr marL="342900" indent="0">
+              <a:buNone/>
+              <a:defRPr sz="2100"/>
+            </a:lvl2pPr>
+            <a:lvl3pPr marL="685800" indent="0">
+              <a:buNone/>
+              <a:defRPr sz="1800"/>
+            </a:lvl3pPr>
+            <a:lvl4pPr marL="1028700" indent="0">
+              <a:buNone/>
+              <a:defRPr sz="1500"/>
+            </a:lvl4pPr>
+            <a:lvl5pPr marL="1371600" indent="0">
+              <a:buNone/>
+              <a:defRPr sz="1500"/>
+            </a:lvl5pPr>
+            <a:lvl6pPr marL="1714500" indent="0">
+              <a:buNone/>
+              <a:defRPr sz="1500"/>
+            </a:lvl6pPr>
+            <a:lvl7pPr marL="2057400" indent="0">
+              <a:buNone/>
+              <a:defRPr sz="1500"/>
+            </a:lvl7pPr>
+            <a:lvl8pPr marL="2400300" indent="0">
+              <a:buNone/>
+              <a:defRPr sz="1500"/>
+            </a:lvl8pPr>
+            <a:lvl9pPr marL="2743200" indent="0">
+              <a:buNone/>
+              <a:defRPr sz="1500"/>
+            </a:lvl9pPr>
+          </a:lstStyle>
+          <a:p>
+            <a:r>
+              <a:rPr lang="es-ES" smtClean="0"/>
+              <a:t>Haga clic en el icono para agregar una imagen</a:t>
+            </a:r>
+            <a:endParaRPr lang="en-US" dirty="0"/>
+          </a:p>
+        </p:txBody>
+      </p:sp>
+      <p:sp>
+        <p:nvSpPr>
+          <p:cNvPr id="4" name="Text Placeholder 3"/>
+          <p:cNvSpPr>
+            <a:spLocks noGrp="1"/>
+          </p:cNvSpPr>
+          <p:nvPr>
+            <p:ph type="body" sz="half" idx="2"/>
+          </p:nvPr>
+        </p:nvSpPr>
+        <p:spPr>
+          <a:xfrm>
+            <a:off x="472381" y="2743200"/>
+            <a:ext cx="2211884" cy="5082117"/>
           </a:xfrm>
         </p:spPr>
         <p:txBody>
@@ -2224,119 +2292,81 @@
           <a:lstStyle>
             <a:lvl1pPr marL="0" indent="0">
               <a:buNone/>
-              <a:defRPr sz="3200"/>
+              <a:defRPr sz="1200"/>
             </a:lvl1pPr>
-            <a:lvl2pPr marL="457200" indent="0">
-              <a:buNone/>
-              <a:defRPr sz="2800"/>
+            <a:lvl2pPr marL="342900" indent="0">
+              <a:buNone/>
+              <a:defRPr sz="1050"/>
             </a:lvl2pPr>
-            <a:lvl3pPr marL="914400" indent="0">
-              <a:buNone/>
-              <a:defRPr sz="2400"/>
+            <a:lvl3pPr marL="685800" indent="0">
+              <a:buNone/>
+              <a:defRPr sz="900"/>
             </a:lvl3pPr>
-            <a:lvl4pPr marL="1371600" indent="0">
-              <a:buNone/>
-              <a:defRPr sz="2000"/>
+            <a:lvl4pPr marL="1028700" indent="0">
+              <a:buNone/>
+              <a:defRPr sz="750"/>
             </a:lvl4pPr>
-            <a:lvl5pPr marL="1828800" indent="0">
-              <a:buNone/>
-              <a:defRPr sz="2000"/>
+            <a:lvl5pPr marL="1371600" indent="0">
+              <a:buNone/>
+              <a:defRPr sz="750"/>
             </a:lvl5pPr>
-            <a:lvl6pPr marL="2286000" indent="0">
-              <a:buNone/>
-              <a:defRPr sz="2000"/>
+            <a:lvl6pPr marL="1714500" indent="0">
+              <a:buNone/>
+              <a:defRPr sz="750"/>
             </a:lvl6pPr>
-            <a:lvl7pPr marL="2743200" indent="0">
-              <a:buNone/>
-              <a:defRPr sz="2000"/>
+            <a:lvl7pPr marL="2057400" indent="0">
+              <a:buNone/>
+              <a:defRPr sz="750"/>
             </a:lvl7pPr>
-            <a:lvl8pPr marL="3200400" indent="0">
-              <a:buNone/>
-              <a:defRPr sz="2000"/>
+            <a:lvl8pPr marL="2400300" indent="0">
+              <a:buNone/>
+              <a:defRPr sz="750"/>
             </a:lvl8pPr>
-            <a:lvl9pPr marL="3657600" indent="0">
-              <a:buNone/>
-              <a:defRPr sz="2000"/>
+            <a:lvl9pPr marL="2743200" indent="0">
+              <a:buNone/>
+              <a:defRPr sz="750"/>
             </a:lvl9pPr>
           </a:lstStyle>
           <a:p>
-            <a:endParaRPr lang="es-ES"/>
-          </a:p>
-        </p:txBody>
-      </p:sp>
-      <p:sp>
-        <p:nvSpPr>
-          <p:cNvPr id="4" name="Marcador de texto 3"/>
-          <p:cNvSpPr>
-            <a:spLocks noGrp="1"/>
-          </p:cNvSpPr>
-          <p:nvPr>
-            <p:ph type="body" sz="half" idx="2"/>
-          </p:nvPr>
-        </p:nvSpPr>
-        <p:spPr>
-          <a:xfrm>
-            <a:off x="839788" y="2057400"/>
-            <a:ext cx="3932237" cy="3811588"/>
-          </a:xfrm>
-        </p:spPr>
+            <a:pPr lvl="0"/>
+            <a:r>
+              <a:rPr lang="es-ES" smtClean="0"/>
+              <a:t>Editar el estilo de texto del patrón</a:t>
+            </a:r>
+          </a:p>
+        </p:txBody>
+      </p:sp>
+      <p:sp>
+        <p:nvSpPr>
+          <p:cNvPr id="5" name="Date Placeholder 4"/>
+          <p:cNvSpPr>
+            <a:spLocks noGrp="1"/>
+          </p:cNvSpPr>
+          <p:nvPr>
+            <p:ph type="dt" sz="half" idx="10"/>
+          </p:nvPr>
+        </p:nvSpPr>
+        <p:spPr/>
         <p:txBody>
           <a:bodyPr/>
-          <a:lstStyle>
-            <a:lvl1pPr marL="0" indent="0">
-              <a:buNone/>
-              <a:defRPr sz="1600"/>
-            </a:lvl1pPr>
-            <a:lvl2pPr marL="457200" indent="0">
-              <a:buNone/>
-              <a:defRPr sz="1400"/>
-            </a:lvl2pPr>
-            <a:lvl3pPr marL="914400" indent="0">
-              <a:buNone/>
-              <a:defRPr sz="1200"/>
-            </a:lvl3pPr>
-            <a:lvl4pPr marL="1371600" indent="0">
-              <a:buNone/>
-              <a:defRPr sz="1000"/>
-            </a:lvl4pPr>
-            <a:lvl5pPr marL="1828800" indent="0">
-              <a:buNone/>
-              <a:defRPr sz="1000"/>
-            </a:lvl5pPr>
-            <a:lvl6pPr marL="2286000" indent="0">
-              <a:buNone/>
-              <a:defRPr sz="1000"/>
-            </a:lvl6pPr>
-            <a:lvl7pPr marL="2743200" indent="0">
-              <a:buNone/>
-              <a:defRPr sz="1000"/>
-            </a:lvl7pPr>
-            <a:lvl8pPr marL="3200400" indent="0">
-              <a:buNone/>
-              <a:defRPr sz="1000"/>
-            </a:lvl8pPr>
-            <a:lvl9pPr marL="3657600" indent="0">
-              <a:buNone/>
-              <a:defRPr sz="1000"/>
-            </a:lvl9pPr>
-          </a:lstStyle>
-          <a:p>
-            <a:pPr lvl="0"/>
-            <a:r>
-              <a:rPr lang="es-ES" smtClean="0"/>
-              <a:t>Editar el estilo de texto del patrón</a:t>
-            </a:r>
-          </a:p>
-        </p:txBody>
-      </p:sp>
-      <p:sp>
-        <p:nvSpPr>
-          <p:cNvPr id="5" name="Marcador de fecha 4"/>
-          <p:cNvSpPr>
-            <a:spLocks noGrp="1"/>
-          </p:cNvSpPr>
-          <p:nvPr>
-            <p:ph type="dt" sz="half" idx="10"/>
+          <a:lstStyle/>
+          <a:p>
+            <a:fld id="{2B17AD54-F340-4921-A60F-D83A0835B3C2}" type="datetimeFigureOut">
+              <a:rPr lang="es-AR" smtClean="0"/>
+              <a:t>24/6/2022</a:t>
+            </a:fld>
+            <a:endParaRPr lang="es-AR"/>
+          </a:p>
+        </p:txBody>
+      </p:sp>
+      <p:sp>
+        <p:nvSpPr>
+          <p:cNvPr id="6" name="Footer Placeholder 5"/>
+          <p:cNvSpPr>
+            <a:spLocks noGrp="1"/>
+          </p:cNvSpPr>
+          <p:nvPr>
+            <p:ph type="ftr" sz="quarter" idx="11"/>
           </p:nvPr>
         </p:nvSpPr>
         <p:spPr/>
@@ -2344,22 +2374,18 @@
           <a:bodyPr/>
           <a:lstStyle/>
           <a:p>
-            <a:fld id="{4E0A320C-DAE9-4057-9861-A6799CAF9E2C}" type="datetimeFigureOut">
-              <a:rPr lang="es-ES" smtClean="0"/>
-              <a:t>15/06/2022</a:t>
-            </a:fld>
-            <a:endParaRPr lang="es-ES"/>
-          </a:p>
-        </p:txBody>
-      </p:sp>
-      <p:sp>
-        <p:nvSpPr>
-          <p:cNvPr id="6" name="Marcador de pie de página 5"/>
-          <p:cNvSpPr>
-            <a:spLocks noGrp="1"/>
-          </p:cNvSpPr>
-          <p:nvPr>
-            <p:ph type="ftr" sz="quarter" idx="11"/>
+            <a:endParaRPr lang="es-AR"/>
+          </a:p>
+        </p:txBody>
+      </p:sp>
+      <p:sp>
+        <p:nvSpPr>
+          <p:cNvPr id="7" name="Slide Number Placeholder 6"/>
+          <p:cNvSpPr>
+            <a:spLocks noGrp="1"/>
+          </p:cNvSpPr>
+          <p:nvPr>
+            <p:ph type="sldNum" sz="quarter" idx="12"/>
           </p:nvPr>
         </p:nvSpPr>
         <p:spPr/>
@@ -2367,37 +2393,18 @@
           <a:bodyPr/>
           <a:lstStyle/>
           <a:p>
-            <a:endParaRPr lang="es-ES"/>
-          </a:p>
-        </p:txBody>
-      </p:sp>
-      <p:sp>
-        <p:nvSpPr>
-          <p:cNvPr id="7" name="Marcador de número de diapositiva 6"/>
-          <p:cNvSpPr>
-            <a:spLocks noGrp="1"/>
-          </p:cNvSpPr>
-          <p:nvPr>
-            <p:ph type="sldNum" sz="quarter" idx="12"/>
-          </p:nvPr>
-        </p:nvSpPr>
-        <p:spPr/>
-        <p:txBody>
-          <a:bodyPr/>
-          <a:lstStyle/>
-          <a:p>
-            <a:fld id="{18BA3526-D82A-44C2-AC6B-087B3F0EE2DC}" type="slidenum">
-              <a:rPr lang="es-ES" smtClean="0"/>
+            <a:fld id="{80FFEF42-72B5-4E7A-9603-DA256DFCF1A4}" type="slidenum">
+              <a:rPr lang="es-AR" smtClean="0"/>
               <a:t>‹Nº›</a:t>
             </a:fld>
-            <a:endParaRPr lang="es-ES"/>
+            <a:endParaRPr lang="es-AR"/>
           </a:p>
         </p:txBody>
       </p:sp>
     </p:spTree>
     <p:extLst>
       <p:ext uri="{BB962C8B-B14F-4D97-AF65-F5344CB8AC3E}">
-        <p14:creationId xmlns:p14="http://schemas.microsoft.com/office/powerpoint/2010/main" val="3969548279"/>
+        <p14:creationId xmlns:p14="http://schemas.microsoft.com/office/powerpoint/2010/main" val="3582214982"/>
       </p:ext>
     </p:extLst>
   </p:cSld>
@@ -2431,7 +2438,7 @@
       </p:grpSpPr>
       <p:sp>
         <p:nvSpPr>
-          <p:cNvPr id="2" name="Marcador de título 1"/>
+          <p:cNvPr id="2" name="Title Placeholder 1"/>
           <p:cNvSpPr>
             <a:spLocks noGrp="1"/>
           </p:cNvSpPr>
@@ -2441,8 +2448,8 @@
         </p:nvSpPr>
         <p:spPr>
           <a:xfrm>
-            <a:off x="838200" y="365125"/>
-            <a:ext cx="10515600" cy="1325563"/>
+            <a:off x="471488" y="486836"/>
+            <a:ext cx="5915025" cy="1767417"/>
           </a:xfrm>
           <a:prstGeom prst="rect">
             <a:avLst/>
@@ -2458,13 +2465,13 @@
               <a:rPr lang="es-ES" smtClean="0"/>
               <a:t>Haga clic para modificar el estilo de título del patrón</a:t>
             </a:r>
-            <a:endParaRPr lang="es-ES"/>
-          </a:p>
-        </p:txBody>
-      </p:sp>
-      <p:sp>
-        <p:nvSpPr>
-          <p:cNvPr id="3" name="Marcador de texto 2"/>
+            <a:endParaRPr lang="en-US" dirty="0"/>
+          </a:p>
+        </p:txBody>
+      </p:sp>
+      <p:sp>
+        <p:nvSpPr>
+          <p:cNvPr id="3" name="Text Placeholder 2"/>
           <p:cNvSpPr>
             <a:spLocks noGrp="1"/>
           </p:cNvSpPr>
@@ -2474,8 +2481,8 @@
         </p:nvSpPr>
         <p:spPr>
           <a:xfrm>
-            <a:off x="838200" y="1825625"/>
-            <a:ext cx="10515600" cy="4351338"/>
+            <a:off x="471488" y="2434167"/>
+            <a:ext cx="5915025" cy="5801784"/>
           </a:xfrm>
           <a:prstGeom prst="rect">
             <a:avLst/>
@@ -2520,13 +2527,13 @@
               <a:rPr lang="es-ES" smtClean="0"/>
               <a:t>Quinto nivel</a:t>
             </a:r>
-            <a:endParaRPr lang="es-ES"/>
-          </a:p>
-        </p:txBody>
-      </p:sp>
-      <p:sp>
-        <p:nvSpPr>
-          <p:cNvPr id="4" name="Marcador de fecha 3"/>
+            <a:endParaRPr lang="en-US" dirty="0"/>
+          </a:p>
+        </p:txBody>
+      </p:sp>
+      <p:sp>
+        <p:nvSpPr>
+          <p:cNvPr id="4" name="Date Placeholder 3"/>
           <p:cNvSpPr>
             <a:spLocks noGrp="1"/>
           </p:cNvSpPr>
@@ -2536,8 +2543,8 @@
         </p:nvSpPr>
         <p:spPr>
           <a:xfrm>
-            <a:off x="838200" y="6356350"/>
-            <a:ext cx="2743200" cy="365125"/>
+            <a:off x="471488" y="8475136"/>
+            <a:ext cx="1543050" cy="486833"/>
           </a:xfrm>
           <a:prstGeom prst="rect">
             <a:avLst/>
@@ -2547,7 +2554,7 @@
           <a:bodyPr vert="horz" lIns="91440" tIns="45720" rIns="91440" bIns="45720" rtlCol="0" anchor="ctr"/>
           <a:lstStyle>
             <a:lvl1pPr algn="l">
-              <a:defRPr sz="1200">
+              <a:defRPr sz="900">
                 <a:solidFill>
                   <a:schemeClr val="tx1">
                     <a:tint val="75000"/>
@@ -2557,17 +2564,17 @@
             </a:lvl1pPr>
           </a:lstStyle>
           <a:p>
-            <a:fld id="{4E0A320C-DAE9-4057-9861-A6799CAF9E2C}" type="datetimeFigureOut">
-              <a:rPr lang="es-ES" smtClean="0"/>
-              <a:t>15/06/2022</a:t>
+            <a:fld id="{2B17AD54-F340-4921-A60F-D83A0835B3C2}" type="datetimeFigureOut">
+              <a:rPr lang="es-AR" smtClean="0"/>
+              <a:t>24/6/2022</a:t>
             </a:fld>
-            <a:endParaRPr lang="es-ES"/>
-          </a:p>
-        </p:txBody>
-      </p:sp>
-      <p:sp>
-        <p:nvSpPr>
-          <p:cNvPr id="5" name="Marcador de pie de página 4"/>
+            <a:endParaRPr lang="es-AR"/>
+          </a:p>
+        </p:txBody>
+      </p:sp>
+      <p:sp>
+        <p:nvSpPr>
+          <p:cNvPr id="5" name="Footer Placeholder 4"/>
           <p:cNvSpPr>
             <a:spLocks noGrp="1"/>
           </p:cNvSpPr>
@@ -2577,8 +2584,8 @@
         </p:nvSpPr>
         <p:spPr>
           <a:xfrm>
-            <a:off x="4038600" y="6356350"/>
-            <a:ext cx="4114800" cy="365125"/>
+            <a:off x="2271713" y="8475136"/>
+            <a:ext cx="2314575" cy="486833"/>
           </a:xfrm>
           <a:prstGeom prst="rect">
             <a:avLst/>
@@ -2588,7 +2595,7 @@
           <a:bodyPr vert="horz" lIns="91440" tIns="45720" rIns="91440" bIns="45720" rtlCol="0" anchor="ctr"/>
           <a:lstStyle>
             <a:lvl1pPr algn="ctr">
-              <a:defRPr sz="1200">
+              <a:defRPr sz="900">
                 <a:solidFill>
                   <a:schemeClr val="tx1">
                     <a:tint val="75000"/>
@@ -2598,13 +2605,13 @@
             </a:lvl1pPr>
           </a:lstStyle>
           <a:p>
-            <a:endParaRPr lang="es-ES"/>
-          </a:p>
-        </p:txBody>
-      </p:sp>
-      <p:sp>
-        <p:nvSpPr>
-          <p:cNvPr id="6" name="Marcador de número de diapositiva 5"/>
+            <a:endParaRPr lang="es-AR"/>
+          </a:p>
+        </p:txBody>
+      </p:sp>
+      <p:sp>
+        <p:nvSpPr>
+          <p:cNvPr id="6" name="Slide Number Placeholder 5"/>
           <p:cNvSpPr>
             <a:spLocks noGrp="1"/>
           </p:cNvSpPr>
@@ -2614,8 +2621,8 @@
         </p:nvSpPr>
         <p:spPr>
           <a:xfrm>
-            <a:off x="8610600" y="6356350"/>
-            <a:ext cx="2743200" cy="365125"/>
+            <a:off x="4843463" y="8475136"/>
+            <a:ext cx="1543050" cy="486833"/>
           </a:xfrm>
           <a:prstGeom prst="rect">
             <a:avLst/>
@@ -2625,7 +2632,7 @@
           <a:bodyPr vert="horz" lIns="91440" tIns="45720" rIns="91440" bIns="45720" rtlCol="0" anchor="ctr"/>
           <a:lstStyle>
             <a:lvl1pPr algn="r">
-              <a:defRPr sz="1200">
+              <a:defRPr sz="900">
                 <a:solidFill>
                   <a:schemeClr val="tx1">
                     <a:tint val="75000"/>
@@ -2635,38 +2642,38 @@
             </a:lvl1pPr>
           </a:lstStyle>
           <a:p>
-            <a:fld id="{18BA3526-D82A-44C2-AC6B-087B3F0EE2DC}" type="slidenum">
-              <a:rPr lang="es-ES" smtClean="0"/>
+            <a:fld id="{80FFEF42-72B5-4E7A-9603-DA256DFCF1A4}" type="slidenum">
+              <a:rPr lang="es-AR" smtClean="0"/>
               <a:t>‹Nº›</a:t>
             </a:fld>
-            <a:endParaRPr lang="es-ES"/>
+            <a:endParaRPr lang="es-AR"/>
           </a:p>
         </p:txBody>
       </p:sp>
     </p:spTree>
     <p:extLst>
       <p:ext uri="{BB962C8B-B14F-4D97-AF65-F5344CB8AC3E}">
-        <p14:creationId xmlns:p14="http://schemas.microsoft.com/office/powerpoint/2010/main" val="1343089865"/>
+        <p14:creationId xmlns:p14="http://schemas.microsoft.com/office/powerpoint/2010/main" val="2062964345"/>
       </p:ext>
     </p:extLst>
   </p:cSld>
   <p:clrMap bg1="lt1" tx1="dk1" bg2="lt2" tx2="dk2" accent1="accent1" accent2="accent2" accent3="accent3" accent4="accent4" accent5="accent5" accent6="accent6" hlink="hlink" folHlink="folHlink"/>
   <p:sldLayoutIdLst>
-    <p:sldLayoutId id="2147483649" r:id="rId1"/>
-    <p:sldLayoutId id="2147483650" r:id="rId2"/>
-    <p:sldLayoutId id="2147483651" r:id="rId3"/>
-    <p:sldLayoutId id="2147483652" r:id="rId4"/>
-    <p:sldLayoutId id="2147483653" r:id="rId5"/>
-    <p:sldLayoutId id="2147483654" r:id="rId6"/>
-    <p:sldLayoutId id="2147483655" r:id="rId7"/>
-    <p:sldLayoutId id="2147483656" r:id="rId8"/>
-    <p:sldLayoutId id="2147483657" r:id="rId9"/>
-    <p:sldLayoutId id="2147483658" r:id="rId10"/>
-    <p:sldLayoutId id="2147483659" r:id="rId11"/>
+    <p:sldLayoutId id="2147483673" r:id="rId1"/>
+    <p:sldLayoutId id="2147483674" r:id="rId2"/>
+    <p:sldLayoutId id="2147483675" r:id="rId3"/>
+    <p:sldLayoutId id="2147483676" r:id="rId4"/>
+    <p:sldLayoutId id="2147483677" r:id="rId5"/>
+    <p:sldLayoutId id="2147483678" r:id="rId6"/>
+    <p:sldLayoutId id="2147483679" r:id="rId7"/>
+    <p:sldLayoutId id="2147483680" r:id="rId8"/>
+    <p:sldLayoutId id="2147483681" r:id="rId9"/>
+    <p:sldLayoutId id="2147483682" r:id="rId10"/>
+    <p:sldLayoutId id="2147483683" r:id="rId11"/>
   </p:sldLayoutIdLst>
   <p:txStyles>
     <p:titleStyle>
-      <a:lvl1pPr algn="l" defTabSz="914400" rtl="0" eaLnBrk="1" latinLnBrk="0" hangingPunct="1">
+      <a:lvl1pPr algn="l" defTabSz="685800" rtl="0" eaLnBrk="1" latinLnBrk="0" hangingPunct="1">
         <a:lnSpc>
           <a:spcPct val="90000"/>
         </a:lnSpc>
@@ -2674,7 +2681,7 @@
           <a:spcPct val="0"/>
         </a:spcBef>
         <a:buNone/>
-        <a:defRPr sz="4400" kern="1200">
+        <a:defRPr sz="3300" kern="1200">
           <a:solidFill>
             <a:schemeClr val="tx1"/>
           </a:solidFill>
@@ -2685,16 +2692,16 @@
       </a:lvl1pPr>
     </p:titleStyle>
     <p:bodyStyle>
-      <a:lvl1pPr marL="228600" indent="-228600" algn="l" defTabSz="914400" rtl="0" eaLnBrk="1" latinLnBrk="0" hangingPunct="1">
+      <a:lvl1pPr marL="171450" indent="-171450" algn="l" defTabSz="685800" rtl="0" eaLnBrk="1" latinLnBrk="0" hangingPunct="1">
         <a:lnSpc>
           <a:spcPct val="90000"/>
         </a:lnSpc>
         <a:spcBef>
-          <a:spcPts val="1000"/>
+          <a:spcPts val="750"/>
         </a:spcBef>
         <a:buFont typeface="Arial" panose="020B0604020202020204" pitchFamily="34" charset="0"/>
         <a:buChar char="•"/>
-        <a:defRPr sz="2800" kern="1200">
+        <a:defRPr sz="2100" kern="1200">
           <a:solidFill>
             <a:schemeClr val="tx1"/>
           </a:solidFill>
@@ -2703,48 +2710,12 @@
           <a:cs typeface="+mn-cs"/>
         </a:defRPr>
       </a:lvl1pPr>
-      <a:lvl2pPr marL="685800" indent="-228600" algn="l" defTabSz="914400" rtl="0" eaLnBrk="1" latinLnBrk="0" hangingPunct="1">
+      <a:lvl2pPr marL="514350" indent="-171450" algn="l" defTabSz="685800" rtl="0" eaLnBrk="1" latinLnBrk="0" hangingPunct="1">
         <a:lnSpc>
           <a:spcPct val="90000"/>
         </a:lnSpc>
         <a:spcBef>
-          <a:spcPts val="500"/>
-        </a:spcBef>
-        <a:buFont typeface="Arial" panose="020B0604020202020204" pitchFamily="34" charset="0"/>
-        <a:buChar char="•"/>
-        <a:defRPr sz="2400" kern="1200">
-          <a:solidFill>
-            <a:schemeClr val="tx1"/>
-          </a:solidFill>
-          <a:latin typeface="+mn-lt"/>
-          <a:ea typeface="+mn-ea"/>
-          <a:cs typeface="+mn-cs"/>
-        </a:defRPr>
-      </a:lvl2pPr>
-      <a:lvl3pPr marL="1143000" indent="-228600" algn="l" defTabSz="914400" rtl="0" eaLnBrk="1" latinLnBrk="0" hangingPunct="1">
-        <a:lnSpc>
-          <a:spcPct val="90000"/>
-        </a:lnSpc>
-        <a:spcBef>
-          <a:spcPts val="500"/>
-        </a:spcBef>
-        <a:buFont typeface="Arial" panose="020B0604020202020204" pitchFamily="34" charset="0"/>
-        <a:buChar char="•"/>
-        <a:defRPr sz="2000" kern="1200">
-          <a:solidFill>
-            <a:schemeClr val="tx1"/>
-          </a:solidFill>
-          <a:latin typeface="+mn-lt"/>
-          <a:ea typeface="+mn-ea"/>
-          <a:cs typeface="+mn-cs"/>
-        </a:defRPr>
-      </a:lvl3pPr>
-      <a:lvl4pPr marL="1600200" indent="-228600" algn="l" defTabSz="914400" rtl="0" eaLnBrk="1" latinLnBrk="0" hangingPunct="1">
-        <a:lnSpc>
-          <a:spcPct val="90000"/>
-        </a:lnSpc>
-        <a:spcBef>
-          <a:spcPts val="500"/>
+          <a:spcPts val="375"/>
         </a:spcBef>
         <a:buFont typeface="Arial" panose="020B0604020202020204" pitchFamily="34" charset="0"/>
         <a:buChar char="•"/>
@@ -2756,17 +2727,53 @@
           <a:ea typeface="+mn-ea"/>
           <a:cs typeface="+mn-cs"/>
         </a:defRPr>
-      </a:lvl4pPr>
-      <a:lvl5pPr marL="2057400" indent="-228600" algn="l" defTabSz="914400" rtl="0" eaLnBrk="1" latinLnBrk="0" hangingPunct="1">
+      </a:lvl2pPr>
+      <a:lvl3pPr marL="857250" indent="-171450" algn="l" defTabSz="685800" rtl="0" eaLnBrk="1" latinLnBrk="0" hangingPunct="1">
         <a:lnSpc>
           <a:spcPct val="90000"/>
         </a:lnSpc>
         <a:spcBef>
-          <a:spcPts val="500"/>
+          <a:spcPts val="375"/>
         </a:spcBef>
         <a:buFont typeface="Arial" panose="020B0604020202020204" pitchFamily="34" charset="0"/>
         <a:buChar char="•"/>
-        <a:defRPr sz="1800" kern="1200">
+        <a:defRPr sz="1500" kern="1200">
+          <a:solidFill>
+            <a:schemeClr val="tx1"/>
+          </a:solidFill>
+          <a:latin typeface="+mn-lt"/>
+          <a:ea typeface="+mn-ea"/>
+          <a:cs typeface="+mn-cs"/>
+        </a:defRPr>
+      </a:lvl3pPr>
+      <a:lvl4pPr marL="1200150" indent="-171450" algn="l" defTabSz="685800" rtl="0" eaLnBrk="1" latinLnBrk="0" hangingPunct="1">
+        <a:lnSpc>
+          <a:spcPct val="90000"/>
+        </a:lnSpc>
+        <a:spcBef>
+          <a:spcPts val="375"/>
+        </a:spcBef>
+        <a:buFont typeface="Arial" panose="020B0604020202020204" pitchFamily="34" charset="0"/>
+        <a:buChar char="•"/>
+        <a:defRPr sz="1350" kern="1200">
+          <a:solidFill>
+            <a:schemeClr val="tx1"/>
+          </a:solidFill>
+          <a:latin typeface="+mn-lt"/>
+          <a:ea typeface="+mn-ea"/>
+          <a:cs typeface="+mn-cs"/>
+        </a:defRPr>
+      </a:lvl4pPr>
+      <a:lvl5pPr marL="1543050" indent="-171450" algn="l" defTabSz="685800" rtl="0" eaLnBrk="1" latinLnBrk="0" hangingPunct="1">
+        <a:lnSpc>
+          <a:spcPct val="90000"/>
+        </a:lnSpc>
+        <a:spcBef>
+          <a:spcPts val="375"/>
+        </a:spcBef>
+        <a:buFont typeface="Arial" panose="020B0604020202020204" pitchFamily="34" charset="0"/>
+        <a:buChar char="•"/>
+        <a:defRPr sz="1350" kern="1200">
           <a:solidFill>
             <a:schemeClr val="tx1"/>
           </a:solidFill>
@@ -2775,16 +2782,16 @@
           <a:cs typeface="+mn-cs"/>
         </a:defRPr>
       </a:lvl5pPr>
-      <a:lvl6pPr marL="2514600" indent="-228600" algn="l" defTabSz="914400" rtl="0" eaLnBrk="1" latinLnBrk="0" hangingPunct="1">
+      <a:lvl6pPr marL="1885950" indent="-171450" algn="l" defTabSz="685800" rtl="0" eaLnBrk="1" latinLnBrk="0" hangingPunct="1">
         <a:lnSpc>
           <a:spcPct val="90000"/>
         </a:lnSpc>
         <a:spcBef>
-          <a:spcPts val="500"/>
+          <a:spcPts val="375"/>
         </a:spcBef>
         <a:buFont typeface="Arial" panose="020B0604020202020204" pitchFamily="34" charset="0"/>
         <a:buChar char="•"/>
-        <a:defRPr sz="1800" kern="1200">
+        <a:defRPr sz="1350" kern="1200">
           <a:solidFill>
             <a:schemeClr val="tx1"/>
           </a:solidFill>
@@ -2793,16 +2800,16 @@
           <a:cs typeface="+mn-cs"/>
         </a:defRPr>
       </a:lvl6pPr>
-      <a:lvl7pPr marL="2971800" indent="-228600" algn="l" defTabSz="914400" rtl="0" eaLnBrk="1" latinLnBrk="0" hangingPunct="1">
+      <a:lvl7pPr marL="2228850" indent="-171450" algn="l" defTabSz="685800" rtl="0" eaLnBrk="1" latinLnBrk="0" hangingPunct="1">
         <a:lnSpc>
           <a:spcPct val="90000"/>
         </a:lnSpc>
         <a:spcBef>
-          <a:spcPts val="500"/>
+          <a:spcPts val="375"/>
         </a:spcBef>
         <a:buFont typeface="Arial" panose="020B0604020202020204" pitchFamily="34" charset="0"/>
         <a:buChar char="•"/>
-        <a:defRPr sz="1800" kern="1200">
+        <a:defRPr sz="1350" kern="1200">
           <a:solidFill>
             <a:schemeClr val="tx1"/>
           </a:solidFill>
@@ -2811,16 +2818,16 @@
           <a:cs typeface="+mn-cs"/>
         </a:defRPr>
       </a:lvl7pPr>
-      <a:lvl8pPr marL="3429000" indent="-228600" algn="l" defTabSz="914400" rtl="0" eaLnBrk="1" latinLnBrk="0" hangingPunct="1">
+      <a:lvl8pPr marL="2571750" indent="-171450" algn="l" defTabSz="685800" rtl="0" eaLnBrk="1" latinLnBrk="0" hangingPunct="1">
         <a:lnSpc>
           <a:spcPct val="90000"/>
         </a:lnSpc>
         <a:spcBef>
-          <a:spcPts val="500"/>
+          <a:spcPts val="375"/>
         </a:spcBef>
         <a:buFont typeface="Arial" panose="020B0604020202020204" pitchFamily="34" charset="0"/>
         <a:buChar char="•"/>
-        <a:defRPr sz="1800" kern="1200">
+        <a:defRPr sz="1350" kern="1200">
           <a:solidFill>
             <a:schemeClr val="tx1"/>
           </a:solidFill>
@@ -2829,16 +2836,16 @@
           <a:cs typeface="+mn-cs"/>
         </a:defRPr>
       </a:lvl8pPr>
-      <a:lvl9pPr marL="3886200" indent="-228600" algn="l" defTabSz="914400" rtl="0" eaLnBrk="1" latinLnBrk="0" hangingPunct="1">
+      <a:lvl9pPr marL="2914650" indent="-171450" algn="l" defTabSz="685800" rtl="0" eaLnBrk="1" latinLnBrk="0" hangingPunct="1">
         <a:lnSpc>
           <a:spcPct val="90000"/>
         </a:lnSpc>
         <a:spcBef>
-          <a:spcPts val="500"/>
+          <a:spcPts val="375"/>
         </a:spcBef>
         <a:buFont typeface="Arial" panose="020B0604020202020204" pitchFamily="34" charset="0"/>
         <a:buChar char="•"/>
-        <a:defRPr sz="1800" kern="1200">
+        <a:defRPr sz="1350" kern="1200">
           <a:solidFill>
             <a:schemeClr val="tx1"/>
           </a:solidFill>
@@ -2850,10 +2857,10 @@
     </p:bodyStyle>
     <p:otherStyle>
       <a:defPPr>
-        <a:defRPr lang="es-ES"/>
+        <a:defRPr lang="en-US"/>
       </a:defPPr>
-      <a:lvl1pPr marL="0" algn="l" defTabSz="914400" rtl="0" eaLnBrk="1" latinLnBrk="0" hangingPunct="1">
-        <a:defRPr sz="1800" kern="1200">
+      <a:lvl1pPr marL="0" algn="l" defTabSz="685800" rtl="0" eaLnBrk="1" latinLnBrk="0" hangingPunct="1">
+        <a:defRPr sz="1350" kern="1200">
           <a:solidFill>
             <a:schemeClr val="tx1"/>
           </a:solidFill>
@@ -2862,8 +2869,8 @@
           <a:cs typeface="+mn-cs"/>
         </a:defRPr>
       </a:lvl1pPr>
-      <a:lvl2pPr marL="457200" algn="l" defTabSz="914400" rtl="0" eaLnBrk="1" latinLnBrk="0" hangingPunct="1">
-        <a:defRPr sz="1800" kern="1200">
+      <a:lvl2pPr marL="342900" algn="l" defTabSz="685800" rtl="0" eaLnBrk="1" latinLnBrk="0" hangingPunct="1">
+        <a:defRPr sz="1350" kern="1200">
           <a:solidFill>
             <a:schemeClr val="tx1"/>
           </a:solidFill>
@@ -2872,8 +2879,8 @@
           <a:cs typeface="+mn-cs"/>
         </a:defRPr>
       </a:lvl2pPr>
-      <a:lvl3pPr marL="914400" algn="l" defTabSz="914400" rtl="0" eaLnBrk="1" latinLnBrk="0" hangingPunct="1">
-        <a:defRPr sz="1800" kern="1200">
+      <a:lvl3pPr marL="685800" algn="l" defTabSz="685800" rtl="0" eaLnBrk="1" latinLnBrk="0" hangingPunct="1">
+        <a:defRPr sz="1350" kern="1200">
           <a:solidFill>
             <a:schemeClr val="tx1"/>
           </a:solidFill>
@@ -2882,8 +2889,8 @@
           <a:cs typeface="+mn-cs"/>
         </a:defRPr>
       </a:lvl3pPr>
-      <a:lvl4pPr marL="1371600" algn="l" defTabSz="914400" rtl="0" eaLnBrk="1" latinLnBrk="0" hangingPunct="1">
-        <a:defRPr sz="1800" kern="1200">
+      <a:lvl4pPr marL="1028700" algn="l" defTabSz="685800" rtl="0" eaLnBrk="1" latinLnBrk="0" hangingPunct="1">
+        <a:defRPr sz="1350" kern="1200">
           <a:solidFill>
             <a:schemeClr val="tx1"/>
           </a:solidFill>
@@ -2892,8 +2899,8 @@
           <a:cs typeface="+mn-cs"/>
         </a:defRPr>
       </a:lvl4pPr>
-      <a:lvl5pPr marL="1828800" algn="l" defTabSz="914400" rtl="0" eaLnBrk="1" latinLnBrk="0" hangingPunct="1">
-        <a:defRPr sz="1800" kern="1200">
+      <a:lvl5pPr marL="1371600" algn="l" defTabSz="685800" rtl="0" eaLnBrk="1" latinLnBrk="0" hangingPunct="1">
+        <a:defRPr sz="1350" kern="1200">
           <a:solidFill>
             <a:schemeClr val="tx1"/>
           </a:solidFill>
@@ -2902,8 +2909,8 @@
           <a:cs typeface="+mn-cs"/>
         </a:defRPr>
       </a:lvl5pPr>
-      <a:lvl6pPr marL="2286000" algn="l" defTabSz="914400" rtl="0" eaLnBrk="1" latinLnBrk="0" hangingPunct="1">
-        <a:defRPr sz="1800" kern="1200">
+      <a:lvl6pPr marL="1714500" algn="l" defTabSz="685800" rtl="0" eaLnBrk="1" latinLnBrk="0" hangingPunct="1">
+        <a:defRPr sz="1350" kern="1200">
           <a:solidFill>
             <a:schemeClr val="tx1"/>
           </a:solidFill>
@@ -2912,8 +2919,8 @@
           <a:cs typeface="+mn-cs"/>
         </a:defRPr>
       </a:lvl6pPr>
-      <a:lvl7pPr marL="2743200" algn="l" defTabSz="914400" rtl="0" eaLnBrk="1" latinLnBrk="0" hangingPunct="1">
-        <a:defRPr sz="1800" kern="1200">
+      <a:lvl7pPr marL="2057400" algn="l" defTabSz="685800" rtl="0" eaLnBrk="1" latinLnBrk="0" hangingPunct="1">
+        <a:defRPr sz="1350" kern="1200">
           <a:solidFill>
             <a:schemeClr val="tx1"/>
           </a:solidFill>
@@ -2922,8 +2929,8 @@
           <a:cs typeface="+mn-cs"/>
         </a:defRPr>
       </a:lvl7pPr>
-      <a:lvl8pPr marL="3200400" algn="l" defTabSz="914400" rtl="0" eaLnBrk="1" latinLnBrk="0" hangingPunct="1">
-        <a:defRPr sz="1800" kern="1200">
+      <a:lvl8pPr marL="2400300" algn="l" defTabSz="685800" rtl="0" eaLnBrk="1" latinLnBrk="0" hangingPunct="1">
+        <a:defRPr sz="1350" kern="1200">
           <a:solidFill>
             <a:schemeClr val="tx1"/>
           </a:solidFill>
@@ -2932,8 +2939,8 @@
           <a:cs typeface="+mn-cs"/>
         </a:defRPr>
       </a:lvl8pPr>
-      <a:lvl9pPr marL="3657600" algn="l" defTabSz="914400" rtl="0" eaLnBrk="1" latinLnBrk="0" hangingPunct="1">
-        <a:defRPr sz="1800" kern="1200">
+      <a:lvl9pPr marL="2743200" algn="l" defTabSz="685800" rtl="0" eaLnBrk="1" latinLnBrk="0" hangingPunct="1">
+        <a:defRPr sz="1350" kern="1200">
           <a:solidFill>
             <a:schemeClr val="tx1"/>
           </a:solidFill>
@@ -2966,63 +2973,2504 @@
       </p:grpSpPr>
       <p:sp>
         <p:nvSpPr>
-          <p:cNvPr id="2" name="Título 1"/>
-          <p:cNvSpPr>
-            <a:spLocks noGrp="1"/>
-          </p:cNvSpPr>
-          <p:nvPr>
-            <p:ph type="ctrTitle"/>
-          </p:nvPr>
-        </p:nvSpPr>
-        <p:spPr/>
-        <p:txBody>
-          <a:bodyPr/>
-          <a:lstStyle/>
-          <a:p>
-            <a:r>
-              <a:rPr lang="es-AR" dirty="0" smtClean="0"/>
-              <a:t>POSTER CIENTIFICO</a:t>
-            </a:r>
-            <a:endParaRPr lang="es-ES" dirty="0"/>
-          </a:p>
-        </p:txBody>
-      </p:sp>
-      <p:sp>
-        <p:nvSpPr>
-          <p:cNvPr id="3" name="Subtítulo 2"/>
-          <p:cNvSpPr>
-            <a:spLocks noGrp="1"/>
-          </p:cNvSpPr>
-          <p:nvPr>
-            <p:ph type="subTitle" idx="1"/>
-          </p:nvPr>
-        </p:nvSpPr>
-        <p:spPr/>
-        <p:txBody>
-          <a:bodyPr/>
-          <a:lstStyle/>
-          <a:p>
-            <a:endParaRPr lang="es-ES"/>
+          <p:cNvPr id="4" name="CuadroTexto 3"/>
+          <p:cNvSpPr txBox="1"/>
+          <p:nvPr/>
+        </p:nvSpPr>
+        <p:spPr>
+          <a:xfrm>
+            <a:off x="0" y="0"/>
+            <a:ext cx="6858000" cy="1754326"/>
+          </a:xfrm>
+          <a:prstGeom prst="rect">
+            <a:avLst/>
+          </a:prstGeom>
+          <a:solidFill>
+            <a:schemeClr val="tx2">
+              <a:lumMod val="75000"/>
+            </a:schemeClr>
+          </a:solidFill>
+        </p:spPr>
+        <p:txBody>
+          <a:bodyPr wrap="square" rtlCol="0">
+            <a:spAutoFit/>
+          </a:bodyPr>
+          <a:lstStyle/>
+          <a:p>
+            <a:endParaRPr lang="es-AR" smtClean="0"/>
+          </a:p>
+          <a:p>
+            <a:endParaRPr lang="es-AR" smtClean="0"/>
+          </a:p>
+          <a:p>
+            <a:endParaRPr lang="es-AR" smtClean="0"/>
+          </a:p>
+          <a:p>
+            <a:endParaRPr lang="es-AR" smtClean="0"/>
+          </a:p>
+          <a:p>
+            <a:endParaRPr lang="es-AR" smtClean="0"/>
+          </a:p>
+          <a:p>
+            <a:endParaRPr lang="es-AR" dirty="0"/>
+          </a:p>
+        </p:txBody>
+      </p:sp>
+      <p:sp>
+        <p:nvSpPr>
+          <p:cNvPr id="5" name="CuadroTexto 4"/>
+          <p:cNvSpPr txBox="1"/>
+          <p:nvPr/>
+        </p:nvSpPr>
+        <p:spPr>
+          <a:xfrm>
+            <a:off x="-1" y="1300797"/>
+            <a:ext cx="6858001" cy="1121562"/>
+          </a:xfrm>
+          <a:prstGeom prst="rect">
+            <a:avLst/>
+          </a:prstGeom>
+          <a:solidFill>
+            <a:srgbClr val="CAE3BB"/>
+          </a:solidFill>
+        </p:spPr>
+        <p:txBody>
+          <a:bodyPr wrap="square" rtlCol="0">
+            <a:spAutoFit/>
+          </a:bodyPr>
+          <a:lstStyle/>
+          <a:p>
+            <a:endParaRPr lang="es-AR" dirty="0"/>
+          </a:p>
+        </p:txBody>
+      </p:sp>
+      <p:sp>
+        <p:nvSpPr>
+          <p:cNvPr id="7" name="CuadroTexto 6"/>
+          <p:cNvSpPr txBox="1"/>
+          <p:nvPr/>
+        </p:nvSpPr>
+        <p:spPr>
+          <a:xfrm>
+            <a:off x="0" y="2420181"/>
+            <a:ext cx="6858000" cy="1340401"/>
+          </a:xfrm>
+          <a:prstGeom prst="rect">
+            <a:avLst/>
+          </a:prstGeom>
+          <a:solidFill>
+            <a:schemeClr val="accent2">
+              <a:lumMod val="40000"/>
+              <a:lumOff val="60000"/>
+            </a:schemeClr>
+          </a:solidFill>
+        </p:spPr>
+        <p:txBody>
+          <a:bodyPr wrap="square" rtlCol="0">
+            <a:spAutoFit/>
+          </a:bodyPr>
+          <a:lstStyle/>
+          <a:p>
+            <a:endParaRPr lang="es-AR" dirty="0"/>
+          </a:p>
+        </p:txBody>
+      </p:sp>
+      <p:sp>
+        <p:nvSpPr>
+          <p:cNvPr id="8" name="CuadroTexto 7"/>
+          <p:cNvSpPr txBox="1"/>
+          <p:nvPr/>
+        </p:nvSpPr>
+        <p:spPr>
+          <a:xfrm>
+            <a:off x="-1" y="3759874"/>
+            <a:ext cx="6858000" cy="4473206"/>
+          </a:xfrm>
+          <a:prstGeom prst="rect">
+            <a:avLst/>
+          </a:prstGeom>
+          <a:solidFill>
+            <a:schemeClr val="accent1">
+              <a:lumMod val="40000"/>
+              <a:lumOff val="60000"/>
+            </a:schemeClr>
+          </a:solidFill>
+        </p:spPr>
+        <p:txBody>
+          <a:bodyPr wrap="square" rtlCol="0">
+            <a:spAutoFit/>
+          </a:bodyPr>
+          <a:lstStyle/>
+          <a:p>
+            <a:endParaRPr lang="es-AR" dirty="0"/>
+          </a:p>
+        </p:txBody>
+      </p:sp>
+      <p:sp>
+        <p:nvSpPr>
+          <p:cNvPr id="9" name="CuadroTexto 8"/>
+          <p:cNvSpPr txBox="1"/>
+          <p:nvPr/>
+        </p:nvSpPr>
+        <p:spPr>
+          <a:xfrm>
+            <a:off x="-1" y="8178708"/>
+            <a:ext cx="6858001" cy="984152"/>
+          </a:xfrm>
+          <a:prstGeom prst="rect">
+            <a:avLst/>
+          </a:prstGeom>
+          <a:solidFill>
+            <a:schemeClr val="accent4">
+              <a:lumMod val="40000"/>
+              <a:lumOff val="60000"/>
+            </a:schemeClr>
+          </a:solidFill>
+        </p:spPr>
+        <p:txBody>
+          <a:bodyPr wrap="square" rtlCol="0">
+            <a:spAutoFit/>
+          </a:bodyPr>
+          <a:lstStyle/>
+          <a:p>
+            <a:endParaRPr lang="es-AR" dirty="0"/>
+          </a:p>
+        </p:txBody>
+      </p:sp>
+      <p:sp>
+        <p:nvSpPr>
+          <p:cNvPr id="10" name="CuadroTexto 9"/>
+          <p:cNvSpPr txBox="1"/>
+          <p:nvPr/>
+        </p:nvSpPr>
+        <p:spPr>
+          <a:xfrm>
+            <a:off x="161026" y="145419"/>
+            <a:ext cx="4752498" cy="461665"/>
+          </a:xfrm>
+          <a:prstGeom prst="rect">
+            <a:avLst/>
+          </a:prstGeom>
+          <a:solidFill>
+            <a:schemeClr val="tx2">
+              <a:lumMod val="20000"/>
+              <a:lumOff val="80000"/>
+            </a:schemeClr>
+          </a:solidFill>
+        </p:spPr>
+        <p:txBody>
+          <a:bodyPr wrap="square" rtlCol="0">
+            <a:spAutoFit/>
+          </a:bodyPr>
+          <a:lstStyle/>
+          <a:p>
+            <a:pPr algn="ctr"/>
+            <a:r>
+              <a:rPr lang="es-AR" sz="2400" dirty="0" smtClean="0">
+                <a:latin typeface="Segoe Print" panose="02000600000000000000" pitchFamily="2" charset="0"/>
+              </a:rPr>
+              <a:t>TESTING ÁGIL</a:t>
+            </a:r>
+            <a:endParaRPr lang="es-AR" sz="2400" dirty="0">
+              <a:latin typeface="Segoe Print" panose="02000600000000000000" pitchFamily="2" charset="0"/>
+            </a:endParaRPr>
+          </a:p>
+        </p:txBody>
+      </p:sp>
+      <p:sp>
+        <p:nvSpPr>
+          <p:cNvPr id="11" name="CuadroTexto 10"/>
+          <p:cNvSpPr txBox="1"/>
+          <p:nvPr/>
+        </p:nvSpPr>
+        <p:spPr>
+          <a:xfrm>
+            <a:off x="161026" y="646164"/>
+            <a:ext cx="3959284" cy="307777"/>
+          </a:xfrm>
+          <a:prstGeom prst="rect">
+            <a:avLst/>
+          </a:prstGeom>
+          <a:solidFill>
+            <a:schemeClr val="tx2">
+              <a:lumMod val="20000"/>
+              <a:lumOff val="80000"/>
+            </a:schemeClr>
+          </a:solidFill>
+        </p:spPr>
+        <p:txBody>
+          <a:bodyPr wrap="square" rtlCol="0">
+            <a:spAutoFit/>
+          </a:bodyPr>
+          <a:lstStyle/>
+          <a:p>
+            <a:pPr algn="ctr"/>
+            <a:r>
+              <a:rPr lang="es-AR" sz="1400" dirty="0" smtClean="0">
+                <a:latin typeface="Segoe Print" panose="02000600000000000000" pitchFamily="2" charset="0"/>
+              </a:rPr>
+              <a:t>ROLES Y COMPETENCIAS DEL TESTER</a:t>
+            </a:r>
+            <a:endParaRPr lang="es-AR" sz="1400" dirty="0">
+              <a:latin typeface="Segoe Print" panose="02000600000000000000" pitchFamily="2" charset="0"/>
+            </a:endParaRPr>
+          </a:p>
+        </p:txBody>
+      </p:sp>
+      <p:sp>
+        <p:nvSpPr>
+          <p:cNvPr id="2" name="CuadroTexto 1"/>
+          <p:cNvSpPr txBox="1"/>
+          <p:nvPr/>
+        </p:nvSpPr>
+        <p:spPr>
+          <a:xfrm>
+            <a:off x="5855461" y="132182"/>
+            <a:ext cx="853811" cy="821759"/>
+          </a:xfrm>
+          <a:prstGeom prst="rect">
+            <a:avLst/>
+          </a:prstGeom>
+          <a:solidFill>
+            <a:schemeClr val="tx2">
+              <a:lumMod val="20000"/>
+              <a:lumOff val="80000"/>
+            </a:schemeClr>
+          </a:solidFill>
+        </p:spPr>
+        <p:txBody>
+          <a:bodyPr wrap="square" rtlCol="0">
+            <a:spAutoFit/>
+          </a:bodyPr>
+          <a:lstStyle/>
+          <a:p>
+            <a:endParaRPr lang="es-AR" dirty="0"/>
+          </a:p>
+        </p:txBody>
+      </p:sp>
+      <p:pic>
+        <p:nvPicPr>
+          <p:cNvPr id="1028" name="Picture 4" descr="https://lh5.googleusercontent.com/ioadGPc2ZQjl26Utcg_ZzA3liiiCC6D2rUDIEklCVz4AN4cDo0VV0B1RYyIpA25Uxjhd-ND-9SnD2nKfn82805XVf8z0KSxUVp_TGuiVCohmGFnWQ3YTHT8o9UizWBPCZ3k0ThwJIMxQSsja5ETTyw"/>
+          <p:cNvPicPr>
+            <a:picLocks noChangeAspect="1" noChangeArrowheads="1"/>
+          </p:cNvPicPr>
+          <p:nvPr/>
+        </p:nvPicPr>
+        <p:blipFill>
+          <a:blip r:embed="rId2" cstate="print">
+            <a:extLst>
+              <a:ext uri="{28A0092B-C50C-407E-A947-70E740481C1C}">
+                <a14:useLocalDpi xmlns:a14="http://schemas.microsoft.com/office/drawing/2010/main" val="0"/>
+              </a:ext>
+            </a:extLst>
+          </a:blip>
+          <a:srcRect/>
+          <a:stretch>
+            <a:fillRect/>
+          </a:stretch>
+        </p:blipFill>
+        <p:spPr bwMode="auto">
+          <a:xfrm>
+            <a:off x="5983236" y="210341"/>
+            <a:ext cx="665439" cy="665439"/>
+          </a:xfrm>
+          <a:prstGeom prst="rect">
+            <a:avLst/>
+          </a:prstGeom>
+          <a:noFill/>
+          <a:extLst>
+            <a:ext uri="{909E8E84-426E-40DD-AFC4-6F175D3DCCD1}">
+              <a14:hiddenFill xmlns:a14="http://schemas.microsoft.com/office/drawing/2010/main">
+                <a:solidFill>
+                  <a:srgbClr val="FFFFFF"/>
+                </a:solidFill>
+              </a14:hiddenFill>
+            </a:ext>
+          </a:extLst>
+        </p:spPr>
+      </p:pic>
+      <p:sp>
+        <p:nvSpPr>
+          <p:cNvPr id="3" name="CuadroTexto 2"/>
+          <p:cNvSpPr txBox="1"/>
+          <p:nvPr/>
+        </p:nvSpPr>
+        <p:spPr>
+          <a:xfrm>
+            <a:off x="0" y="1001488"/>
+            <a:ext cx="6858000" cy="830997"/>
+          </a:xfrm>
+          <a:prstGeom prst="rect">
+            <a:avLst/>
+          </a:prstGeom>
+          <a:noFill/>
+        </p:spPr>
+        <p:txBody>
+          <a:bodyPr wrap="square" rtlCol="0">
+            <a:spAutoFit/>
+          </a:bodyPr>
+          <a:lstStyle/>
+          <a:p>
+            <a:r>
+              <a:rPr lang="es-AR" sz="1200" dirty="0">
+                <a:solidFill>
+                  <a:schemeClr val="tx2">
+                    <a:lumMod val="20000"/>
+                    <a:lumOff val="80000"/>
+                  </a:schemeClr>
+                </a:solidFill>
+                <a:latin typeface="Segoe Print" panose="02000600000000000000" pitchFamily="2" charset="0"/>
+              </a:rPr>
+              <a:t>Cátedra Ingeniería de Software Grupo 1 - 4k4 - 2022 </a:t>
+            </a:r>
+            <a:r>
+              <a:rPr lang="es-AR" sz="1200" dirty="0" smtClean="0">
+                <a:solidFill>
+                  <a:schemeClr val="tx2">
+                    <a:lumMod val="20000"/>
+                    <a:lumOff val="80000"/>
+                  </a:schemeClr>
+                </a:solidFill>
+                <a:latin typeface="Segoe Print" panose="02000600000000000000" pitchFamily="2" charset="0"/>
+              </a:rPr>
+              <a:t> Ávila, Ardiles</a:t>
+            </a:r>
+            <a:r>
+              <a:rPr lang="es-AR" sz="1200" dirty="0">
+                <a:solidFill>
+                  <a:schemeClr val="tx2">
+                    <a:lumMod val="20000"/>
+                    <a:lumOff val="80000"/>
+                  </a:schemeClr>
+                </a:solidFill>
+                <a:latin typeface="Segoe Print" panose="02000600000000000000" pitchFamily="2" charset="0"/>
+              </a:rPr>
+              <a:t>, </a:t>
+            </a:r>
+            <a:r>
+              <a:rPr lang="es-AR" sz="1200" dirty="0" smtClean="0">
+                <a:solidFill>
+                  <a:schemeClr val="tx2">
+                    <a:lumMod val="20000"/>
+                    <a:lumOff val="80000"/>
+                  </a:schemeClr>
+                </a:solidFill>
+                <a:latin typeface="Segoe Print" panose="02000600000000000000" pitchFamily="2" charset="0"/>
+              </a:rPr>
+              <a:t>Bursa, </a:t>
+            </a:r>
+            <a:r>
+              <a:rPr lang="es-AR" sz="1200" dirty="0">
+                <a:solidFill>
+                  <a:schemeClr val="tx2">
+                    <a:lumMod val="20000"/>
+                    <a:lumOff val="80000"/>
+                  </a:schemeClr>
+                </a:solidFill>
+                <a:latin typeface="Segoe Print" panose="02000600000000000000" pitchFamily="2" charset="0"/>
+              </a:rPr>
+              <a:t>Walter</a:t>
+            </a:r>
+            <a:endParaRPr lang="es-AR" sz="1200" dirty="0">
+              <a:solidFill>
+                <a:schemeClr val="tx2">
+                  <a:lumMod val="20000"/>
+                  <a:lumOff val="80000"/>
+                </a:schemeClr>
+              </a:solidFill>
+              <a:latin typeface="Segoe Print" panose="02000600000000000000" pitchFamily="2" charset="0"/>
+            </a:endParaRPr>
+          </a:p>
+          <a:p>
+            <a:r>
+              <a:rPr lang="es-AR" dirty="0">
+                <a:solidFill>
+                  <a:schemeClr val="tx2">
+                    <a:lumMod val="20000"/>
+                    <a:lumOff val="80000"/>
+                  </a:schemeClr>
+                </a:solidFill>
+              </a:rPr>
+              <a:t/>
+            </a:r>
+            <a:br>
+              <a:rPr lang="es-AR" dirty="0">
+                <a:solidFill>
+                  <a:schemeClr val="tx2">
+                    <a:lumMod val="20000"/>
+                    <a:lumOff val="80000"/>
+                  </a:schemeClr>
+                </a:solidFill>
+              </a:rPr>
+            </a:br>
+            <a:endParaRPr lang="es-AR" dirty="0">
+              <a:solidFill>
+                <a:schemeClr val="tx2">
+                  <a:lumMod val="20000"/>
+                  <a:lumOff val="80000"/>
+                </a:schemeClr>
+              </a:solidFill>
+            </a:endParaRPr>
+          </a:p>
+        </p:txBody>
+      </p:sp>
+      <p:sp>
+        <p:nvSpPr>
+          <p:cNvPr id="6" name="Pentágono 5"/>
+          <p:cNvSpPr/>
+          <p:nvPr/>
+        </p:nvSpPr>
+        <p:spPr>
+          <a:xfrm>
+            <a:off x="161026" y="1348345"/>
+            <a:ext cx="2994673" cy="1001155"/>
+          </a:xfrm>
+          <a:prstGeom prst="homePlate">
+            <a:avLst/>
+          </a:prstGeom>
+          <a:solidFill>
+            <a:schemeClr val="bg1"/>
+          </a:solidFill>
+          <a:ln>
+            <a:solidFill>
+              <a:schemeClr val="tx2">
+                <a:lumMod val="75000"/>
+              </a:schemeClr>
+            </a:solidFill>
+          </a:ln>
+        </p:spPr>
+        <p:style>
+          <a:lnRef idx="2">
+            <a:schemeClr val="accent1">
+              <a:shade val="50000"/>
+            </a:schemeClr>
+          </a:lnRef>
+          <a:fillRef idx="1">
+            <a:schemeClr val="accent1"/>
+          </a:fillRef>
+          <a:effectRef idx="0">
+            <a:schemeClr val="accent1"/>
+          </a:effectRef>
+          <a:fontRef idx="minor">
+            <a:schemeClr val="lt1"/>
+          </a:fontRef>
+        </p:style>
+        <p:txBody>
+          <a:bodyPr rtlCol="0" anchor="ctr"/>
+          <a:lstStyle/>
+          <a:p>
+            <a:r>
+              <a:rPr lang="es-MX" sz="900" dirty="0">
+                <a:solidFill>
+                  <a:schemeClr val="tx2">
+                    <a:lumMod val="75000"/>
+                  </a:schemeClr>
+                </a:solidFill>
+                <a:latin typeface="Papyrus" panose="03070502060502030205" pitchFamily="66" charset="0"/>
+              </a:rPr>
+              <a:t>Un tester es una persona que prueba productos de software en busca de errores, defectos o cualquier problema que pueda encontrar el usuario final. Luego proporciona informes al equipo del proyecto sobre cualquier problema o mejora que el producto pueda requerir</a:t>
+            </a:r>
+            <a:r>
+              <a:rPr lang="es-MX" sz="900" dirty="0" smtClean="0">
+                <a:solidFill>
+                  <a:schemeClr val="tx2">
+                    <a:lumMod val="75000"/>
+                  </a:schemeClr>
+                </a:solidFill>
+                <a:latin typeface="Papyrus" panose="03070502060502030205" pitchFamily="66" charset="0"/>
+              </a:rPr>
+              <a:t>.</a:t>
+            </a:r>
+            <a:endParaRPr lang="es-AR" sz="900" dirty="0">
+              <a:solidFill>
+                <a:schemeClr val="tx2">
+                  <a:lumMod val="75000"/>
+                </a:schemeClr>
+              </a:solidFill>
+              <a:latin typeface="Papyrus" panose="03070502060502030205" pitchFamily="66" charset="0"/>
+            </a:endParaRPr>
+          </a:p>
+        </p:txBody>
+      </p:sp>
+      <p:sp>
+        <p:nvSpPr>
+          <p:cNvPr id="15" name="Pentágono 14"/>
+          <p:cNvSpPr/>
+          <p:nvPr/>
+        </p:nvSpPr>
+        <p:spPr>
+          <a:xfrm rot="10800000">
+            <a:off x="4120310" y="1363976"/>
+            <a:ext cx="2696474" cy="1001155"/>
+          </a:xfrm>
+          <a:prstGeom prst="homePlate">
+            <a:avLst/>
+          </a:prstGeom>
+          <a:solidFill>
+            <a:schemeClr val="bg1"/>
+          </a:solidFill>
+          <a:ln>
+            <a:solidFill>
+              <a:schemeClr val="tx2">
+                <a:lumMod val="75000"/>
+              </a:schemeClr>
+            </a:solidFill>
+          </a:ln>
+        </p:spPr>
+        <p:style>
+          <a:lnRef idx="2">
+            <a:schemeClr val="accent1">
+              <a:shade val="50000"/>
+            </a:schemeClr>
+          </a:lnRef>
+          <a:fillRef idx="1">
+            <a:schemeClr val="accent1"/>
+          </a:fillRef>
+          <a:effectRef idx="0">
+            <a:schemeClr val="accent1"/>
+          </a:effectRef>
+          <a:fontRef idx="minor">
+            <a:schemeClr val="lt1"/>
+          </a:fontRef>
+        </p:style>
+        <p:txBody>
+          <a:bodyPr rtlCol="0" anchor="ctr"/>
+          <a:lstStyle/>
+          <a:p>
+            <a:endParaRPr lang="es-AR" sz="900" dirty="0">
+              <a:solidFill>
+                <a:schemeClr val="tx2">
+                  <a:lumMod val="75000"/>
+                </a:schemeClr>
+              </a:solidFill>
+              <a:latin typeface="Papyrus" panose="03070502060502030205" pitchFamily="66" charset="0"/>
+            </a:endParaRPr>
+          </a:p>
+        </p:txBody>
+      </p:sp>
+      <p:sp>
+        <p:nvSpPr>
+          <p:cNvPr id="14" name="CuadroTexto 13"/>
+          <p:cNvSpPr txBox="1"/>
+          <p:nvPr/>
+        </p:nvSpPr>
+        <p:spPr>
+          <a:xfrm>
+            <a:off x="4680273" y="1348345"/>
+            <a:ext cx="2092822" cy="1284967"/>
+          </a:xfrm>
+          <a:prstGeom prst="rect">
+            <a:avLst/>
+          </a:prstGeom>
+          <a:noFill/>
+        </p:spPr>
+        <p:txBody>
+          <a:bodyPr wrap="square" rtlCol="0">
+            <a:spAutoFit/>
+          </a:bodyPr>
+          <a:lstStyle/>
+          <a:p>
+            <a:endParaRPr lang="es-MX" sz="900" dirty="0" smtClean="0">
+              <a:latin typeface="Papyrus" panose="03070502060502030205" pitchFamily="66" charset="0"/>
+            </a:endParaRPr>
+          </a:p>
+          <a:p>
+            <a:r>
+              <a:rPr lang="es-MX" sz="900" dirty="0" smtClean="0">
+                <a:latin typeface="Papyrus" panose="03070502060502030205" pitchFamily="66" charset="0"/>
+              </a:rPr>
+              <a:t>ROLES</a:t>
+            </a:r>
+          </a:p>
+          <a:p>
+            <a:endParaRPr lang="es-MX" sz="1000" dirty="0">
+              <a:latin typeface="Papyrus" panose="03070502060502030205" pitchFamily="66" charset="0"/>
+            </a:endParaRPr>
+          </a:p>
+          <a:p>
+            <a:r>
+              <a:rPr lang="es-MX" sz="1050" dirty="0" smtClean="0">
+                <a:latin typeface="Papyrus" panose="03070502060502030205" pitchFamily="66" charset="0"/>
+              </a:rPr>
+              <a:t>Tester </a:t>
+            </a:r>
+            <a:r>
+              <a:rPr lang="es-MX" sz="1050" dirty="0">
+                <a:latin typeface="Papyrus" panose="03070502060502030205" pitchFamily="66" charset="0"/>
+              </a:rPr>
+              <a:t>de </a:t>
+            </a:r>
+            <a:r>
+              <a:rPr lang="es-MX" sz="1050" dirty="0" smtClean="0">
+                <a:latin typeface="Papyrus" panose="03070502060502030205" pitchFamily="66" charset="0"/>
+              </a:rPr>
+              <a:t>software.</a:t>
+            </a:r>
+            <a:r>
+              <a:rPr lang="es-MX" sz="1050" dirty="0">
+                <a:latin typeface="Papyrus" panose="03070502060502030205" pitchFamily="66" charset="0"/>
+              </a:rPr>
+              <a:t> </a:t>
+            </a:r>
+            <a:endParaRPr lang="es-MX" sz="1050" dirty="0">
+              <a:latin typeface="Papyrus" panose="03070502060502030205" pitchFamily="66" charset="0"/>
+            </a:endParaRPr>
+          </a:p>
+          <a:p>
+            <a:r>
+              <a:rPr lang="es-MX" sz="1050" dirty="0">
+                <a:latin typeface="Papyrus" panose="03070502060502030205" pitchFamily="66" charset="0"/>
+              </a:rPr>
+              <a:t>Líder de testing de software. </a:t>
+            </a:r>
+            <a:endParaRPr lang="es-MX" sz="1050" dirty="0">
+              <a:latin typeface="Papyrus" panose="03070502060502030205" pitchFamily="66" charset="0"/>
+            </a:endParaRPr>
+          </a:p>
+          <a:p>
+            <a:r>
+              <a:rPr lang="es-MX" sz="1050" dirty="0">
+                <a:latin typeface="Papyrus" panose="03070502060502030205" pitchFamily="66" charset="0"/>
+              </a:rPr>
+              <a:t>Consultor. </a:t>
+            </a:r>
+            <a:endParaRPr lang="es-MX" sz="1050" dirty="0">
+              <a:latin typeface="Papyrus" panose="03070502060502030205" pitchFamily="66" charset="0"/>
+            </a:endParaRPr>
+          </a:p>
+          <a:p>
+            <a:pPr algn="ctr"/>
+            <a:r>
+              <a:rPr lang="es-MX" sz="900" dirty="0"/>
+              <a:t/>
+            </a:r>
+            <a:br>
+              <a:rPr lang="es-MX" sz="900" dirty="0"/>
+            </a:br>
+            <a:endParaRPr lang="es-AR" sz="900" dirty="0">
+              <a:latin typeface="Papyrus" panose="03070502060502030205" pitchFamily="66" charset="0"/>
+            </a:endParaRPr>
+          </a:p>
+        </p:txBody>
+      </p:sp>
+      <p:pic>
+        <p:nvPicPr>
+          <p:cNvPr id="19" name="Imagen 18"/>
+          <p:cNvPicPr>
+            <a:picLocks noChangeAspect="1"/>
+          </p:cNvPicPr>
+          <p:nvPr/>
+        </p:nvPicPr>
+        <p:blipFill>
+          <a:blip r:embed="rId3" cstate="print">
+            <a:extLst>
+              <a:ext uri="{28A0092B-C50C-407E-A947-70E740481C1C}">
+                <a14:useLocalDpi xmlns:a14="http://schemas.microsoft.com/office/drawing/2010/main" val="0"/>
+              </a:ext>
+            </a:extLst>
+          </a:blip>
+          <a:stretch>
+            <a:fillRect/>
+          </a:stretch>
+        </p:blipFill>
+        <p:spPr>
+          <a:xfrm>
+            <a:off x="3155701" y="1294979"/>
+            <a:ext cx="1038648" cy="1125202"/>
+          </a:xfrm>
+          <a:prstGeom prst="rect">
+            <a:avLst/>
+          </a:prstGeom>
+        </p:spPr>
+      </p:pic>
+      <p:sp>
+        <p:nvSpPr>
+          <p:cNvPr id="20" name="Rectángulo redondeado 19"/>
+          <p:cNvSpPr/>
+          <p:nvPr/>
+        </p:nvSpPr>
+        <p:spPr>
+          <a:xfrm>
+            <a:off x="1169736" y="2453642"/>
+            <a:ext cx="1446186" cy="410778"/>
+          </a:xfrm>
+          <a:prstGeom prst="roundRect">
+            <a:avLst/>
+          </a:prstGeom>
+          <a:solidFill>
+            <a:schemeClr val="bg2"/>
+          </a:solidFill>
+          <a:ln>
+            <a:solidFill>
+              <a:schemeClr val="tx2">
+                <a:lumMod val="75000"/>
+              </a:schemeClr>
+            </a:solidFill>
+          </a:ln>
+        </p:spPr>
+        <p:style>
+          <a:lnRef idx="2">
+            <a:schemeClr val="accent1">
+              <a:shade val="50000"/>
+            </a:schemeClr>
+          </a:lnRef>
+          <a:fillRef idx="1">
+            <a:schemeClr val="accent1"/>
+          </a:fillRef>
+          <a:effectRef idx="0">
+            <a:schemeClr val="accent1"/>
+          </a:effectRef>
+          <a:fontRef idx="minor">
+            <a:schemeClr val="lt1"/>
+          </a:fontRef>
+        </p:style>
+        <p:txBody>
+          <a:bodyPr rtlCol="0" anchor="ctr"/>
+          <a:lstStyle/>
+          <a:p>
+            <a:pPr algn="ctr"/>
+            <a:r>
+              <a:rPr lang="es-AR" sz="900" dirty="0" smtClean="0">
+                <a:solidFill>
+                  <a:schemeClr val="tx2">
+                    <a:lumMod val="75000"/>
+                  </a:schemeClr>
+                </a:solidFill>
+                <a:latin typeface="Papyrus" panose="03070502060502030205" pitchFamily="66" charset="0"/>
+              </a:rPr>
+              <a:t>HABILIDADES TÉCNICAS</a:t>
+            </a:r>
+            <a:endParaRPr lang="es-AR" sz="900" dirty="0">
+              <a:solidFill>
+                <a:schemeClr val="tx2">
+                  <a:lumMod val="75000"/>
+                </a:schemeClr>
+              </a:solidFill>
+              <a:latin typeface="Papyrus" panose="03070502060502030205" pitchFamily="66" charset="0"/>
+            </a:endParaRPr>
+          </a:p>
+        </p:txBody>
+      </p:sp>
+      <p:sp>
+        <p:nvSpPr>
+          <p:cNvPr id="24" name="Rectángulo redondeado 23"/>
+          <p:cNvSpPr/>
+          <p:nvPr/>
+        </p:nvSpPr>
+        <p:spPr>
+          <a:xfrm>
+            <a:off x="5132368" y="2465071"/>
+            <a:ext cx="1446186" cy="410778"/>
+          </a:xfrm>
+          <a:prstGeom prst="roundRect">
+            <a:avLst/>
+          </a:prstGeom>
+          <a:solidFill>
+            <a:schemeClr val="bg2"/>
+          </a:solidFill>
+          <a:ln>
+            <a:solidFill>
+              <a:schemeClr val="tx2">
+                <a:lumMod val="75000"/>
+              </a:schemeClr>
+            </a:solidFill>
+          </a:ln>
+        </p:spPr>
+        <p:style>
+          <a:lnRef idx="2">
+            <a:schemeClr val="accent1">
+              <a:shade val="50000"/>
+            </a:schemeClr>
+          </a:lnRef>
+          <a:fillRef idx="1">
+            <a:schemeClr val="accent1"/>
+          </a:fillRef>
+          <a:effectRef idx="0">
+            <a:schemeClr val="accent1"/>
+          </a:effectRef>
+          <a:fontRef idx="minor">
+            <a:schemeClr val="lt1"/>
+          </a:fontRef>
+        </p:style>
+        <p:txBody>
+          <a:bodyPr rtlCol="0" anchor="ctr"/>
+          <a:lstStyle/>
+          <a:p>
+            <a:pPr algn="ctr"/>
+            <a:r>
+              <a:rPr lang="es-AR" sz="900" dirty="0" smtClean="0">
+                <a:solidFill>
+                  <a:schemeClr val="tx2">
+                    <a:lumMod val="75000"/>
+                  </a:schemeClr>
+                </a:solidFill>
+                <a:latin typeface="Papyrus" panose="03070502060502030205" pitchFamily="66" charset="0"/>
+              </a:rPr>
+              <a:t>HABILIDADES BLANDAS</a:t>
+            </a:r>
+            <a:endParaRPr lang="es-AR" sz="900" dirty="0">
+              <a:solidFill>
+                <a:schemeClr val="tx2">
+                  <a:lumMod val="75000"/>
+                </a:schemeClr>
+              </a:solidFill>
+              <a:latin typeface="Papyrus" panose="03070502060502030205" pitchFamily="66" charset="0"/>
+            </a:endParaRPr>
+          </a:p>
+        </p:txBody>
+      </p:sp>
+      <p:sp>
+        <p:nvSpPr>
+          <p:cNvPr id="21" name="CuadroTexto 20"/>
+          <p:cNvSpPr txBox="1"/>
+          <p:nvPr/>
+        </p:nvSpPr>
+        <p:spPr>
+          <a:xfrm>
+            <a:off x="1062988" y="2923379"/>
+            <a:ext cx="2762250" cy="1061829"/>
+          </a:xfrm>
+          <a:prstGeom prst="rect">
+            <a:avLst/>
+          </a:prstGeom>
+          <a:noFill/>
+        </p:spPr>
+        <p:txBody>
+          <a:bodyPr wrap="square" rtlCol="0">
+            <a:spAutoFit/>
+          </a:bodyPr>
+          <a:lstStyle/>
+          <a:p>
+            <a:r>
+              <a:rPr lang="es-AR" sz="900" dirty="0" smtClean="0">
+                <a:solidFill>
+                  <a:schemeClr val="tx2">
+                    <a:lumMod val="75000"/>
+                  </a:schemeClr>
+                </a:solidFill>
+                <a:latin typeface="Papyrus" panose="03070502060502030205" pitchFamily="66" charset="0"/>
+              </a:rPr>
+              <a:t>-Conocimiento en Linux </a:t>
+            </a:r>
+          </a:p>
+          <a:p>
+            <a:r>
+              <a:rPr lang="es-AR" sz="900" dirty="0">
+                <a:solidFill>
+                  <a:schemeClr val="tx2">
+                    <a:lumMod val="75000"/>
+                  </a:schemeClr>
+                </a:solidFill>
+                <a:latin typeface="Papyrus" panose="03070502060502030205" pitchFamily="66" charset="0"/>
+              </a:rPr>
+              <a:t>-</a:t>
+            </a:r>
+            <a:r>
+              <a:rPr lang="es-AR" sz="900" dirty="0" smtClean="0">
+                <a:solidFill>
+                  <a:schemeClr val="tx2">
+                    <a:lumMod val="75000"/>
+                  </a:schemeClr>
+                </a:solidFill>
+                <a:latin typeface="Papyrus" panose="03070502060502030205" pitchFamily="66" charset="0"/>
+              </a:rPr>
+              <a:t>Conocimiento en bases de datos</a:t>
+            </a:r>
+          </a:p>
+          <a:p>
+            <a:r>
+              <a:rPr lang="es-AR" sz="900" dirty="0" smtClean="0">
+                <a:solidFill>
+                  <a:schemeClr val="tx2">
+                    <a:lumMod val="75000"/>
+                  </a:schemeClr>
+                </a:solidFill>
+                <a:latin typeface="Papyrus" panose="03070502060502030205" pitchFamily="66" charset="0"/>
+              </a:rPr>
+              <a:t>-Experiencia con herramientas de gestión de prueba</a:t>
+            </a:r>
+          </a:p>
+          <a:p>
+            <a:r>
+              <a:rPr lang="es-AR" sz="900" dirty="0" smtClean="0">
+                <a:solidFill>
+                  <a:schemeClr val="tx2">
+                    <a:lumMod val="75000"/>
+                  </a:schemeClr>
+                </a:solidFill>
+                <a:latin typeface="Papyrus" panose="03070502060502030205" pitchFamily="66" charset="0"/>
+              </a:rPr>
+              <a:t>-Experiencia </a:t>
+            </a:r>
+            <a:r>
+              <a:rPr lang="es-AR" sz="900" dirty="0">
+                <a:solidFill>
+                  <a:schemeClr val="tx2">
+                    <a:lumMod val="75000"/>
+                  </a:schemeClr>
+                </a:solidFill>
+                <a:latin typeface="Papyrus" panose="03070502060502030205" pitchFamily="66" charset="0"/>
+              </a:rPr>
+              <a:t>con herramientas </a:t>
+            </a:r>
+            <a:r>
+              <a:rPr lang="es-AR" sz="900" dirty="0" smtClean="0">
+                <a:solidFill>
+                  <a:schemeClr val="tx2">
+                    <a:lumMod val="75000"/>
+                  </a:schemeClr>
+                </a:solidFill>
+                <a:latin typeface="Papyrus" panose="03070502060502030205" pitchFamily="66" charset="0"/>
+              </a:rPr>
+              <a:t>de automatización</a:t>
+            </a:r>
+          </a:p>
+          <a:p>
+            <a:r>
+              <a:rPr lang="es-AR" sz="900" dirty="0" smtClean="0">
+                <a:solidFill>
+                  <a:schemeClr val="tx2">
+                    <a:lumMod val="75000"/>
+                  </a:schemeClr>
+                </a:solidFill>
+                <a:latin typeface="Papyrus" panose="03070502060502030205" pitchFamily="66" charset="0"/>
+              </a:rPr>
+              <a:t>-Conocimiento en seguimiento de defectos</a:t>
+            </a:r>
+          </a:p>
+          <a:p>
+            <a:endParaRPr lang="es-AR" dirty="0">
+              <a:solidFill>
+                <a:schemeClr val="tx2">
+                  <a:lumMod val="75000"/>
+                </a:schemeClr>
+              </a:solidFill>
+            </a:endParaRPr>
+          </a:p>
+        </p:txBody>
+      </p:sp>
+      <p:pic>
+        <p:nvPicPr>
+          <p:cNvPr id="22" name="Imagen 21"/>
+          <p:cNvPicPr>
+            <a:picLocks noChangeAspect="1"/>
+          </p:cNvPicPr>
+          <p:nvPr/>
+        </p:nvPicPr>
+        <p:blipFill>
+          <a:blip r:embed="rId4" cstate="print">
+            <a:extLst>
+              <a:ext uri="{28A0092B-C50C-407E-A947-70E740481C1C}">
+                <a14:useLocalDpi xmlns:a14="http://schemas.microsoft.com/office/drawing/2010/main" val="0"/>
+              </a:ext>
+            </a:extLst>
+          </a:blip>
+          <a:stretch>
+            <a:fillRect/>
+          </a:stretch>
+        </p:blipFill>
+        <p:spPr>
+          <a:xfrm>
+            <a:off x="-329130" y="2567180"/>
+            <a:ext cx="1828144" cy="1065020"/>
+          </a:xfrm>
+          <a:prstGeom prst="rect">
+            <a:avLst/>
+          </a:prstGeom>
+        </p:spPr>
+      </p:pic>
+      <p:sp>
+        <p:nvSpPr>
+          <p:cNvPr id="28" name="CuadroTexto 27"/>
+          <p:cNvSpPr txBox="1"/>
+          <p:nvPr/>
+        </p:nvSpPr>
+        <p:spPr>
+          <a:xfrm>
+            <a:off x="5025749" y="2938641"/>
+            <a:ext cx="1950691" cy="780473"/>
+          </a:xfrm>
+          <a:prstGeom prst="rect">
+            <a:avLst/>
+          </a:prstGeom>
+          <a:noFill/>
+        </p:spPr>
+        <p:txBody>
+          <a:bodyPr wrap="square" rtlCol="0">
+            <a:spAutoFit/>
+          </a:bodyPr>
+          <a:lstStyle/>
+          <a:p>
+            <a:r>
+              <a:rPr lang="es-AR" sz="900" dirty="0" smtClean="0">
+                <a:solidFill>
+                  <a:schemeClr val="tx2">
+                    <a:lumMod val="75000"/>
+                  </a:schemeClr>
+                </a:solidFill>
+                <a:latin typeface="Papyrus" panose="03070502060502030205" pitchFamily="66" charset="0"/>
+              </a:rPr>
+              <a:t>-Capacidad de análisis</a:t>
+            </a:r>
+          </a:p>
+          <a:p>
+            <a:r>
+              <a:rPr lang="es-AR" sz="900" dirty="0" smtClean="0">
+                <a:solidFill>
+                  <a:schemeClr val="tx2">
+                    <a:lumMod val="75000"/>
+                  </a:schemeClr>
+                </a:solidFill>
+                <a:latin typeface="Papyrus" panose="03070502060502030205" pitchFamily="66" charset="0"/>
+              </a:rPr>
+              <a:t>-Habilidades de comunicación</a:t>
+            </a:r>
+          </a:p>
+          <a:p>
+            <a:r>
+              <a:rPr lang="es-AR" sz="900" dirty="0" smtClean="0">
+                <a:solidFill>
+                  <a:schemeClr val="tx2">
+                    <a:lumMod val="75000"/>
+                  </a:schemeClr>
+                </a:solidFill>
+                <a:latin typeface="Papyrus" panose="03070502060502030205" pitchFamily="66" charset="0"/>
+              </a:rPr>
+              <a:t>-Organización y gestión del tiempo</a:t>
+            </a:r>
+          </a:p>
+          <a:p>
+            <a:r>
+              <a:rPr lang="es-AR" sz="900" dirty="0" smtClean="0">
+                <a:solidFill>
+                  <a:schemeClr val="tx2">
+                    <a:lumMod val="75000"/>
+                  </a:schemeClr>
+                </a:solidFill>
+                <a:latin typeface="Papyrus" panose="03070502060502030205" pitchFamily="66" charset="0"/>
+              </a:rPr>
+              <a:t>-Actitud positiva</a:t>
+            </a:r>
+          </a:p>
+          <a:p>
+            <a:r>
+              <a:rPr lang="es-AR" sz="900" dirty="0" smtClean="0">
+                <a:solidFill>
+                  <a:schemeClr val="tx2">
+                    <a:lumMod val="75000"/>
+                  </a:schemeClr>
+                </a:solidFill>
+                <a:latin typeface="Papyrus" panose="03070502060502030205" pitchFamily="66" charset="0"/>
+              </a:rPr>
+              <a:t>-Pasión</a:t>
+            </a:r>
+          </a:p>
+        </p:txBody>
+      </p:sp>
+      <p:pic>
+        <p:nvPicPr>
+          <p:cNvPr id="1038" name="Picture 14" descr="https://lh3.googleusercontent.com/TuOGxNAi3aUbgw-SOUTzn0FuJpVt8ei3YbUiZfVcp64-rOc3qT8sd9gZMwB3Gk2gxgI_6Ep1XKoIWOuk3vH3UWvfsx15kApMo5m8_RLgR8QcjGqi65Nw2NMFkMwPRcENf4pqOpleX_1Otnub5Hk4og"/>
+          <p:cNvPicPr>
+            <a:picLocks noChangeAspect="1" noChangeArrowheads="1"/>
+          </p:cNvPicPr>
+          <p:nvPr/>
+        </p:nvPicPr>
+        <p:blipFill>
+          <a:blip r:embed="rId5">
+            <a:extLst>
+              <a:ext uri="{28A0092B-C50C-407E-A947-70E740481C1C}">
+                <a14:useLocalDpi xmlns:a14="http://schemas.microsoft.com/office/drawing/2010/main" val="0"/>
+              </a:ext>
+            </a:extLst>
+          </a:blip>
+          <a:srcRect/>
+          <a:stretch>
+            <a:fillRect/>
+          </a:stretch>
+        </p:blipFill>
+        <p:spPr bwMode="auto">
+          <a:xfrm>
+            <a:off x="3675025" y="2435812"/>
+            <a:ext cx="1292778" cy="1292779"/>
+          </a:xfrm>
+          <a:prstGeom prst="rect">
+            <a:avLst/>
+          </a:prstGeom>
+          <a:noFill/>
+          <a:extLst>
+            <a:ext uri="{909E8E84-426E-40DD-AFC4-6F175D3DCCD1}">
+              <a14:hiddenFill xmlns:a14="http://schemas.microsoft.com/office/drawing/2010/main">
+                <a:solidFill>
+                  <a:srgbClr val="FFFFFF"/>
+                </a:solidFill>
+              </a14:hiddenFill>
+            </a:ext>
+          </a:extLst>
+        </p:spPr>
+      </p:pic>
+      <p:sp>
+        <p:nvSpPr>
+          <p:cNvPr id="26" name="CuadroTexto 25"/>
+          <p:cNvSpPr txBox="1"/>
+          <p:nvPr/>
+        </p:nvSpPr>
+        <p:spPr>
+          <a:xfrm>
+            <a:off x="80387" y="3867903"/>
+            <a:ext cx="3155950" cy="261610"/>
+          </a:xfrm>
+          <a:prstGeom prst="rect">
+            <a:avLst/>
+          </a:prstGeom>
+          <a:noFill/>
+        </p:spPr>
+        <p:txBody>
+          <a:bodyPr wrap="square" rtlCol="0">
+            <a:spAutoFit/>
+          </a:bodyPr>
+          <a:lstStyle/>
+          <a:p>
+            <a:r>
+              <a:rPr lang="es-AR" sz="1100" dirty="0" smtClean="0">
+                <a:latin typeface="Papyrus" panose="03070502060502030205" pitchFamily="66" charset="0"/>
+              </a:rPr>
+              <a:t>AMBIENTE TRADICIONAL</a:t>
+            </a:r>
+            <a:endParaRPr lang="es-AR" sz="1100" dirty="0">
+              <a:latin typeface="Papyrus" panose="03070502060502030205" pitchFamily="66" charset="0"/>
+            </a:endParaRPr>
+          </a:p>
+        </p:txBody>
+      </p:sp>
+      <p:cxnSp>
+        <p:nvCxnSpPr>
+          <p:cNvPr id="29" name="Conector recto 28"/>
+          <p:cNvCxnSpPr/>
+          <p:nvPr/>
+        </p:nvCxnSpPr>
+        <p:spPr>
+          <a:xfrm>
+            <a:off x="119762" y="4137483"/>
+            <a:ext cx="2616173" cy="0"/>
+          </a:xfrm>
+          <a:prstGeom prst="line">
+            <a:avLst/>
+          </a:prstGeom>
+          <a:ln>
+            <a:solidFill>
+              <a:schemeClr val="tx2">
+                <a:lumMod val="75000"/>
+              </a:schemeClr>
+            </a:solidFill>
+          </a:ln>
+        </p:spPr>
+        <p:style>
+          <a:lnRef idx="2">
+            <a:schemeClr val="dk1"/>
+          </a:lnRef>
+          <a:fillRef idx="0">
+            <a:schemeClr val="dk1"/>
+          </a:fillRef>
+          <a:effectRef idx="1">
+            <a:schemeClr val="dk1"/>
+          </a:effectRef>
+          <a:fontRef idx="minor">
+            <a:schemeClr val="tx1"/>
+          </a:fontRef>
+        </p:style>
+      </p:cxnSp>
+      <p:sp>
+        <p:nvSpPr>
+          <p:cNvPr id="37" name="CuadroTexto 36"/>
+          <p:cNvSpPr txBox="1"/>
+          <p:nvPr/>
+        </p:nvSpPr>
+        <p:spPr>
+          <a:xfrm>
+            <a:off x="119114" y="5375015"/>
+            <a:ext cx="3155950" cy="261610"/>
+          </a:xfrm>
+          <a:prstGeom prst="rect">
+            <a:avLst/>
+          </a:prstGeom>
+          <a:noFill/>
+        </p:spPr>
+        <p:txBody>
+          <a:bodyPr wrap="square" rtlCol="0">
+            <a:spAutoFit/>
+          </a:bodyPr>
+          <a:lstStyle/>
+          <a:p>
+            <a:r>
+              <a:rPr lang="es-AR" sz="1100" dirty="0" smtClean="0">
+                <a:latin typeface="Papyrus" panose="03070502060502030205" pitchFamily="66" charset="0"/>
+              </a:rPr>
+              <a:t>AMBIENTE ÁGIL</a:t>
+            </a:r>
+            <a:endParaRPr lang="es-AR" sz="1100" dirty="0">
+              <a:latin typeface="Papyrus" panose="03070502060502030205" pitchFamily="66" charset="0"/>
+            </a:endParaRPr>
+          </a:p>
+        </p:txBody>
+      </p:sp>
+      <p:cxnSp>
+        <p:nvCxnSpPr>
+          <p:cNvPr id="38" name="Conector recto 37"/>
+          <p:cNvCxnSpPr/>
+          <p:nvPr/>
+        </p:nvCxnSpPr>
+        <p:spPr>
+          <a:xfrm flipV="1">
+            <a:off x="119762" y="5708997"/>
+            <a:ext cx="1886838" cy="5234"/>
+          </a:xfrm>
+          <a:prstGeom prst="line">
+            <a:avLst/>
+          </a:prstGeom>
+          <a:ln>
+            <a:solidFill>
+              <a:schemeClr val="tx2">
+                <a:lumMod val="75000"/>
+              </a:schemeClr>
+            </a:solidFill>
+          </a:ln>
+        </p:spPr>
+        <p:style>
+          <a:lnRef idx="2">
+            <a:schemeClr val="dk1"/>
+          </a:lnRef>
+          <a:fillRef idx="0">
+            <a:schemeClr val="dk1"/>
+          </a:fillRef>
+          <a:effectRef idx="1">
+            <a:schemeClr val="dk1"/>
+          </a:effectRef>
+          <a:fontRef idx="minor">
+            <a:schemeClr val="tx1"/>
+          </a:fontRef>
+        </p:style>
+      </p:cxnSp>
+      <p:pic>
+        <p:nvPicPr>
+          <p:cNvPr id="30" name="Imagen 29"/>
+          <p:cNvPicPr>
+            <a:picLocks noChangeAspect="1"/>
+          </p:cNvPicPr>
+          <p:nvPr/>
+        </p:nvPicPr>
+        <p:blipFill>
+          <a:blip r:embed="rId6" cstate="print">
+            <a:extLst>
+              <a:ext uri="{28A0092B-C50C-407E-A947-70E740481C1C}">
+                <a14:useLocalDpi xmlns:a14="http://schemas.microsoft.com/office/drawing/2010/main" val="0"/>
+              </a:ext>
+            </a:extLst>
+          </a:blip>
+          <a:stretch>
+            <a:fillRect/>
+          </a:stretch>
+        </p:blipFill>
+        <p:spPr>
+          <a:xfrm>
+            <a:off x="569096" y="4173935"/>
+            <a:ext cx="1019943" cy="1042654"/>
+          </a:xfrm>
+          <a:prstGeom prst="rect">
+            <a:avLst/>
+          </a:prstGeom>
+        </p:spPr>
+      </p:pic>
+      <p:sp>
+        <p:nvSpPr>
+          <p:cNvPr id="53" name="Elipse 52"/>
+          <p:cNvSpPr/>
+          <p:nvPr/>
+        </p:nvSpPr>
+        <p:spPr>
+          <a:xfrm>
+            <a:off x="2707446" y="3915248"/>
+            <a:ext cx="1591879" cy="1489105"/>
+          </a:xfrm>
+          <a:prstGeom prst="ellipse">
+            <a:avLst/>
+          </a:prstGeom>
+          <a:solidFill>
+            <a:schemeClr val="accent1">
+              <a:lumMod val="20000"/>
+              <a:lumOff val="80000"/>
+            </a:schemeClr>
+          </a:solidFill>
+          <a:ln>
+            <a:solidFill>
+              <a:schemeClr val="tx2">
+                <a:lumMod val="75000"/>
+              </a:schemeClr>
+            </a:solidFill>
+          </a:ln>
+        </p:spPr>
+        <p:style>
+          <a:lnRef idx="2">
+            <a:schemeClr val="accent1">
+              <a:shade val="50000"/>
+            </a:schemeClr>
+          </a:lnRef>
+          <a:fillRef idx="1">
+            <a:schemeClr val="accent1"/>
+          </a:fillRef>
+          <a:effectRef idx="0">
+            <a:schemeClr val="accent1"/>
+          </a:effectRef>
+          <a:fontRef idx="minor">
+            <a:schemeClr val="lt1"/>
+          </a:fontRef>
+        </p:style>
+        <p:txBody>
+          <a:bodyPr rtlCol="0" anchor="ctr"/>
+          <a:lstStyle/>
+          <a:p>
+            <a:pPr algn="ctr"/>
+            <a:endParaRPr lang="es-AR"/>
+          </a:p>
+        </p:txBody>
+      </p:sp>
+      <p:pic>
+        <p:nvPicPr>
+          <p:cNvPr id="48" name="Imagen 47"/>
+          <p:cNvPicPr>
+            <a:picLocks noChangeAspect="1"/>
+          </p:cNvPicPr>
+          <p:nvPr/>
+        </p:nvPicPr>
+        <p:blipFill rotWithShape="1">
+          <a:blip r:embed="rId7" cstate="print">
+            <a:extLst>
+              <a:ext uri="{28A0092B-C50C-407E-A947-70E740481C1C}">
+                <a14:useLocalDpi xmlns:a14="http://schemas.microsoft.com/office/drawing/2010/main" val="0"/>
+              </a:ext>
+            </a:extLst>
+          </a:blip>
+          <a:srcRect l="30222" b="4487"/>
+          <a:stretch/>
+        </p:blipFill>
+        <p:spPr>
+          <a:xfrm>
+            <a:off x="3456462" y="3907429"/>
+            <a:ext cx="1093912" cy="856286"/>
+          </a:xfrm>
+          <a:prstGeom prst="rect">
+            <a:avLst/>
+          </a:prstGeom>
+        </p:spPr>
+      </p:pic>
+      <p:pic>
+        <p:nvPicPr>
+          <p:cNvPr id="31" name="Imagen 30"/>
+          <p:cNvPicPr>
+            <a:picLocks noChangeAspect="1"/>
+          </p:cNvPicPr>
+          <p:nvPr/>
+        </p:nvPicPr>
+        <p:blipFill>
+          <a:blip r:embed="rId8" cstate="print">
+            <a:extLst>
+              <a:ext uri="{28A0092B-C50C-407E-A947-70E740481C1C}">
+                <a14:useLocalDpi xmlns:a14="http://schemas.microsoft.com/office/drawing/2010/main" val="0"/>
+              </a:ext>
+            </a:extLst>
+          </a:blip>
+          <a:stretch>
+            <a:fillRect/>
+          </a:stretch>
+        </p:blipFill>
+        <p:spPr>
+          <a:xfrm>
+            <a:off x="2818501" y="4000428"/>
+            <a:ext cx="1025785" cy="670288"/>
+          </a:xfrm>
+          <a:prstGeom prst="rect">
+            <a:avLst/>
+          </a:prstGeom>
+        </p:spPr>
+      </p:pic>
+      <p:pic>
+        <p:nvPicPr>
+          <p:cNvPr id="50" name="Imagen 49"/>
+          <p:cNvPicPr>
+            <a:picLocks noChangeAspect="1"/>
+          </p:cNvPicPr>
+          <p:nvPr/>
+        </p:nvPicPr>
+        <p:blipFill rotWithShape="1">
+          <a:blip r:embed="rId9" cstate="print">
+            <a:extLst>
+              <a:ext uri="{28A0092B-C50C-407E-A947-70E740481C1C}">
+                <a14:useLocalDpi xmlns:a14="http://schemas.microsoft.com/office/drawing/2010/main" val="0"/>
+              </a:ext>
+            </a:extLst>
+          </a:blip>
+          <a:srcRect l="1515" r="2581"/>
+          <a:stretch/>
+        </p:blipFill>
+        <p:spPr>
+          <a:xfrm>
+            <a:off x="2842053" y="4717062"/>
+            <a:ext cx="1245293" cy="410292"/>
+          </a:xfrm>
+          <a:prstGeom prst="rect">
+            <a:avLst/>
+          </a:prstGeom>
+        </p:spPr>
+      </p:pic>
+      <p:sp>
+        <p:nvSpPr>
+          <p:cNvPr id="54" name="Flecha derecha 53"/>
+          <p:cNvSpPr/>
+          <p:nvPr/>
+        </p:nvSpPr>
+        <p:spPr>
+          <a:xfrm>
+            <a:off x="1751524" y="4655402"/>
+            <a:ext cx="743943" cy="183388"/>
+          </a:xfrm>
+          <a:prstGeom prst="rightArrow">
+            <a:avLst/>
+          </a:prstGeom>
+          <a:solidFill>
+            <a:schemeClr val="accent1">
+              <a:lumMod val="20000"/>
+              <a:lumOff val="80000"/>
+            </a:schemeClr>
+          </a:solidFill>
+          <a:ln>
+            <a:solidFill>
+              <a:schemeClr val="tx2">
+                <a:lumMod val="75000"/>
+              </a:schemeClr>
+            </a:solidFill>
+          </a:ln>
+        </p:spPr>
+        <p:style>
+          <a:lnRef idx="2">
+            <a:schemeClr val="accent1">
+              <a:shade val="50000"/>
+            </a:schemeClr>
+          </a:lnRef>
+          <a:fillRef idx="1">
+            <a:schemeClr val="accent1"/>
+          </a:fillRef>
+          <a:effectRef idx="0">
+            <a:schemeClr val="accent1"/>
+          </a:effectRef>
+          <a:fontRef idx="minor">
+            <a:schemeClr val="lt1"/>
+          </a:fontRef>
+        </p:style>
+        <p:txBody>
+          <a:bodyPr rtlCol="0" anchor="ctr"/>
+          <a:lstStyle/>
+          <a:p>
+            <a:pPr algn="ctr"/>
+            <a:endParaRPr lang="es-AR"/>
+          </a:p>
+        </p:txBody>
+      </p:sp>
+      <p:sp>
+        <p:nvSpPr>
+          <p:cNvPr id="63" name="CuadroTexto 62"/>
+          <p:cNvSpPr txBox="1"/>
+          <p:nvPr/>
+        </p:nvSpPr>
+        <p:spPr>
+          <a:xfrm>
+            <a:off x="4063110" y="5766524"/>
+            <a:ext cx="3155950" cy="261610"/>
+          </a:xfrm>
+          <a:prstGeom prst="rect">
+            <a:avLst/>
+          </a:prstGeom>
+          <a:noFill/>
+        </p:spPr>
+        <p:txBody>
+          <a:bodyPr wrap="square" rtlCol="0">
+            <a:spAutoFit/>
+          </a:bodyPr>
+          <a:lstStyle/>
+          <a:p>
+            <a:r>
+              <a:rPr lang="es-AR" sz="1100" dirty="0" smtClean="0">
+                <a:latin typeface="Papyrus" panose="03070502060502030205" pitchFamily="66" charset="0"/>
+              </a:rPr>
+              <a:t>PRINCIPIOS  DEL TESTER AGIL</a:t>
+            </a:r>
+            <a:endParaRPr lang="es-AR" sz="1100" dirty="0">
+              <a:latin typeface="Papyrus" panose="03070502060502030205" pitchFamily="66" charset="0"/>
+            </a:endParaRPr>
+          </a:p>
+        </p:txBody>
+      </p:sp>
+      <p:cxnSp>
+        <p:nvCxnSpPr>
+          <p:cNvPr id="64" name="Conector recto 63"/>
+          <p:cNvCxnSpPr/>
+          <p:nvPr/>
+        </p:nvCxnSpPr>
+        <p:spPr>
+          <a:xfrm>
+            <a:off x="4087346" y="6075757"/>
+            <a:ext cx="2742472" cy="13110"/>
+          </a:xfrm>
+          <a:prstGeom prst="line">
+            <a:avLst/>
+          </a:prstGeom>
+          <a:ln>
+            <a:solidFill>
+              <a:schemeClr val="tx2">
+                <a:lumMod val="75000"/>
+              </a:schemeClr>
+            </a:solidFill>
+          </a:ln>
+        </p:spPr>
+        <p:style>
+          <a:lnRef idx="2">
+            <a:schemeClr val="dk1"/>
+          </a:lnRef>
+          <a:fillRef idx="0">
+            <a:schemeClr val="dk1"/>
+          </a:fillRef>
+          <a:effectRef idx="1">
+            <a:schemeClr val="dk1"/>
+          </a:effectRef>
+          <a:fontRef idx="minor">
+            <a:schemeClr val="tx1"/>
+          </a:fontRef>
+        </p:style>
+      </p:cxnSp>
+      <p:sp>
+        <p:nvSpPr>
+          <p:cNvPr id="67" name="CuadroTexto 66"/>
+          <p:cNvSpPr txBox="1"/>
+          <p:nvPr/>
+        </p:nvSpPr>
+        <p:spPr>
+          <a:xfrm>
+            <a:off x="4326519" y="4049727"/>
+            <a:ext cx="2284056" cy="1546577"/>
+          </a:xfrm>
+          <a:prstGeom prst="rect">
+            <a:avLst/>
+          </a:prstGeom>
+          <a:noFill/>
+        </p:spPr>
+        <p:txBody>
+          <a:bodyPr wrap="square" rtlCol="0">
+            <a:spAutoFit/>
+          </a:bodyPr>
+          <a:lstStyle/>
+          <a:p>
+            <a:pPr marL="171450" indent="-171450">
+              <a:buFont typeface="Franklin Gothic Book" panose="020B0503020102020204" pitchFamily="34" charset="0"/>
+              <a:buChar char="→"/>
+            </a:pPr>
+            <a:r>
+              <a:rPr lang="es-AR" sz="1050" dirty="0" smtClean="0">
+                <a:solidFill>
+                  <a:schemeClr val="tx2">
+                    <a:lumMod val="75000"/>
+                  </a:schemeClr>
+                </a:solidFill>
+                <a:latin typeface="Papyrus" panose="03070502060502030205" pitchFamily="66" charset="0"/>
+              </a:rPr>
+              <a:t>El tester le da mucha importancia a la documentación.</a:t>
+            </a:r>
+          </a:p>
+          <a:p>
+            <a:pPr marL="171450" indent="-171450">
+              <a:buFont typeface="Franklin Gothic Book" panose="020B0503020102020204" pitchFamily="34" charset="0"/>
+              <a:buChar char="→"/>
+            </a:pPr>
+            <a:endParaRPr lang="es-AR" sz="1050" dirty="0" smtClean="0">
+              <a:solidFill>
+                <a:schemeClr val="tx2">
+                  <a:lumMod val="75000"/>
+                </a:schemeClr>
+              </a:solidFill>
+              <a:latin typeface="Papyrus" panose="03070502060502030205" pitchFamily="66" charset="0"/>
+            </a:endParaRPr>
+          </a:p>
+          <a:p>
+            <a:pPr marL="171450" indent="-171450">
+              <a:buFont typeface="Franklin Gothic Book" panose="020B0503020102020204" pitchFamily="34" charset="0"/>
+              <a:buChar char="→"/>
+            </a:pPr>
+            <a:r>
+              <a:rPr lang="en-US" sz="1050" dirty="0" smtClean="0">
+                <a:solidFill>
+                  <a:schemeClr val="tx2">
+                    <a:lumMod val="75000"/>
+                  </a:schemeClr>
+                </a:solidFill>
+                <a:latin typeface="Papyrus" panose="03070502060502030205" pitchFamily="66" charset="0"/>
+              </a:rPr>
+              <a:t>El testing lo dirige el l</a:t>
+            </a:r>
+            <a:r>
+              <a:rPr lang="es-AR" sz="1050" dirty="0" smtClean="0">
+                <a:solidFill>
+                  <a:schemeClr val="tx2">
+                    <a:lumMod val="75000"/>
+                  </a:schemeClr>
+                </a:solidFill>
+                <a:latin typeface="Papyrus" panose="03070502060502030205" pitchFamily="66" charset="0"/>
+              </a:rPr>
+              <a:t>í</a:t>
+            </a:r>
+            <a:r>
+              <a:rPr lang="en-US" sz="1050" dirty="0" smtClean="0">
+                <a:solidFill>
+                  <a:schemeClr val="tx2">
+                    <a:lumMod val="75000"/>
+                  </a:schemeClr>
+                </a:solidFill>
+                <a:latin typeface="Papyrus" panose="03070502060502030205" pitchFamily="66" charset="0"/>
+              </a:rPr>
+              <a:t>der del Proyecto</a:t>
+            </a:r>
+          </a:p>
+          <a:p>
+            <a:pPr marL="171450" indent="-171450">
+              <a:buFont typeface="Franklin Gothic Book" panose="020B0503020102020204" pitchFamily="34" charset="0"/>
+              <a:buChar char="→"/>
+            </a:pPr>
+            <a:endParaRPr lang="en-US" sz="1050" dirty="0" smtClean="0">
+              <a:solidFill>
+                <a:schemeClr val="tx2">
+                  <a:lumMod val="75000"/>
+                </a:schemeClr>
+              </a:solidFill>
+              <a:latin typeface="Papyrus" panose="03070502060502030205" pitchFamily="66" charset="0"/>
+            </a:endParaRPr>
+          </a:p>
+          <a:p>
+            <a:pPr marL="171450" indent="-171450">
+              <a:buFont typeface="Franklin Gothic Book" panose="020B0503020102020204" pitchFamily="34" charset="0"/>
+              <a:buChar char="→"/>
+            </a:pPr>
+            <a:r>
+              <a:rPr lang="es-AR" sz="1050" dirty="0" smtClean="0">
+                <a:solidFill>
+                  <a:schemeClr val="tx2">
+                    <a:lumMod val="75000"/>
+                  </a:schemeClr>
+                </a:solidFill>
+                <a:latin typeface="Papyrus" panose="03070502060502030205" pitchFamily="66" charset="0"/>
+              </a:rPr>
+              <a:t>El cliente solo participa en la fase inicial.</a:t>
+            </a:r>
+          </a:p>
+          <a:p>
+            <a:endParaRPr lang="es-AR" sz="1050" dirty="0">
+              <a:solidFill>
+                <a:schemeClr val="tx2">
+                  <a:lumMod val="75000"/>
+                </a:schemeClr>
+              </a:solidFill>
+              <a:latin typeface="Papyrus" panose="03070502060502030205" pitchFamily="66" charset="0"/>
+            </a:endParaRPr>
+          </a:p>
+        </p:txBody>
+      </p:sp>
+      <p:pic>
+        <p:nvPicPr>
+          <p:cNvPr id="59" name="Imagen 58"/>
+          <p:cNvPicPr>
+            <a:picLocks noChangeAspect="1"/>
+          </p:cNvPicPr>
+          <p:nvPr/>
+        </p:nvPicPr>
+        <p:blipFill>
+          <a:blip r:embed="rId10" cstate="print">
+            <a:extLst>
+              <a:ext uri="{28A0092B-C50C-407E-A947-70E740481C1C}">
+                <a14:useLocalDpi xmlns:a14="http://schemas.microsoft.com/office/drawing/2010/main" val="0"/>
+              </a:ext>
+            </a:extLst>
+          </a:blip>
+          <a:stretch>
+            <a:fillRect/>
+          </a:stretch>
+        </p:blipFill>
+        <p:spPr>
+          <a:xfrm>
+            <a:off x="-101197" y="5839180"/>
+            <a:ext cx="1866900" cy="1090452"/>
+          </a:xfrm>
+          <a:prstGeom prst="rect">
+            <a:avLst/>
+          </a:prstGeom>
+        </p:spPr>
+      </p:pic>
+      <p:sp>
+        <p:nvSpPr>
+          <p:cNvPr id="71" name="Flecha derecha 70"/>
+          <p:cNvSpPr/>
+          <p:nvPr/>
+        </p:nvSpPr>
+        <p:spPr>
+          <a:xfrm>
+            <a:off x="1742121" y="6338247"/>
+            <a:ext cx="341662" cy="174637"/>
+          </a:xfrm>
+          <a:prstGeom prst="rightArrow">
+            <a:avLst/>
+          </a:prstGeom>
+          <a:solidFill>
+            <a:schemeClr val="accent1">
+              <a:lumMod val="20000"/>
+              <a:lumOff val="80000"/>
+            </a:schemeClr>
+          </a:solidFill>
+          <a:ln>
+            <a:solidFill>
+              <a:schemeClr val="tx2">
+                <a:lumMod val="75000"/>
+              </a:schemeClr>
+            </a:solidFill>
+          </a:ln>
+        </p:spPr>
+        <p:style>
+          <a:lnRef idx="2">
+            <a:schemeClr val="accent1">
+              <a:shade val="50000"/>
+            </a:schemeClr>
+          </a:lnRef>
+          <a:fillRef idx="1">
+            <a:schemeClr val="accent1"/>
+          </a:fillRef>
+          <a:effectRef idx="0">
+            <a:schemeClr val="accent1"/>
+          </a:effectRef>
+          <a:fontRef idx="minor">
+            <a:schemeClr val="lt1"/>
+          </a:fontRef>
+        </p:style>
+        <p:txBody>
+          <a:bodyPr rtlCol="0" anchor="ctr"/>
+          <a:lstStyle/>
+          <a:p>
+            <a:pPr algn="ctr"/>
+            <a:endParaRPr lang="es-AR"/>
+          </a:p>
+        </p:txBody>
+      </p:sp>
+      <p:sp>
+        <p:nvSpPr>
+          <p:cNvPr id="75" name="Elipse 74"/>
+          <p:cNvSpPr/>
+          <p:nvPr/>
+        </p:nvSpPr>
+        <p:spPr>
+          <a:xfrm>
+            <a:off x="2192527" y="5681012"/>
+            <a:ext cx="1591879" cy="1489105"/>
+          </a:xfrm>
+          <a:prstGeom prst="ellipse">
+            <a:avLst/>
+          </a:prstGeom>
+          <a:solidFill>
+            <a:schemeClr val="accent1">
+              <a:lumMod val="20000"/>
+              <a:lumOff val="80000"/>
+            </a:schemeClr>
+          </a:solidFill>
+          <a:ln>
+            <a:solidFill>
+              <a:schemeClr val="tx2">
+                <a:lumMod val="75000"/>
+              </a:schemeClr>
+            </a:solidFill>
+          </a:ln>
+        </p:spPr>
+        <p:style>
+          <a:lnRef idx="2">
+            <a:schemeClr val="accent1">
+              <a:shade val="50000"/>
+            </a:schemeClr>
+          </a:lnRef>
+          <a:fillRef idx="1">
+            <a:schemeClr val="accent1"/>
+          </a:fillRef>
+          <a:effectRef idx="0">
+            <a:schemeClr val="accent1"/>
+          </a:effectRef>
+          <a:fontRef idx="minor">
+            <a:schemeClr val="lt1"/>
+          </a:fontRef>
+        </p:style>
+        <p:txBody>
+          <a:bodyPr rtlCol="0" anchor="ctr"/>
+          <a:lstStyle/>
+          <a:p>
+            <a:pPr algn="ctr"/>
+            <a:endParaRPr lang="es-AR"/>
+          </a:p>
+        </p:txBody>
+      </p:sp>
+      <p:pic>
+        <p:nvPicPr>
+          <p:cNvPr id="77" name="Imagen 76"/>
+          <p:cNvPicPr>
+            <a:picLocks noChangeAspect="1"/>
+          </p:cNvPicPr>
+          <p:nvPr/>
+        </p:nvPicPr>
+        <p:blipFill rotWithShape="1">
+          <a:blip r:embed="rId11" cstate="print">
+            <a:extLst>
+              <a:ext uri="{28A0092B-C50C-407E-A947-70E740481C1C}">
+                <a14:useLocalDpi xmlns:a14="http://schemas.microsoft.com/office/drawing/2010/main" val="0"/>
+              </a:ext>
+            </a:extLst>
+          </a:blip>
+          <a:srcRect l="30222" t="17009" r="28995" b="4487"/>
+          <a:stretch/>
+        </p:blipFill>
+        <p:spPr>
+          <a:xfrm>
+            <a:off x="2304707" y="5856759"/>
+            <a:ext cx="617194" cy="679401"/>
+          </a:xfrm>
+          <a:prstGeom prst="rect">
+            <a:avLst/>
+          </a:prstGeom>
+        </p:spPr>
+      </p:pic>
+      <p:sp>
+        <p:nvSpPr>
+          <p:cNvPr id="69" name="Y 68"/>
+          <p:cNvSpPr/>
+          <p:nvPr/>
+        </p:nvSpPr>
+        <p:spPr>
+          <a:xfrm>
+            <a:off x="2400045" y="5897439"/>
+            <a:ext cx="457498" cy="467446"/>
+          </a:xfrm>
+          <a:prstGeom prst="flowChartSummingJunction">
+            <a:avLst/>
+          </a:prstGeom>
+          <a:noFill/>
+          <a:ln>
+            <a:solidFill>
+              <a:srgbClr val="C00000"/>
+            </a:solidFill>
+          </a:ln>
+        </p:spPr>
+        <p:style>
+          <a:lnRef idx="2">
+            <a:schemeClr val="accent1">
+              <a:shade val="50000"/>
+            </a:schemeClr>
+          </a:lnRef>
+          <a:fillRef idx="1">
+            <a:schemeClr val="accent1"/>
+          </a:fillRef>
+          <a:effectRef idx="0">
+            <a:schemeClr val="accent1"/>
+          </a:effectRef>
+          <a:fontRef idx="minor">
+            <a:schemeClr val="lt1"/>
+          </a:fontRef>
+        </p:style>
+        <p:txBody>
+          <a:bodyPr rtlCol="0" anchor="ctr"/>
+          <a:lstStyle/>
+          <a:p>
+            <a:pPr algn="ctr"/>
+            <a:endParaRPr lang="es-AR"/>
+          </a:p>
+        </p:txBody>
+      </p:sp>
+      <p:sp>
+        <p:nvSpPr>
+          <p:cNvPr id="80" name="CuadroTexto 79"/>
+          <p:cNvSpPr txBox="1"/>
+          <p:nvPr/>
+        </p:nvSpPr>
+        <p:spPr>
+          <a:xfrm>
+            <a:off x="78154" y="6950570"/>
+            <a:ext cx="2474546" cy="1384995"/>
+          </a:xfrm>
+          <a:prstGeom prst="rect">
+            <a:avLst/>
+          </a:prstGeom>
+          <a:noFill/>
+        </p:spPr>
+        <p:txBody>
+          <a:bodyPr wrap="square" rtlCol="0">
+            <a:spAutoFit/>
+          </a:bodyPr>
+          <a:lstStyle/>
+          <a:p>
+            <a:pPr marL="171450" indent="-171450">
+              <a:buFont typeface="Franklin Gothic Book" panose="020B0503020102020204" pitchFamily="34" charset="0"/>
+              <a:buChar char="→"/>
+            </a:pPr>
+            <a:r>
+              <a:rPr lang="es-AR" sz="1050" dirty="0" smtClean="0">
+                <a:solidFill>
+                  <a:schemeClr val="tx2">
+                    <a:lumMod val="75000"/>
+                  </a:schemeClr>
+                </a:solidFill>
+                <a:latin typeface="Papyrus" panose="03070502060502030205" pitchFamily="66" charset="0"/>
+              </a:rPr>
+              <a:t>El tester </a:t>
+            </a:r>
+            <a:r>
+              <a:rPr lang="es-AR" sz="800" dirty="0" smtClean="0">
+                <a:solidFill>
+                  <a:schemeClr val="tx2">
+                    <a:lumMod val="75000"/>
+                  </a:schemeClr>
+                </a:solidFill>
+                <a:latin typeface="Papyrus" panose="03070502060502030205" pitchFamily="66" charset="0"/>
+              </a:rPr>
+              <a:t>NO  </a:t>
+            </a:r>
+            <a:r>
+              <a:rPr lang="es-AR" sz="1050" dirty="0" smtClean="0">
+                <a:solidFill>
+                  <a:schemeClr val="tx2">
+                    <a:lumMod val="75000"/>
+                  </a:schemeClr>
+                </a:solidFill>
+                <a:latin typeface="Papyrus" panose="03070502060502030205" pitchFamily="66" charset="0"/>
+              </a:rPr>
+              <a:t>le da mucha importancia a la documentación.</a:t>
+            </a:r>
+          </a:p>
+          <a:p>
+            <a:pPr marL="171450" indent="-171450">
+              <a:buFont typeface="Franklin Gothic Book" panose="020B0503020102020204" pitchFamily="34" charset="0"/>
+              <a:buChar char="→"/>
+            </a:pPr>
+            <a:endParaRPr lang="es-AR" sz="1050" dirty="0" smtClean="0">
+              <a:solidFill>
+                <a:schemeClr val="tx2">
+                  <a:lumMod val="75000"/>
+                </a:schemeClr>
+              </a:solidFill>
+              <a:latin typeface="Papyrus" panose="03070502060502030205" pitchFamily="66" charset="0"/>
+            </a:endParaRPr>
+          </a:p>
+          <a:p>
+            <a:pPr marL="171450" indent="-171450">
+              <a:buFont typeface="Franklin Gothic Book" panose="020B0503020102020204" pitchFamily="34" charset="0"/>
+              <a:buChar char="→"/>
+            </a:pPr>
+            <a:r>
+              <a:rPr lang="es-AR" sz="1050" dirty="0" smtClean="0">
+                <a:solidFill>
+                  <a:schemeClr val="tx2">
+                    <a:lumMod val="75000"/>
+                  </a:schemeClr>
+                </a:solidFill>
+                <a:latin typeface="Papyrus" panose="03070502060502030205" pitchFamily="66" charset="0"/>
+              </a:rPr>
+              <a:t>El testing  se hace en conjunto con el equipo.</a:t>
+            </a:r>
+          </a:p>
+          <a:p>
+            <a:pPr marL="171450" indent="-171450">
+              <a:buFont typeface="Franklin Gothic Book" panose="020B0503020102020204" pitchFamily="34" charset="0"/>
+              <a:buChar char="→"/>
+            </a:pPr>
+            <a:endParaRPr lang="es-AR" sz="1050" dirty="0" smtClean="0">
+              <a:solidFill>
+                <a:schemeClr val="tx2">
+                  <a:lumMod val="75000"/>
+                </a:schemeClr>
+              </a:solidFill>
+              <a:latin typeface="Papyrus" panose="03070502060502030205" pitchFamily="66" charset="0"/>
+            </a:endParaRPr>
+          </a:p>
+          <a:p>
+            <a:pPr marL="171450" indent="-171450">
+              <a:buFont typeface="Franklin Gothic Book" panose="020B0503020102020204" pitchFamily="34" charset="0"/>
+              <a:buChar char="→"/>
+            </a:pPr>
+            <a:r>
+              <a:rPr lang="es-AR" sz="1050" dirty="0" smtClean="0">
+                <a:solidFill>
+                  <a:schemeClr val="tx2">
+                    <a:lumMod val="75000"/>
+                  </a:schemeClr>
+                </a:solidFill>
+                <a:latin typeface="Papyrus" panose="03070502060502030205" pitchFamily="66" charset="0"/>
+              </a:rPr>
+              <a:t>El cliente tiene participación.</a:t>
+            </a:r>
+            <a:endParaRPr lang="es-AR" sz="1050" dirty="0">
+              <a:solidFill>
+                <a:schemeClr val="tx2">
+                  <a:lumMod val="75000"/>
+                </a:schemeClr>
+              </a:solidFill>
+              <a:latin typeface="Papyrus" panose="03070502060502030205" pitchFamily="66" charset="0"/>
+            </a:endParaRPr>
+          </a:p>
+          <a:p>
+            <a:pPr marL="171450" indent="-171450">
+              <a:buFont typeface="Franklin Gothic Book" panose="020B0503020102020204" pitchFamily="34" charset="0"/>
+              <a:buChar char="→"/>
+            </a:pPr>
+            <a:endParaRPr lang="es-AR" sz="1050" dirty="0" smtClean="0">
+              <a:solidFill>
+                <a:schemeClr val="tx2">
+                  <a:lumMod val="75000"/>
+                </a:schemeClr>
+              </a:solidFill>
+              <a:latin typeface="Papyrus" panose="03070502060502030205" pitchFamily="66" charset="0"/>
+            </a:endParaRPr>
+          </a:p>
+        </p:txBody>
+      </p:sp>
+      <p:pic>
+        <p:nvPicPr>
+          <p:cNvPr id="58" name="Imagen 57"/>
+          <p:cNvPicPr>
+            <a:picLocks noChangeAspect="1"/>
+          </p:cNvPicPr>
+          <p:nvPr/>
+        </p:nvPicPr>
+        <p:blipFill>
+          <a:blip r:embed="rId12" cstate="print">
+            <a:extLst>
+              <a:ext uri="{28A0092B-C50C-407E-A947-70E740481C1C}">
+                <a14:useLocalDpi xmlns:a14="http://schemas.microsoft.com/office/drawing/2010/main" val="0"/>
+              </a:ext>
+            </a:extLst>
+          </a:blip>
+          <a:stretch>
+            <a:fillRect/>
+          </a:stretch>
+        </p:blipFill>
+        <p:spPr>
+          <a:xfrm>
+            <a:off x="2900815" y="5804727"/>
+            <a:ext cx="697362" cy="641455"/>
+          </a:xfrm>
+          <a:prstGeom prst="rect">
+            <a:avLst/>
+          </a:prstGeom>
+        </p:spPr>
+      </p:pic>
+      <p:pic>
+        <p:nvPicPr>
+          <p:cNvPr id="70" name="Imagen 69"/>
+          <p:cNvPicPr>
+            <a:picLocks noChangeAspect="1"/>
+          </p:cNvPicPr>
+          <p:nvPr/>
+        </p:nvPicPr>
+        <p:blipFill>
+          <a:blip r:embed="rId13" cstate="print">
+            <a:extLst>
+              <a:ext uri="{28A0092B-C50C-407E-A947-70E740481C1C}">
+                <a14:useLocalDpi xmlns:a14="http://schemas.microsoft.com/office/drawing/2010/main" val="0"/>
+              </a:ext>
+            </a:extLst>
+          </a:blip>
+          <a:stretch>
+            <a:fillRect/>
+          </a:stretch>
+        </p:blipFill>
+        <p:spPr>
+          <a:xfrm>
+            <a:off x="2627699" y="6344661"/>
+            <a:ext cx="837000" cy="837000"/>
+          </a:xfrm>
+          <a:prstGeom prst="rect">
+            <a:avLst/>
+          </a:prstGeom>
+        </p:spPr>
+      </p:pic>
+      <p:pic>
+        <p:nvPicPr>
+          <p:cNvPr id="1042" name="Picture 18" descr="https://lh3.googleusercontent.com/LFmEipAIdKRJU36_F2GmTER8_zuyF_ma3LmjJNLpxf_Pg4o60OOgZZYYllwr_hSAvOfuUGAWvFLOCKTutIyaiNzxPvTl7gY1-E6NQZOlHQ1jqCz4PDk0jqia3UVc2cR8mV8B95a937hpWYNQkA2qTw"/>
+          <p:cNvPicPr>
+            <a:picLocks noChangeAspect="1" noChangeArrowheads="1"/>
+          </p:cNvPicPr>
+          <p:nvPr/>
+        </p:nvPicPr>
+        <p:blipFill>
+          <a:blip r:embed="rId14">
+            <a:extLst>
+              <a:ext uri="{28A0092B-C50C-407E-A947-70E740481C1C}">
+                <a14:useLocalDpi xmlns:a14="http://schemas.microsoft.com/office/drawing/2010/main" val="0"/>
+              </a:ext>
+            </a:extLst>
+          </a:blip>
+          <a:srcRect/>
+          <a:stretch>
+            <a:fillRect/>
+          </a:stretch>
+        </p:blipFill>
+        <p:spPr bwMode="auto">
+          <a:xfrm>
+            <a:off x="4159025" y="7275695"/>
+            <a:ext cx="1042495" cy="1042495"/>
+          </a:xfrm>
+          <a:prstGeom prst="rect">
+            <a:avLst/>
+          </a:prstGeom>
+          <a:noFill/>
+          <a:extLst>
+            <a:ext uri="{909E8E84-426E-40DD-AFC4-6F175D3DCCD1}">
+              <a14:hiddenFill xmlns:a14="http://schemas.microsoft.com/office/drawing/2010/main">
+                <a:solidFill>
+                  <a:srgbClr val="FFFFFF"/>
+                </a:solidFill>
+              </a14:hiddenFill>
+            </a:ext>
+          </a:extLst>
+        </p:spPr>
+      </p:pic>
+      <p:pic>
+        <p:nvPicPr>
+          <p:cNvPr id="1046" name="Picture 22" descr="https://lh3.googleusercontent.com/6PS6D2C2zhY6bIEbH1DA9rVC1fCOEMEZ4dO_uXa48l04xp45G5Dfp4G6Z19MzxYPtxxkazAaLeUNwGmhAvxHCexdWj5DqbngJsYZJrlUCdLe9_sgfMMYluc8uCrwNLFjhvN9_ZfX3P6l2_NHtgw2Gw"/>
+          <p:cNvPicPr>
+            <a:picLocks noChangeAspect="1" noChangeArrowheads="1"/>
+          </p:cNvPicPr>
+          <p:nvPr/>
+        </p:nvPicPr>
+        <p:blipFill rotWithShape="1">
+          <a:blip r:embed="rId15">
+            <a:extLst>
+              <a:ext uri="{28A0092B-C50C-407E-A947-70E740481C1C}">
+                <a14:useLocalDpi xmlns:a14="http://schemas.microsoft.com/office/drawing/2010/main" val="0"/>
+              </a:ext>
+            </a:extLst>
+          </a:blip>
+          <a:srcRect b="33474"/>
+          <a:stretch/>
+        </p:blipFill>
+        <p:spPr bwMode="auto">
+          <a:xfrm>
+            <a:off x="5149993" y="5708997"/>
+            <a:ext cx="1900661" cy="1264430"/>
+          </a:xfrm>
+          <a:prstGeom prst="rect">
+            <a:avLst/>
+          </a:prstGeom>
+          <a:noFill/>
+          <a:extLst>
+            <a:ext uri="{909E8E84-426E-40DD-AFC4-6F175D3DCCD1}">
+              <a14:hiddenFill xmlns:a14="http://schemas.microsoft.com/office/drawing/2010/main">
+                <a:solidFill>
+                  <a:srgbClr val="FFFFFF"/>
+                </a:solidFill>
+              </a14:hiddenFill>
+            </a:ext>
+          </a:extLst>
+        </p:spPr>
+      </p:pic>
+      <p:pic>
+        <p:nvPicPr>
+          <p:cNvPr id="72" name="Imagen 71"/>
+          <p:cNvPicPr>
+            <a:picLocks noChangeAspect="1"/>
+          </p:cNvPicPr>
+          <p:nvPr/>
+        </p:nvPicPr>
+        <p:blipFill>
+          <a:blip r:embed="rId16" cstate="print">
+            <a:extLst>
+              <a:ext uri="{28A0092B-C50C-407E-A947-70E740481C1C}">
+                <a14:useLocalDpi xmlns:a14="http://schemas.microsoft.com/office/drawing/2010/main" val="0"/>
+              </a:ext>
+            </a:extLst>
+          </a:blip>
+          <a:stretch>
+            <a:fillRect/>
+          </a:stretch>
+        </p:blipFill>
+        <p:spPr>
+          <a:xfrm>
+            <a:off x="4091075" y="6155808"/>
+            <a:ext cx="1210526" cy="1099638"/>
+          </a:xfrm>
+          <a:prstGeom prst="rect">
+            <a:avLst/>
+          </a:prstGeom>
+        </p:spPr>
+      </p:pic>
+      <p:pic>
+        <p:nvPicPr>
+          <p:cNvPr id="73" name="Imagen 72"/>
+          <p:cNvPicPr>
+            <a:picLocks noChangeAspect="1"/>
+          </p:cNvPicPr>
+          <p:nvPr/>
+        </p:nvPicPr>
+        <p:blipFill rotWithShape="1">
+          <a:blip r:embed="rId17">
+            <a:extLst>
+              <a:ext uri="{28A0092B-C50C-407E-A947-70E740481C1C}">
+                <a14:useLocalDpi xmlns:a14="http://schemas.microsoft.com/office/drawing/2010/main" val="0"/>
+              </a:ext>
+            </a:extLst>
+          </a:blip>
+          <a:srcRect r="10660"/>
+          <a:stretch/>
+        </p:blipFill>
+        <p:spPr>
+          <a:xfrm>
+            <a:off x="5011734" y="6799299"/>
+            <a:ext cx="1744912" cy="1387963"/>
+          </a:xfrm>
+          <a:prstGeom prst="rect">
+            <a:avLst/>
+          </a:prstGeom>
+        </p:spPr>
+      </p:pic>
+      <p:sp>
+        <p:nvSpPr>
+          <p:cNvPr id="74" name="Pergamino horizontal 73"/>
+          <p:cNvSpPr/>
+          <p:nvPr/>
+        </p:nvSpPr>
+        <p:spPr>
+          <a:xfrm>
+            <a:off x="95186" y="8175088"/>
+            <a:ext cx="4633224" cy="976739"/>
+          </a:xfrm>
+          <a:prstGeom prst="horizontalScroll">
+            <a:avLst/>
+          </a:prstGeom>
+          <a:solidFill>
+            <a:schemeClr val="accent4">
+              <a:lumMod val="20000"/>
+              <a:lumOff val="80000"/>
+            </a:schemeClr>
+          </a:solidFill>
+          <a:ln>
+            <a:solidFill>
+              <a:schemeClr val="tx2">
+                <a:lumMod val="75000"/>
+              </a:schemeClr>
+            </a:solidFill>
+          </a:ln>
+        </p:spPr>
+        <p:style>
+          <a:lnRef idx="2">
+            <a:schemeClr val="accent1">
+              <a:shade val="50000"/>
+            </a:schemeClr>
+          </a:lnRef>
+          <a:fillRef idx="1">
+            <a:schemeClr val="accent1"/>
+          </a:fillRef>
+          <a:effectRef idx="0">
+            <a:schemeClr val="accent1"/>
+          </a:effectRef>
+          <a:fontRef idx="minor">
+            <a:schemeClr val="lt1"/>
+          </a:fontRef>
+        </p:style>
+        <p:txBody>
+          <a:bodyPr rtlCol="0" anchor="ctr"/>
+          <a:lstStyle/>
+          <a:p>
+            <a:pPr algn="ctr"/>
+            <a:r>
+              <a:rPr lang="es-AR" sz="1000" dirty="0" smtClean="0">
+                <a:solidFill>
+                  <a:schemeClr val="tx2">
+                    <a:lumMod val="75000"/>
+                  </a:schemeClr>
+                </a:solidFill>
+                <a:latin typeface="Papyrus" panose="03070502060502030205" pitchFamily="66" charset="0"/>
+              </a:rPr>
+              <a:t>Como conclusión, podemos decir que las competencias que debe tener el tester son similares en ambos ambientes. Sin embargo, se recomienda el uso de testing ágil por las ventajas ya mencionadas, aunque el testing en ambientes tradicionales no deja de ser útil.</a:t>
+            </a:r>
+            <a:endParaRPr lang="es-AR" sz="1000" dirty="0">
+              <a:solidFill>
+                <a:schemeClr val="tx2">
+                  <a:lumMod val="75000"/>
+                </a:schemeClr>
+              </a:solidFill>
+              <a:latin typeface="Papyrus" panose="03070502060502030205" pitchFamily="66" charset="0"/>
+            </a:endParaRPr>
+          </a:p>
+        </p:txBody>
+      </p:sp>
+      <p:sp>
+        <p:nvSpPr>
+          <p:cNvPr id="92" name="CuadroTexto 91"/>
+          <p:cNvSpPr txBox="1"/>
+          <p:nvPr/>
+        </p:nvSpPr>
+        <p:spPr>
+          <a:xfrm>
+            <a:off x="4693920" y="8191959"/>
+            <a:ext cx="2135898" cy="1000274"/>
+          </a:xfrm>
+          <a:prstGeom prst="rect">
+            <a:avLst/>
+          </a:prstGeom>
+          <a:noFill/>
+        </p:spPr>
+        <p:txBody>
+          <a:bodyPr wrap="square" rtlCol="0">
+            <a:spAutoFit/>
+          </a:bodyPr>
+          <a:lstStyle/>
+          <a:p>
+            <a:r>
+              <a:rPr lang="es-AR" sz="1100" dirty="0" smtClean="0">
+                <a:latin typeface="Papyrus" panose="03070502060502030205" pitchFamily="66" charset="0"/>
+              </a:rPr>
+              <a:t>Bibliografía:</a:t>
+            </a:r>
+          </a:p>
+          <a:p>
+            <a:r>
+              <a:rPr lang="es-AR" sz="800" dirty="0">
+                <a:solidFill>
+                  <a:schemeClr val="tx2">
+                    <a:lumMod val="75000"/>
+                  </a:schemeClr>
+                </a:solidFill>
+                <a:latin typeface="Papyrus" panose="03070502060502030205" pitchFamily="66" charset="0"/>
+              </a:rPr>
+              <a:t>https://www.sogeti.es/soluciones/calidad-de-software/servicios-de-testing/testing</a:t>
+            </a:r>
+            <a:r>
+              <a:rPr lang="es-AR" sz="800" dirty="0" smtClean="0">
+                <a:solidFill>
+                  <a:schemeClr val="tx2">
+                    <a:lumMod val="75000"/>
+                  </a:schemeClr>
+                </a:solidFill>
+                <a:latin typeface="Papyrus" panose="03070502060502030205" pitchFamily="66" charset="0"/>
+              </a:rPr>
+              <a:t>/</a:t>
+            </a:r>
+          </a:p>
+          <a:p>
+            <a:endParaRPr lang="es-AR" sz="800" dirty="0" smtClean="0">
+              <a:solidFill>
+                <a:schemeClr val="tx2">
+                  <a:lumMod val="75000"/>
+                </a:schemeClr>
+              </a:solidFill>
+              <a:latin typeface="Papyrus" panose="03070502060502030205" pitchFamily="66" charset="0"/>
+            </a:endParaRPr>
+          </a:p>
+          <a:p>
+            <a:r>
+              <a:rPr lang="es-AR" sz="800" dirty="0">
+                <a:solidFill>
+                  <a:schemeClr val="tx2">
+                    <a:lumMod val="75000"/>
+                  </a:schemeClr>
+                </a:solidFill>
+                <a:latin typeface="Papyrus" panose="03070502060502030205" pitchFamily="66" charset="0"/>
+              </a:rPr>
+              <a:t>https://</a:t>
+            </a:r>
+            <a:r>
+              <a:rPr lang="es-AR" sz="800" dirty="0" smtClean="0">
+                <a:solidFill>
+                  <a:schemeClr val="tx2">
+                    <a:lumMod val="75000"/>
+                  </a:schemeClr>
+                </a:solidFill>
+                <a:latin typeface="Papyrus" panose="03070502060502030205" pitchFamily="66" charset="0"/>
+              </a:rPr>
+              <a:t>stefanini.com/es/</a:t>
+            </a:r>
+            <a:r>
+              <a:rPr lang="es-AR" sz="800" dirty="0" err="1" smtClean="0">
+                <a:solidFill>
+                  <a:schemeClr val="tx2">
+                    <a:lumMod val="75000"/>
+                  </a:schemeClr>
+                </a:solidFill>
+                <a:latin typeface="Papyrus" panose="03070502060502030205" pitchFamily="66" charset="0"/>
+              </a:rPr>
+              <a:t>trend</a:t>
+            </a:r>
+            <a:r>
+              <a:rPr lang="es-AR" sz="800" dirty="0" smtClean="0">
+                <a:solidFill>
+                  <a:schemeClr val="tx2">
+                    <a:lumMod val="75000"/>
+                  </a:schemeClr>
+                </a:solidFill>
+                <a:latin typeface="Papyrus" panose="03070502060502030205" pitchFamily="66" charset="0"/>
+              </a:rPr>
+              <a:t>/</a:t>
+            </a:r>
+            <a:r>
+              <a:rPr lang="es-AR" sz="800" dirty="0" err="1" smtClean="0">
+                <a:solidFill>
+                  <a:schemeClr val="tx2">
+                    <a:lumMod val="75000"/>
+                  </a:schemeClr>
+                </a:solidFill>
+                <a:latin typeface="Papyrus" panose="03070502060502030205" pitchFamily="66" charset="0"/>
+              </a:rPr>
+              <a:t>articulos</a:t>
+            </a:r>
+            <a:r>
+              <a:rPr lang="es-AR" sz="800" dirty="0" smtClean="0">
+                <a:solidFill>
+                  <a:schemeClr val="tx2">
+                    <a:lumMod val="75000"/>
+                  </a:schemeClr>
+                </a:solidFill>
+                <a:latin typeface="Papyrus" panose="03070502060502030205" pitchFamily="66" charset="0"/>
+              </a:rPr>
+              <a:t>/la-conquista-de-la-calidad-pruebas-de-software-con-metodologias-agiles</a:t>
+            </a:r>
+            <a:endParaRPr lang="es-AR" sz="800" dirty="0">
+              <a:solidFill>
+                <a:schemeClr val="tx2">
+                  <a:lumMod val="75000"/>
+                </a:schemeClr>
+              </a:solidFill>
+              <a:latin typeface="Papyrus" panose="03070502060502030205" pitchFamily="66" charset="0"/>
+            </a:endParaRPr>
           </a:p>
         </p:txBody>
       </p:sp>
     </p:spTree>
     <p:extLst>
       <p:ext uri="{BB962C8B-B14F-4D97-AF65-F5344CB8AC3E}">
-        <p14:creationId xmlns:p14="http://schemas.microsoft.com/office/powerpoint/2010/main" val="684869963"/>
+        <p14:creationId xmlns:p14="http://schemas.microsoft.com/office/powerpoint/2010/main" val="3133527680"/>
       </p:ext>
     </p:extLst>
   </p:cSld>
   <p:clrMapOvr>
     <a:masterClrMapping/>
   </p:clrMapOvr>
+  <p:timing>
+    <p:tnLst>
+      <p:par>
+        <p:cTn id="1" dur="indefinite" restart="never" nodeType="tmRoot"/>
+      </p:par>
+    </p:tnLst>
+  </p:timing>
 </p:sld>
 </file>
 
 <file path=ppt/theme/theme1.xml><?xml version="1.0" encoding="utf-8"?>
 <a:theme xmlns:a="http://schemas.openxmlformats.org/drawingml/2006/main" name="Tema de Office">
   <a:themeElements>
-    <a:clrScheme name="Office">
+    <a:clrScheme name="Tema de Office">
       <a:dk1>
         <a:sysClr val="windowText" lastClr="000000"/>
       </a:dk1>
@@ -3060,7 +5508,7 @@
         <a:srgbClr val="954F72"/>
       </a:folHlink>
     </a:clrScheme>
-    <a:fontScheme name="Office">
+    <a:fontScheme name="Tema de Office">
       <a:majorFont>
         <a:latin typeface="Calibri Light" panose="020F0302020204030204"/>
         <a:ea typeface=""/>
@@ -3132,7 +5580,7 @@
         <a:font script="Geor" typeface="Sylfaen"/>
       </a:minorFont>
     </a:fontScheme>
-    <a:fmtScheme name="Office">
+    <a:fmtScheme name="Tema de Office">
       <a:fillStyleLst>
         <a:solidFill>
           <a:schemeClr val="phClr"/>
